--- a/Reports/P3_Presentation.pptx
+++ b/Reports/P3_Presentation.pptx
@@ -13,7 +13,6 @@
     <p:sldId id="260" r:id="rId7"/>
     <p:sldId id="261" r:id="rId8"/>
     <p:sldId id="264" r:id="rId9"/>
-    <p:sldId id="262" r:id="rId10"/>
   </p:sldIdLst>
   <p:sldSz cx="12192000" cy="6858000"/>
   <p:notesSz cx="6858000" cy="9144000"/>
@@ -112,6 +111,11 @@
       </a:defRPr>
     </a:lvl9pPr>
   </p:defaultTextStyle>
+  <p:extLst>
+    <p:ext uri="{EFAFB233-063F-42B5-8137-9DF3F51BA10A}">
+      <p15:sldGuideLst xmlns:p15="http://schemas.microsoft.com/office/powerpoint/2012/main"/>
+    </p:ext>
+  </p:extLst>
 </p:presentation>
 </file>
 
@@ -353,7 +357,7 @@
           <a:p>
             <a:fld id="{BB35FBEA-EF9C-454D-B1C8-378609B2EDFB}" type="datetimeFigureOut">
               <a:rPr lang="en-US" smtClean="0"/>
-              <a:t>11/30/2020</a:t>
+              <a:t>12/1/2020</a:t>
             </a:fld>
             <a:endParaRPr lang="en-US"/>
           </a:p>
@@ -561,7 +565,7 @@
           <a:p>
             <a:fld id="{BB35FBEA-EF9C-454D-B1C8-378609B2EDFB}" type="datetimeFigureOut">
               <a:rPr lang="en-US" smtClean="0"/>
-              <a:t>11/30/2020</a:t>
+              <a:t>12/1/2020</a:t>
             </a:fld>
             <a:endParaRPr lang="en-US"/>
           </a:p>
@@ -817,7 +821,7 @@
           <a:p>
             <a:fld id="{BB35FBEA-EF9C-454D-B1C8-378609B2EDFB}" type="datetimeFigureOut">
               <a:rPr lang="en-US" smtClean="0"/>
-              <a:t>11/30/2020</a:t>
+              <a:t>12/1/2020</a:t>
             </a:fld>
             <a:endParaRPr lang="en-US"/>
           </a:p>
@@ -991,7 +995,7 @@
           <a:p>
             <a:fld id="{BB35FBEA-EF9C-454D-B1C8-378609B2EDFB}" type="datetimeFigureOut">
               <a:rPr lang="en-US" smtClean="0"/>
-              <a:t>11/30/2020</a:t>
+              <a:t>12/1/2020</a:t>
             </a:fld>
             <a:endParaRPr lang="en-US"/>
           </a:p>
@@ -1334,7 +1338,7 @@
           <a:p>
             <a:fld id="{BB35FBEA-EF9C-454D-B1C8-378609B2EDFB}" type="datetimeFigureOut">
               <a:rPr lang="en-US" smtClean="0"/>
-              <a:t>11/30/2020</a:t>
+              <a:t>12/1/2020</a:t>
             </a:fld>
             <a:endParaRPr lang="en-US"/>
           </a:p>
@@ -1609,7 +1613,7 @@
           <a:p>
             <a:fld id="{BB35FBEA-EF9C-454D-B1C8-378609B2EDFB}" type="datetimeFigureOut">
               <a:rPr lang="en-US" smtClean="0"/>
-              <a:t>11/30/2020</a:t>
+              <a:t>12/1/2020</a:t>
             </a:fld>
             <a:endParaRPr lang="en-US"/>
           </a:p>
@@ -1988,7 +1992,7 @@
           <a:p>
             <a:fld id="{BB35FBEA-EF9C-454D-B1C8-378609B2EDFB}" type="datetimeFigureOut">
               <a:rPr lang="en-US" smtClean="0"/>
-              <a:t>11/30/2020</a:t>
+              <a:t>12/1/2020</a:t>
             </a:fld>
             <a:endParaRPr lang="en-US"/>
           </a:p>
@@ -2106,7 +2110,7 @@
           <a:p>
             <a:fld id="{BB35FBEA-EF9C-454D-B1C8-378609B2EDFB}" type="datetimeFigureOut">
               <a:rPr lang="en-US" smtClean="0"/>
-              <a:t>11/30/2020</a:t>
+              <a:t>12/1/2020</a:t>
             </a:fld>
             <a:endParaRPr lang="en-US"/>
           </a:p>
@@ -2277,7 +2281,7 @@
           <a:p>
             <a:fld id="{BB35FBEA-EF9C-454D-B1C8-378609B2EDFB}" type="datetimeFigureOut">
               <a:rPr lang="en-US" smtClean="0"/>
-              <a:t>11/30/2020</a:t>
+              <a:t>12/1/2020</a:t>
             </a:fld>
             <a:endParaRPr lang="en-US"/>
           </a:p>
@@ -2631,7 +2635,7 @@
           <a:p>
             <a:fld id="{BB35FBEA-EF9C-454D-B1C8-378609B2EDFB}" type="datetimeFigureOut">
               <a:rPr lang="en-US" smtClean="0"/>
-              <a:t>11/30/2020</a:t>
+              <a:t>12/1/2020</a:t>
             </a:fld>
             <a:endParaRPr lang="en-US"/>
           </a:p>
@@ -3013,7 +3017,7 @@
           <a:p>
             <a:fld id="{BB35FBEA-EF9C-454D-B1C8-378609B2EDFB}" type="datetimeFigureOut">
               <a:rPr lang="en-US" smtClean="0"/>
-              <a:t>11/30/2020</a:t>
+              <a:t>12/1/2020</a:t>
             </a:fld>
             <a:endParaRPr lang="en-US"/>
           </a:p>
@@ -3300,7 +3304,7 @@
           <a:p>
             <a:fld id="{BB35FBEA-EF9C-454D-B1C8-378609B2EDFB}" type="datetimeFigureOut">
               <a:rPr lang="en-US" smtClean="0"/>
-              <a:t>11/30/2020</a:t>
+              <a:t>12/1/2020</a:t>
             </a:fld>
             <a:endParaRPr lang="en-US"/>
           </a:p>
@@ -3842,15 +3846,17 @@
         </p:nvSpPr>
         <p:spPr/>
         <p:txBody>
-          <a:bodyPr/>
+          <a:bodyPr>
+            <a:normAutofit/>
+          </a:bodyPr>
           <a:lstStyle/>
           <a:p>
             <a:r>
-              <a:rPr lang="en-US" dirty="0">
+              <a:rPr lang="en-US" sz="5400" dirty="0">
                 <a:latin typeface="Times New Roman" panose="02020603050405020304" pitchFamily="18" charset="0"/>
                 <a:cs typeface="Times New Roman" panose="02020603050405020304" pitchFamily="18" charset="0"/>
               </a:rPr>
-              <a:t>Daily Weights </a:t>
+              <a:t>Effect of Nutrition and Exercise Incentive on Weekly Weight Loss  </a:t>
             </a:r>
           </a:p>
         </p:txBody>
@@ -4120,10 +4126,10 @@
       </p:sp>
       <p:pic>
         <p:nvPicPr>
-          <p:cNvPr id="5" name="Picture 4">
+          <p:cNvPr id="6" name="Picture 5">
             <a:extLst>
               <a:ext uri="{FF2B5EF4-FFF2-40B4-BE49-F238E27FC236}">
-                <a16:creationId xmlns:a16="http://schemas.microsoft.com/office/drawing/2014/main" id="{1097A75A-17B4-40AB-B17E-F698BEC302BB}"/>
+                <a16:creationId xmlns:a16="http://schemas.microsoft.com/office/drawing/2014/main" id="{261966AD-595F-4FA8-98C9-1608E68922F8}"/>
               </a:ext>
             </a:extLst>
           </p:cNvPr>
@@ -4140,8 +4146,8 @@
         </p:blipFill>
         <p:spPr>
           <a:xfrm>
-            <a:off x="5524291" y="605245"/>
-            <a:ext cx="5631389" cy="5582491"/>
+            <a:off x="5487463" y="751411"/>
+            <a:ext cx="5839693" cy="5355177"/>
           </a:xfrm>
           <a:prstGeom prst="rect">
             <a:avLst/>
@@ -4369,7 +4375,37 @@
                 <a:ea typeface="Calibri" panose="020F0502020204030204" pitchFamily="34" charset="0"/>
                 <a:cs typeface="Times New Roman" panose="02020603050405020304" pitchFamily="18" charset="0"/>
               </a:rPr>
-              <a:t> points are equally spaced so we used an AR(1) structure. </a:t>
+              <a:t> points are equally spaced, so we used an AR(1) structure. </a:t>
+            </a:r>
+          </a:p>
+          <a:p>
+            <a:pPr lvl="5">
+              <a:lnSpc>
+                <a:spcPct val="107000"/>
+              </a:lnSpc>
+              <a:spcBef>
+                <a:spcPts val="0"/>
+              </a:spcBef>
+              <a:spcAft>
+                <a:spcPts val="800"/>
+              </a:spcAft>
+            </a:pPr>
+            <a:r>
+              <a:rPr lang="en-US" sz="1800" dirty="0">
+                <a:effectLst/>
+                <a:latin typeface="Times New Roman" panose="02020603050405020304" pitchFamily="18" charset="0"/>
+                <a:ea typeface="Calibri" panose="020F0502020204030204" pitchFamily="34" charset="0"/>
+                <a:cs typeface="Times New Roman" panose="02020603050405020304" pitchFamily="18" charset="0"/>
+              </a:rPr>
+              <a:t>Random intercept for Partici</a:t>
+            </a:r>
+            <a:r>
+              <a:rPr lang="en-US" sz="1800" dirty="0">
+                <a:latin typeface="Times New Roman" panose="02020603050405020304" pitchFamily="18" charset="0"/>
+                <a:ea typeface="Calibri" panose="020F0502020204030204" pitchFamily="34" charset="0"/>
+                <a:cs typeface="Times New Roman" panose="02020603050405020304" pitchFamily="18" charset="0"/>
+              </a:rPr>
+              <a:t>pant</a:t>
             </a:r>
             <a:endParaRPr lang="en-US" sz="1800" dirty="0">
               <a:effectLst/>
@@ -4477,6 +4513,17 @@
             </a:r>
           </a:p>
           <a:p>
+            <a:pPr marL="201168" lvl="1" indent="0">
+              <a:buNone/>
+            </a:pPr>
+            <a:endParaRPr lang="en-US" dirty="0">
+              <a:effectLst/>
+              <a:latin typeface="Times New Roman" panose="02020603050405020304" pitchFamily="18" charset="0"/>
+              <a:ea typeface="Calibri" panose="020F0502020204030204" pitchFamily="34" charset="0"/>
+              <a:cs typeface="Times New Roman" panose="02020603050405020304" pitchFamily="18" charset="0"/>
+            </a:endParaRPr>
+          </a:p>
+          <a:p>
             <a:pPr lvl="1"/>
             <a:r>
               <a:rPr lang="en-US" dirty="0">
@@ -4497,6 +4544,16 @@
             </a:r>
           </a:p>
           <a:p>
+            <a:pPr marL="201168" lvl="1" indent="0">
+              <a:buNone/>
+            </a:pPr>
+            <a:endParaRPr lang="en-US" dirty="0">
+              <a:latin typeface="Times New Roman" panose="02020603050405020304" pitchFamily="18" charset="0"/>
+              <a:ea typeface="Calibri" panose="020F0502020204030204" pitchFamily="34" charset="0"/>
+              <a:cs typeface="Times New Roman" panose="02020603050405020304" pitchFamily="18" charset="0"/>
+            </a:endParaRPr>
+          </a:p>
+          <a:p>
             <a:pPr lvl="1"/>
             <a:r>
               <a:rPr lang="en-US" dirty="0">
@@ -4507,6 +4564,17 @@
               </a:rPr>
               <a:t>One participant was missing age, race and sex information and was removed. </a:t>
             </a:r>
+          </a:p>
+          <a:p>
+            <a:pPr marL="201168" lvl="1" indent="0">
+              <a:buNone/>
+            </a:pPr>
+            <a:endParaRPr lang="en-US" dirty="0">
+              <a:effectLst/>
+              <a:latin typeface="Times New Roman" panose="02020603050405020304" pitchFamily="18" charset="0"/>
+              <a:ea typeface="Calibri" panose="020F0502020204030204" pitchFamily="34" charset="0"/>
+              <a:cs typeface="Times New Roman" panose="02020603050405020304" pitchFamily="18" charset="0"/>
+            </a:endParaRPr>
           </a:p>
           <a:p>
             <a:pPr lvl="1"/>
@@ -4548,23 +4616,6 @@
               </a:rPr>
               <a:t>. </a:t>
             </a:r>
-          </a:p>
-          <a:p>
-            <a:pPr lvl="1"/>
-            <a:r>
-              <a:rPr lang="en-US" sz="1800" dirty="0">
-                <a:effectLst/>
-                <a:latin typeface="Times New Roman" panose="02020603050405020304" pitchFamily="18" charset="0"/>
-                <a:ea typeface="Calibri" panose="020F0502020204030204" pitchFamily="34" charset="0"/>
-              </a:rPr>
-              <a:t>To account for the effect of month on weight loss, we used the date variable to determine which month the measurement fell into. </a:t>
-            </a:r>
-            <a:endParaRPr lang="en-US" sz="2200" dirty="0">
-              <a:effectLst/>
-              <a:latin typeface="Calibri" panose="020F0502020204030204" pitchFamily="34" charset="0"/>
-              <a:ea typeface="Calibri" panose="020F0502020204030204" pitchFamily="34" charset="0"/>
-              <a:cs typeface="Times New Roman" panose="02020603050405020304" pitchFamily="18" charset="0"/>
-            </a:endParaRPr>
           </a:p>
           <a:p>
             <a:endParaRPr lang="en-US" dirty="0"/>
@@ -4623,7 +4674,10 @@
           <a:lstStyle/>
           <a:p>
             <a:r>
-              <a:rPr lang="en-US" dirty="0"/>
+              <a:rPr lang="en-US" dirty="0">
+                <a:latin typeface="Times New Roman" panose="02020603050405020304" pitchFamily="18" charset="0"/>
+                <a:cs typeface="Times New Roman" panose="02020603050405020304" pitchFamily="18" charset="0"/>
+              </a:rPr>
               <a:t>Missing Data</a:t>
             </a:r>
           </a:p>
@@ -4650,7 +4704,66 @@
           <a:bodyPr/>
           <a:lstStyle/>
           <a:p>
-            <a:endParaRPr lang="en-US"/>
+            <a:pPr lvl="1"/>
+            <a:r>
+              <a:rPr lang="en-US" dirty="0">
+                <a:latin typeface="Times New Roman" panose="02020603050405020304" pitchFamily="18" charset="0"/>
+                <a:cs typeface="Times New Roman" panose="02020603050405020304" pitchFamily="18" charset="0"/>
+              </a:rPr>
+              <a:t>Some participants tried to measure weight once a week. We measure weight by week averages. </a:t>
+            </a:r>
+          </a:p>
+          <a:p>
+            <a:pPr marL="201168" lvl="1" indent="0">
+              <a:buNone/>
+            </a:pPr>
+            <a:endParaRPr lang="en-US" dirty="0">
+              <a:latin typeface="Times New Roman" panose="02020603050405020304" pitchFamily="18" charset="0"/>
+              <a:cs typeface="Times New Roman" panose="02020603050405020304" pitchFamily="18" charset="0"/>
+            </a:endParaRPr>
+          </a:p>
+          <a:p>
+            <a:pPr lvl="1"/>
+            <a:r>
+              <a:rPr lang="en-US" dirty="0">
+                <a:latin typeface="Times New Roman" panose="02020603050405020304" pitchFamily="18" charset="0"/>
+                <a:cs typeface="Times New Roman" panose="02020603050405020304" pitchFamily="18" charset="0"/>
+              </a:rPr>
+              <a:t>4 participants who had &gt; 50% missing data were removed.</a:t>
+            </a:r>
+          </a:p>
+          <a:p>
+            <a:pPr marL="201168" lvl="1" indent="0">
+              <a:buNone/>
+            </a:pPr>
+            <a:endParaRPr lang="en-US" dirty="0">
+              <a:latin typeface="Times New Roman" panose="02020603050405020304" pitchFamily="18" charset="0"/>
+              <a:cs typeface="Times New Roman" panose="02020603050405020304" pitchFamily="18" charset="0"/>
+            </a:endParaRPr>
+          </a:p>
+          <a:p>
+            <a:pPr lvl="1"/>
+            <a:r>
+              <a:rPr lang="en-US" dirty="0">
+                <a:latin typeface="Times New Roman" panose="02020603050405020304" pitchFamily="18" charset="0"/>
+                <a:cs typeface="Times New Roman" panose="02020603050405020304" pitchFamily="18" charset="0"/>
+              </a:rPr>
+              <a:t>Once removed, the mean (</a:t>
+            </a:r>
+            <a:r>
+              <a:rPr lang="en-US" dirty="0" err="1">
+                <a:latin typeface="Times New Roman" panose="02020603050405020304" pitchFamily="18" charset="0"/>
+                <a:cs typeface="Times New Roman" panose="02020603050405020304" pitchFamily="18" charset="0"/>
+              </a:rPr>
+              <a:t>sd</a:t>
+            </a:r>
+            <a:r>
+              <a:rPr lang="en-US" dirty="0">
+                <a:latin typeface="Times New Roman" panose="02020603050405020304" pitchFamily="18" charset="0"/>
+                <a:cs typeface="Times New Roman" panose="02020603050405020304" pitchFamily="18" charset="0"/>
+              </a:rPr>
+              <a:t>) missing data per person 8.1% (11.9%).</a:t>
+            </a:r>
           </a:p>
         </p:txBody>
       </p:sp>
@@ -4717,19 +4830,17 @@
       </p:sp>
       <p:pic>
         <p:nvPicPr>
-          <p:cNvPr id="4" name="Content Placeholder 3">
+          <p:cNvPr id="7" name="Picture 6">
             <a:extLst>
               <a:ext uri="{FF2B5EF4-FFF2-40B4-BE49-F238E27FC236}">
-                <a16:creationId xmlns:a16="http://schemas.microsoft.com/office/drawing/2014/main" id="{7665BA07-D083-4544-B354-A07E2144189E}"/>
+                <a16:creationId xmlns:a16="http://schemas.microsoft.com/office/drawing/2014/main" id="{1195A3DF-52BD-42D2-B89E-07A8986FDD84}"/>
               </a:ext>
             </a:extLst>
           </p:cNvPr>
           <p:cNvPicPr>
-            <a:picLocks noGrp="1"/>
+            <a:picLocks noChangeAspect="1"/>
           </p:cNvPicPr>
-          <p:nvPr>
-            <p:ph idx="1"/>
-          </p:nvPr>
+          <p:nvPr/>
         </p:nvPicPr>
         <p:blipFill>
           <a:blip r:embed="rId2"/>
@@ -4739,8 +4850,8 @@
         </p:blipFill>
         <p:spPr>
           <a:xfrm>
-            <a:off x="2192122" y="1846263"/>
-            <a:ext cx="7868081" cy="4022725"/>
+            <a:off x="2312194" y="1832610"/>
+            <a:ext cx="7567612" cy="4486451"/>
           </a:xfrm>
           <a:prstGeom prst="rect">
             <a:avLst/>
@@ -4808,17 +4919,17 @@
                 <a:latin typeface="Times New Roman" panose="02020603050405020304" pitchFamily="18" charset="0"/>
                 <a:cs typeface="Times New Roman" panose="02020603050405020304" pitchFamily="18" charset="0"/>
               </a:rPr>
-              <a:t>Mixed Model Analysis</a:t>
+              <a:t>LMM Analysis</a:t>
             </a:r>
           </a:p>
         </p:txBody>
       </p:sp>
       <p:graphicFrame>
         <p:nvGraphicFramePr>
-          <p:cNvPr id="5" name="Table 4">
+          <p:cNvPr id="4" name="Content Placeholder 3">
             <a:extLst>
               <a:ext uri="{FF2B5EF4-FFF2-40B4-BE49-F238E27FC236}">
-                <a16:creationId xmlns:a16="http://schemas.microsoft.com/office/drawing/2014/main" id="{26730BEE-C844-4B85-AF2E-FB1AD5E793CC}"/>
+                <a16:creationId xmlns:a16="http://schemas.microsoft.com/office/drawing/2014/main" id="{6DB5F83D-57B2-4466-8E0E-D0AF686F1BD8}"/>
               </a:ext>
             </a:extLst>
           </p:cNvPr>
@@ -4826,66 +4937,67 @@
             <a:graphicFrameLocks noGrp="1"/>
           </p:cNvGraphicFramePr>
           <p:nvPr>
+            <p:ph idx="1"/>
             <p:extLst>
               <p:ext uri="{D42A27DB-BD31-4B8C-83A1-F6EECF244321}">
-                <p14:modId xmlns:p14="http://schemas.microsoft.com/office/powerpoint/2010/main" val="1261898757"/>
+                <p14:modId xmlns:p14="http://schemas.microsoft.com/office/powerpoint/2010/main" val="294442298"/>
               </p:ext>
             </p:extLst>
           </p:nvPr>
         </p:nvGraphicFramePr>
         <p:xfrm>
-          <a:off x="7323342" y="1861647"/>
-          <a:ext cx="3832338" cy="4333910"/>
+          <a:off x="1269962" y="1860166"/>
+          <a:ext cx="4473890" cy="3603377"/>
         </p:xfrm>
         <a:graphic>
           <a:graphicData uri="http://schemas.openxmlformats.org/drawingml/2006/table">
             <a:tbl>
               <a:tblPr firstRow="1" firstCol="1" bandRow="1"/>
               <a:tblGrid>
-                <a:gridCol w="904858">
+                <a:gridCol w="1056335">
                   <a:extLst>
                     <a:ext uri="{9D8B030D-6E8A-4147-A177-3AD203B41FA5}">
-                      <a16:colId xmlns:a16="http://schemas.microsoft.com/office/drawing/2014/main" val="1348821168"/>
+                      <a16:colId xmlns:a16="http://schemas.microsoft.com/office/drawing/2014/main" val="4094501400"/>
                     </a:ext>
                   </a:extLst>
                 </a:gridCol>
-                <a:gridCol w="745177">
+                <a:gridCol w="869923">
                   <a:extLst>
                     <a:ext uri="{9D8B030D-6E8A-4147-A177-3AD203B41FA5}">
-                      <a16:colId xmlns:a16="http://schemas.microsoft.com/office/drawing/2014/main" val="1260155849"/>
+                      <a16:colId xmlns:a16="http://schemas.microsoft.com/office/drawing/2014/main" val="1797975893"/>
                     </a:ext>
                   </a:extLst>
                 </a:gridCol>
-                <a:gridCol w="638723">
+                <a:gridCol w="745648">
                   <a:extLst>
                     <a:ext uri="{9D8B030D-6E8A-4147-A177-3AD203B41FA5}">
-                      <a16:colId xmlns:a16="http://schemas.microsoft.com/office/drawing/2014/main" val="992637996"/>
+                      <a16:colId xmlns:a16="http://schemas.microsoft.com/office/drawing/2014/main" val="337431183"/>
                     </a:ext>
                   </a:extLst>
                 </a:gridCol>
-                <a:gridCol w="425815">
+                <a:gridCol w="497099">
                   <a:extLst>
                     <a:ext uri="{9D8B030D-6E8A-4147-A177-3AD203B41FA5}">
-                      <a16:colId xmlns:a16="http://schemas.microsoft.com/office/drawing/2014/main" val="1510290913"/>
+                      <a16:colId xmlns:a16="http://schemas.microsoft.com/office/drawing/2014/main" val="862018943"/>
                     </a:ext>
                   </a:extLst>
                 </a:gridCol>
-                <a:gridCol w="532269">
+                <a:gridCol w="621374">
                   <a:extLst>
                     <a:ext uri="{9D8B030D-6E8A-4147-A177-3AD203B41FA5}">
-                      <a16:colId xmlns:a16="http://schemas.microsoft.com/office/drawing/2014/main" val="2665717206"/>
+                      <a16:colId xmlns:a16="http://schemas.microsoft.com/office/drawing/2014/main" val="444325536"/>
                     </a:ext>
                   </a:extLst>
                 </a:gridCol>
-                <a:gridCol w="585496">
+                <a:gridCol w="683511">
                   <a:extLst>
                     <a:ext uri="{9D8B030D-6E8A-4147-A177-3AD203B41FA5}">
-                      <a16:colId xmlns:a16="http://schemas.microsoft.com/office/drawing/2014/main" val="3943440014"/>
+                      <a16:colId xmlns:a16="http://schemas.microsoft.com/office/drawing/2014/main" val="725117101"/>
                     </a:ext>
                   </a:extLst>
                 </a:gridCol>
               </a:tblGrid>
-              <a:tr h="296238">
+              <a:tr h="0">
                 <a:tc>
                   <a:txBody>
                     <a:bodyPr/>
@@ -4903,7 +5015,7 @@
                         </a:spcAft>
                       </a:pPr>
                       <a:r>
-                        <a:rPr lang="en-US" sz="900" b="1" dirty="0">
+                        <a:rPr lang="en-US" sz="1200" b="1" dirty="0">
                           <a:effectLst/>
                           <a:latin typeface="Times New Roman" panose="02020603050405020304" pitchFamily="18" charset="0"/>
                           <a:ea typeface="Times New Roman" panose="02020603050405020304" pitchFamily="18" charset="0"/>
@@ -4911,7 +5023,7 @@
                         </a:rPr>
                         <a:t>Effect</a:t>
                       </a:r>
-                      <a:endParaRPr lang="en-US" sz="900" dirty="0">
+                      <a:endParaRPr lang="en-US" sz="1200" dirty="0">
                         <a:effectLst/>
                         <a:latin typeface="Calibri" panose="020F0502020204030204" pitchFamily="34" charset="0"/>
                         <a:ea typeface="Calibri" panose="020F0502020204030204" pitchFamily="34" charset="0"/>
@@ -4919,7 +5031,7 @@
                       </a:endParaRPr>
                     </a:p>
                   </a:txBody>
-                  <a:tcPr marL="63872" marR="63872" marT="0" marB="0">
+                  <a:tcPr marL="68580" marR="68580" marT="0" marB="0">
                     <a:lnL>
                       <a:noFill/>
                     </a:lnL>
@@ -4963,7 +5075,7 @@
                         </a:spcAft>
                       </a:pPr>
                       <a:r>
-                        <a:rPr lang="en-US" sz="900" b="1" dirty="0">
+                        <a:rPr lang="en-US" sz="1200" b="1">
                           <a:effectLst/>
                           <a:latin typeface="Times New Roman" panose="02020603050405020304" pitchFamily="18" charset="0"/>
                           <a:ea typeface="Times New Roman" panose="02020603050405020304" pitchFamily="18" charset="0"/>
@@ -4971,7 +5083,7 @@
                         </a:rPr>
                         <a:t>Estimate</a:t>
                       </a:r>
-                      <a:endParaRPr lang="en-US" sz="900" dirty="0">
+                      <a:endParaRPr lang="en-US" sz="1200">
                         <a:effectLst/>
                         <a:latin typeface="Calibri" panose="020F0502020204030204" pitchFamily="34" charset="0"/>
                         <a:ea typeface="Calibri" panose="020F0502020204030204" pitchFamily="34" charset="0"/>
@@ -4979,7 +5091,7 @@
                       </a:endParaRPr>
                     </a:p>
                   </a:txBody>
-                  <a:tcPr marL="63872" marR="63872" marT="0" marB="0">
+                  <a:tcPr marL="68580" marR="68580" marT="0" marB="0">
                     <a:lnL w="12700" cap="flat" cmpd="sng" algn="ctr">
                       <a:solidFill>
                         <a:srgbClr val="000000"/>
@@ -5023,7 +5135,7 @@
                         </a:spcAft>
                       </a:pPr>
                       <a:r>
-                        <a:rPr lang="en-US" sz="900" b="1">
+                        <a:rPr lang="en-US" sz="1200" b="1">
                           <a:effectLst/>
                           <a:latin typeface="Times New Roman" panose="02020603050405020304" pitchFamily="18" charset="0"/>
                           <a:ea typeface="Times New Roman" panose="02020603050405020304" pitchFamily="18" charset="0"/>
@@ -5032,7 +5144,7 @@
                         <a:t>Standard</a:t>
                       </a:r>
                       <a:br>
-                        <a:rPr lang="en-US" sz="900" b="1">
+                        <a:rPr lang="en-US" sz="1200" b="1">
                           <a:effectLst/>
                           <a:latin typeface="Times New Roman" panose="02020603050405020304" pitchFamily="18" charset="0"/>
                           <a:ea typeface="Times New Roman" panose="02020603050405020304" pitchFamily="18" charset="0"/>
@@ -5040,7 +5152,7 @@
                         </a:rPr>
                       </a:br>
                       <a:r>
-                        <a:rPr lang="en-US" sz="900" b="1">
+                        <a:rPr lang="en-US" sz="1200" b="1">
                           <a:effectLst/>
                           <a:latin typeface="Times New Roman" panose="02020603050405020304" pitchFamily="18" charset="0"/>
                           <a:ea typeface="Times New Roman" panose="02020603050405020304" pitchFamily="18" charset="0"/>
@@ -5048,7 +5160,7 @@
                         </a:rPr>
                         <a:t>Error</a:t>
                       </a:r>
-                      <a:endParaRPr lang="en-US" sz="900">
+                      <a:endParaRPr lang="en-US" sz="1200">
                         <a:effectLst/>
                         <a:latin typeface="Calibri" panose="020F0502020204030204" pitchFamily="34" charset="0"/>
                         <a:ea typeface="Calibri" panose="020F0502020204030204" pitchFamily="34" charset="0"/>
@@ -5056,7 +5168,7 @@
                       </a:endParaRPr>
                     </a:p>
                   </a:txBody>
-                  <a:tcPr marL="63872" marR="63872" marT="0" marB="0">
+                  <a:tcPr marL="68580" marR="68580" marT="0" marB="0">
                     <a:lnL>
                       <a:noFill/>
                     </a:lnL>
@@ -5094,7 +5206,7 @@
                         </a:spcAft>
                       </a:pPr>
                       <a:r>
-                        <a:rPr lang="en-US" sz="900" b="1">
+                        <a:rPr lang="en-US" sz="1200" b="1">
                           <a:effectLst/>
                           <a:latin typeface="Times New Roman" panose="02020603050405020304" pitchFamily="18" charset="0"/>
                           <a:ea typeface="Times New Roman" panose="02020603050405020304" pitchFamily="18" charset="0"/>
@@ -5102,7 +5214,7 @@
                         </a:rPr>
                         <a:t>DF</a:t>
                       </a:r>
-                      <a:endParaRPr lang="en-US" sz="900">
+                      <a:endParaRPr lang="en-US" sz="1200">
                         <a:effectLst/>
                         <a:latin typeface="Calibri" panose="020F0502020204030204" pitchFamily="34" charset="0"/>
                         <a:ea typeface="Calibri" panose="020F0502020204030204" pitchFamily="34" charset="0"/>
@@ -5110,7 +5222,7 @@
                       </a:endParaRPr>
                     </a:p>
                   </a:txBody>
-                  <a:tcPr marL="63872" marR="63872" marT="0" marB="0">
+                  <a:tcPr marL="68580" marR="68580" marT="0" marB="0">
                     <a:lnL>
                       <a:noFill/>
                     </a:lnL>
@@ -5148,7 +5260,7 @@
                         </a:spcAft>
                       </a:pPr>
                       <a:r>
-                        <a:rPr lang="en-US" sz="900" b="1">
+                        <a:rPr lang="en-US" sz="1200" b="1">
                           <a:effectLst/>
                           <a:latin typeface="Times New Roman" panose="02020603050405020304" pitchFamily="18" charset="0"/>
                           <a:ea typeface="Times New Roman" panose="02020603050405020304" pitchFamily="18" charset="0"/>
@@ -5156,7 +5268,7 @@
                         </a:rPr>
                         <a:t>t Value</a:t>
                       </a:r>
-                      <a:endParaRPr lang="en-US" sz="900">
+                      <a:endParaRPr lang="en-US" sz="1200">
                         <a:effectLst/>
                         <a:latin typeface="Calibri" panose="020F0502020204030204" pitchFamily="34" charset="0"/>
                         <a:ea typeface="Calibri" panose="020F0502020204030204" pitchFamily="34" charset="0"/>
@@ -5164,7 +5276,7 @@
                       </a:endParaRPr>
                     </a:p>
                   </a:txBody>
-                  <a:tcPr marL="63872" marR="63872" marT="0" marB="0">
+                  <a:tcPr marL="68580" marR="68580" marT="0" marB="0">
                     <a:lnL>
                       <a:noFill/>
                     </a:lnL>
@@ -5202,7 +5314,7 @@
                         </a:spcAft>
                       </a:pPr>
                       <a:r>
-                        <a:rPr lang="en-US" sz="900" b="1">
+                        <a:rPr lang="en-US" sz="1200" b="1">
                           <a:effectLst/>
                           <a:latin typeface="Times New Roman" panose="02020603050405020304" pitchFamily="18" charset="0"/>
                           <a:ea typeface="Times New Roman" panose="02020603050405020304" pitchFamily="18" charset="0"/>
@@ -5210,7 +5322,7 @@
                         </a:rPr>
                         <a:t>Pr &gt; |t|</a:t>
                       </a:r>
-                      <a:endParaRPr lang="en-US" sz="900">
+                      <a:endParaRPr lang="en-US" sz="1200">
                         <a:effectLst/>
                         <a:latin typeface="Calibri" panose="020F0502020204030204" pitchFamily="34" charset="0"/>
                         <a:ea typeface="Calibri" panose="020F0502020204030204" pitchFamily="34" charset="0"/>
@@ -5218,7 +5330,7 @@
                       </a:endParaRPr>
                     </a:p>
                   </a:txBody>
-                  <a:tcPr marL="63872" marR="63872" marT="0" marB="0">
+                  <a:tcPr marL="68580" marR="68580" marT="0" marB="0">
                     <a:lnL>
                       <a:noFill/>
                     </a:lnL>
@@ -5241,11 +5353,11 @@
                 </a:tc>
                 <a:extLst>
                   <a:ext uri="{0D108BD9-81ED-4DB2-BD59-A6C34878D82A}">
-                    <a16:rowId xmlns:a16="http://schemas.microsoft.com/office/drawing/2014/main" val="2004918804"/>
+                    <a16:rowId xmlns:a16="http://schemas.microsoft.com/office/drawing/2014/main" val="1731630636"/>
                   </a:ext>
                 </a:extLst>
               </a:tr>
-              <a:tr h="224086">
+              <a:tr h="0">
                 <a:tc>
                   <a:txBody>
                     <a:bodyPr/>
@@ -5263,7 +5375,7 @@
                         </a:spcAft>
                       </a:pPr>
                       <a:r>
-                        <a:rPr lang="en-US" sz="900" b="1" dirty="0">
+                        <a:rPr lang="en-US" sz="1200" b="1" dirty="0">
                           <a:effectLst/>
                           <a:latin typeface="Times New Roman" panose="02020603050405020304" pitchFamily="18" charset="0"/>
                           <a:ea typeface="Times New Roman" panose="02020603050405020304" pitchFamily="18" charset="0"/>
@@ -5271,7 +5383,7 @@
                         </a:rPr>
                         <a:t>Intercept</a:t>
                       </a:r>
-                      <a:endParaRPr lang="en-US" sz="900" dirty="0">
+                      <a:endParaRPr lang="en-US" sz="1200" dirty="0">
                         <a:effectLst/>
                         <a:latin typeface="Calibri" panose="020F0502020204030204" pitchFamily="34" charset="0"/>
                         <a:ea typeface="Calibri" panose="020F0502020204030204" pitchFamily="34" charset="0"/>
@@ -5291,7 +5403,7 @@
                         </a:spcAft>
                       </a:pPr>
                       <a:r>
-                        <a:rPr lang="en-US" sz="900" b="1" dirty="0">
+                        <a:rPr lang="en-US" sz="1200" b="1" dirty="0">
                           <a:effectLst/>
                           <a:latin typeface="Times New Roman" panose="02020603050405020304" pitchFamily="18" charset="0"/>
                           <a:ea typeface="Times New Roman" panose="02020603050405020304" pitchFamily="18" charset="0"/>
@@ -5299,7 +5411,7 @@
                         </a:rPr>
                         <a:t> </a:t>
                       </a:r>
-                      <a:endParaRPr lang="en-US" sz="900" dirty="0">
+                      <a:endParaRPr lang="en-US" sz="1200" dirty="0">
                         <a:effectLst/>
                         <a:latin typeface="Calibri" panose="020F0502020204030204" pitchFamily="34" charset="0"/>
                         <a:ea typeface="Calibri" panose="020F0502020204030204" pitchFamily="34" charset="0"/>
@@ -5307,7 +5419,7 @@
                       </a:endParaRPr>
                     </a:p>
                   </a:txBody>
-                  <a:tcPr marL="63872" marR="63872" marT="0" marB="0">
+                  <a:tcPr marL="68580" marR="68580" marT="0" marB="0">
                     <a:lnL>
                       <a:noFill/>
                     </a:lnL>
@@ -5351,15 +5463,15 @@
                         </a:spcAft>
                       </a:pPr>
                       <a:r>
-                        <a:rPr lang="en-US" sz="900">
+                        <a:rPr lang="en-US" sz="1200">
                           <a:effectLst/>
                           <a:latin typeface="Times New Roman" panose="02020603050405020304" pitchFamily="18" charset="0"/>
                           <a:ea typeface="Calibri" panose="020F0502020204030204" pitchFamily="34" charset="0"/>
                           <a:cs typeface="Times New Roman" panose="02020603050405020304" pitchFamily="18" charset="0"/>
                         </a:rPr>
-                        <a:t>243.73</a:t>
+                        <a:t>263.38</a:t>
                       </a:r>
-                      <a:endParaRPr lang="en-US" sz="900">
+                      <a:endParaRPr lang="en-US" sz="1200">
                         <a:effectLst/>
                         <a:latin typeface="Calibri" panose="020F0502020204030204" pitchFamily="34" charset="0"/>
                         <a:ea typeface="Calibri" panose="020F0502020204030204" pitchFamily="34" charset="0"/>
@@ -5367,7 +5479,7 @@
                       </a:endParaRPr>
                     </a:p>
                   </a:txBody>
-                  <a:tcPr marL="63872" marR="63872" marT="0" marB="0">
+                  <a:tcPr marL="68580" marR="68580" marT="0" marB="0">
                     <a:lnL w="12700" cap="flat" cmpd="sng" algn="ctr">
                       <a:solidFill>
                         <a:srgbClr val="000000"/>
@@ -5411,15 +5523,15 @@
                         </a:spcAft>
                       </a:pPr>
                       <a:r>
-                        <a:rPr lang="en-US" sz="900">
+                        <a:rPr lang="en-US" sz="1200">
                           <a:effectLst/>
                           <a:latin typeface="Times New Roman" panose="02020603050405020304" pitchFamily="18" charset="0"/>
                           <a:ea typeface="Calibri" panose="020F0502020204030204" pitchFamily="34" charset="0"/>
                           <a:cs typeface="Times New Roman" panose="02020603050405020304" pitchFamily="18" charset="0"/>
                         </a:rPr>
-                        <a:t>8.0060</a:t>
+                        <a:t>17.7715</a:t>
                       </a:r>
-                      <a:endParaRPr lang="en-US" sz="900">
+                      <a:endParaRPr lang="en-US" sz="1200">
                         <a:effectLst/>
                         <a:latin typeface="Calibri" panose="020F0502020204030204" pitchFamily="34" charset="0"/>
                         <a:ea typeface="Calibri" panose="020F0502020204030204" pitchFamily="34" charset="0"/>
@@ -5427,7 +5539,7 @@
                       </a:endParaRPr>
                     </a:p>
                   </a:txBody>
-                  <a:tcPr marL="63872" marR="63872" marT="0" marB="0">
+                  <a:tcPr marL="68580" marR="68580" marT="0" marB="0">
                     <a:lnL>
                       <a:noFill/>
                     </a:lnL>
@@ -5465,15 +5577,15 @@
                         </a:spcAft>
                       </a:pPr>
                       <a:r>
-                        <a:rPr lang="en-US" sz="900">
+                        <a:rPr lang="en-US" sz="1200">
                           <a:effectLst/>
                           <a:latin typeface="Times New Roman" panose="02020603050405020304" pitchFamily="18" charset="0"/>
                           <a:ea typeface="Calibri" panose="020F0502020204030204" pitchFamily="34" charset="0"/>
                           <a:cs typeface="Times New Roman" panose="02020603050405020304" pitchFamily="18" charset="0"/>
                         </a:rPr>
-                        <a:t>83</a:t>
+                        <a:t>78</a:t>
                       </a:r>
-                      <a:endParaRPr lang="en-US" sz="900">
+                      <a:endParaRPr lang="en-US" sz="1200">
                         <a:effectLst/>
                         <a:latin typeface="Calibri" panose="020F0502020204030204" pitchFamily="34" charset="0"/>
                         <a:ea typeface="Calibri" panose="020F0502020204030204" pitchFamily="34" charset="0"/>
@@ -5481,7 +5593,7 @@
                       </a:endParaRPr>
                     </a:p>
                   </a:txBody>
-                  <a:tcPr marL="63872" marR="63872" marT="0" marB="0">
+                  <a:tcPr marL="68580" marR="68580" marT="0" marB="0">
                     <a:lnL>
                       <a:noFill/>
                     </a:lnL>
@@ -5519,15 +5631,15 @@
                         </a:spcAft>
                       </a:pPr>
                       <a:r>
-                        <a:rPr lang="en-US" sz="900">
+                        <a:rPr lang="en-US" sz="1200">
                           <a:effectLst/>
                           <a:latin typeface="Times New Roman" panose="02020603050405020304" pitchFamily="18" charset="0"/>
                           <a:ea typeface="Calibri" panose="020F0502020204030204" pitchFamily="34" charset="0"/>
                           <a:cs typeface="Times New Roman" panose="02020603050405020304" pitchFamily="18" charset="0"/>
                         </a:rPr>
-                        <a:t>30.44</a:t>
+                        <a:t>14.82</a:t>
                       </a:r>
-                      <a:endParaRPr lang="en-US" sz="900">
+                      <a:endParaRPr lang="en-US" sz="1200">
                         <a:effectLst/>
                         <a:latin typeface="Calibri" panose="020F0502020204030204" pitchFamily="34" charset="0"/>
                         <a:ea typeface="Calibri" panose="020F0502020204030204" pitchFamily="34" charset="0"/>
@@ -5535,7 +5647,7 @@
                       </a:endParaRPr>
                     </a:p>
                   </a:txBody>
-                  <a:tcPr marL="63872" marR="63872" marT="0" marB="0">
+                  <a:tcPr marL="68580" marR="68580" marT="0" marB="0">
                     <a:lnL>
                       <a:noFill/>
                     </a:lnL>
@@ -5573,7 +5685,7 @@
                         </a:spcAft>
                       </a:pPr>
                       <a:r>
-                        <a:rPr lang="en-US" sz="900">
+                        <a:rPr lang="en-US" sz="1200">
                           <a:effectLst/>
                           <a:latin typeface="Times New Roman" panose="02020603050405020304" pitchFamily="18" charset="0"/>
                           <a:ea typeface="Calibri" panose="020F0502020204030204" pitchFamily="34" charset="0"/>
@@ -5581,7 +5693,7 @@
                         </a:rPr>
                         <a:t>&lt;.0001</a:t>
                       </a:r>
-                      <a:endParaRPr lang="en-US" sz="900">
+                      <a:endParaRPr lang="en-US" sz="1200">
                         <a:effectLst/>
                         <a:latin typeface="Calibri" panose="020F0502020204030204" pitchFamily="34" charset="0"/>
                         <a:ea typeface="Calibri" panose="020F0502020204030204" pitchFamily="34" charset="0"/>
@@ -5589,7 +5701,7 @@
                       </a:endParaRPr>
                     </a:p>
                   </a:txBody>
-                  <a:tcPr marL="63872" marR="63872" marT="0" marB="0">
+                  <a:tcPr marL="68580" marR="68580" marT="0" marB="0">
                     <a:lnL>
                       <a:noFill/>
                     </a:lnL>
@@ -5612,11 +5724,11 @@
                 </a:tc>
                 <a:extLst>
                   <a:ext uri="{0D108BD9-81ED-4DB2-BD59-A6C34878D82A}">
-                    <a16:rowId xmlns:a16="http://schemas.microsoft.com/office/drawing/2014/main" val="3834811006"/>
+                    <a16:rowId xmlns:a16="http://schemas.microsoft.com/office/drawing/2014/main" val="2168021601"/>
                   </a:ext>
                 </a:extLst>
               </a:tr>
-              <a:tr h="144364">
+              <a:tr h="0">
                 <a:tc>
                   <a:txBody>
                     <a:bodyPr/>
@@ -5634,7 +5746,7 @@
                         </a:spcAft>
                       </a:pPr>
                       <a:r>
-                        <a:rPr lang="en-US" sz="900" b="1" dirty="0">
+                        <a:rPr lang="en-US" sz="1200" b="1" dirty="0">
                           <a:effectLst/>
                           <a:latin typeface="Times New Roman" panose="02020603050405020304" pitchFamily="18" charset="0"/>
                           <a:ea typeface="Times New Roman" panose="02020603050405020304" pitchFamily="18" charset="0"/>
@@ -5642,7 +5754,7 @@
                         </a:rPr>
                         <a:t>Cohort</a:t>
                       </a:r>
-                      <a:endParaRPr lang="en-US" sz="900" dirty="0">
+                      <a:endParaRPr lang="en-US" sz="1200" dirty="0">
                         <a:effectLst/>
                         <a:latin typeface="Calibri" panose="020F0502020204030204" pitchFamily="34" charset="0"/>
                         <a:ea typeface="Calibri" panose="020F0502020204030204" pitchFamily="34" charset="0"/>
@@ -5650,7 +5762,7 @@
                       </a:endParaRPr>
                     </a:p>
                   </a:txBody>
-                  <a:tcPr marL="63872" marR="63872" marT="0" marB="0">
+                  <a:tcPr marL="68580" marR="68580" marT="0" marB="0">
                     <a:lnL>
                       <a:noFill/>
                     </a:lnL>
@@ -5688,7 +5800,7 @@
                         </a:spcAft>
                       </a:pPr>
                       <a:r>
-                        <a:rPr lang="en-US" sz="900">
+                        <a:rPr lang="en-US" sz="1200">
                           <a:effectLst/>
                           <a:latin typeface="Times New Roman" panose="02020603050405020304" pitchFamily="18" charset="0"/>
                           <a:ea typeface="Times New Roman" panose="02020603050405020304" pitchFamily="18" charset="0"/>
@@ -5696,7 +5808,7 @@
                         </a:rPr>
                         <a:t> </a:t>
                       </a:r>
-                      <a:endParaRPr lang="en-US" sz="900">
+                      <a:endParaRPr lang="en-US" sz="1200">
                         <a:effectLst/>
                         <a:latin typeface="Calibri" panose="020F0502020204030204" pitchFamily="34" charset="0"/>
                         <a:ea typeface="Calibri" panose="020F0502020204030204" pitchFamily="34" charset="0"/>
@@ -5704,7 +5816,7 @@
                       </a:endParaRPr>
                     </a:p>
                   </a:txBody>
-                  <a:tcPr marL="63872" marR="63872" marT="0" marB="0">
+                  <a:tcPr marL="68580" marR="68580" marT="0" marB="0">
                     <a:lnL w="12700" cap="flat" cmpd="sng" algn="ctr">
                       <a:solidFill>
                         <a:srgbClr val="000000"/>
@@ -5742,7 +5854,7 @@
                         </a:spcAft>
                       </a:pPr>
                       <a:r>
-                        <a:rPr lang="en-US" sz="900">
+                        <a:rPr lang="en-US" sz="1200">
                           <a:effectLst/>
                           <a:latin typeface="Times New Roman" panose="02020603050405020304" pitchFamily="18" charset="0"/>
                           <a:ea typeface="Times New Roman" panose="02020603050405020304" pitchFamily="18" charset="0"/>
@@ -5750,7 +5862,7 @@
                         </a:rPr>
                         <a:t> </a:t>
                       </a:r>
-                      <a:endParaRPr lang="en-US" sz="900">
+                      <a:endParaRPr lang="en-US" sz="1200">
                         <a:effectLst/>
                         <a:latin typeface="Calibri" panose="020F0502020204030204" pitchFamily="34" charset="0"/>
                         <a:ea typeface="Calibri" panose="020F0502020204030204" pitchFamily="34" charset="0"/>
@@ -5758,7 +5870,7 @@
                       </a:endParaRPr>
                     </a:p>
                   </a:txBody>
-                  <a:tcPr marL="63872" marR="63872" marT="0" marB="0">
+                  <a:tcPr marL="68580" marR="68580" marT="0" marB="0">
                     <a:lnL>
                       <a:noFill/>
                     </a:lnL>
@@ -5790,7 +5902,7 @@
                         </a:spcAft>
                       </a:pPr>
                       <a:r>
-                        <a:rPr lang="en-US" sz="900">
+                        <a:rPr lang="en-US" sz="1200">
                           <a:effectLst/>
                           <a:latin typeface="Times New Roman" panose="02020603050405020304" pitchFamily="18" charset="0"/>
                           <a:ea typeface="Times New Roman" panose="02020603050405020304" pitchFamily="18" charset="0"/>
@@ -5798,7 +5910,7 @@
                         </a:rPr>
                         <a:t> </a:t>
                       </a:r>
-                      <a:endParaRPr lang="en-US" sz="900">
+                      <a:endParaRPr lang="en-US" sz="1200">
                         <a:effectLst/>
                         <a:latin typeface="Calibri" panose="020F0502020204030204" pitchFamily="34" charset="0"/>
                         <a:ea typeface="Calibri" panose="020F0502020204030204" pitchFamily="34" charset="0"/>
@@ -5806,7 +5918,7 @@
                       </a:endParaRPr>
                     </a:p>
                   </a:txBody>
-                  <a:tcPr marL="63872" marR="63872" marT="0" marB="0">
+                  <a:tcPr marL="68580" marR="68580" marT="0" marB="0">
                     <a:lnL>
                       <a:noFill/>
                     </a:lnL>
@@ -5838,7 +5950,7 @@
                         </a:spcAft>
                       </a:pPr>
                       <a:r>
-                        <a:rPr lang="en-US" sz="900">
+                        <a:rPr lang="en-US" sz="1200">
                           <a:effectLst/>
                           <a:latin typeface="Times New Roman" panose="02020603050405020304" pitchFamily="18" charset="0"/>
                           <a:ea typeface="Times New Roman" panose="02020603050405020304" pitchFamily="18" charset="0"/>
@@ -5846,7 +5958,7 @@
                         </a:rPr>
                         <a:t> </a:t>
                       </a:r>
-                      <a:endParaRPr lang="en-US" sz="900">
+                      <a:endParaRPr lang="en-US" sz="1200">
                         <a:effectLst/>
                         <a:latin typeface="Calibri" panose="020F0502020204030204" pitchFamily="34" charset="0"/>
                         <a:ea typeface="Calibri" panose="020F0502020204030204" pitchFamily="34" charset="0"/>
@@ -5854,7 +5966,7 @@
                       </a:endParaRPr>
                     </a:p>
                   </a:txBody>
-                  <a:tcPr marL="63872" marR="63872" marT="0" marB="0">
+                  <a:tcPr marL="68580" marR="68580" marT="0" marB="0">
                     <a:lnL>
                       <a:noFill/>
                     </a:lnL>
@@ -5886,7 +5998,7 @@
                         </a:spcAft>
                       </a:pPr>
                       <a:r>
-                        <a:rPr lang="en-US" sz="900">
+                        <a:rPr lang="en-US" sz="1200">
                           <a:effectLst/>
                           <a:latin typeface="Times New Roman" panose="02020603050405020304" pitchFamily="18" charset="0"/>
                           <a:ea typeface="Times New Roman" panose="02020603050405020304" pitchFamily="18" charset="0"/>
@@ -5894,7 +6006,7 @@
                         </a:rPr>
                         <a:t> </a:t>
                       </a:r>
-                      <a:endParaRPr lang="en-US" sz="900">
+                      <a:endParaRPr lang="en-US" sz="1200">
                         <a:effectLst/>
                         <a:latin typeface="Calibri" panose="020F0502020204030204" pitchFamily="34" charset="0"/>
                         <a:ea typeface="Calibri" panose="020F0502020204030204" pitchFamily="34" charset="0"/>
@@ -5902,7 +6014,7 @@
                       </a:endParaRPr>
                     </a:p>
                   </a:txBody>
-                  <a:tcPr marL="63872" marR="63872" marT="0" marB="0">
+                  <a:tcPr marL="68580" marR="68580" marT="0" marB="0">
                     <a:lnL>
                       <a:noFill/>
                     </a:lnL>
@@ -5919,11 +6031,11 @@
                 </a:tc>
                 <a:extLst>
                   <a:ext uri="{0D108BD9-81ED-4DB2-BD59-A6C34878D82A}">
-                    <a16:rowId xmlns:a16="http://schemas.microsoft.com/office/drawing/2014/main" val="1187119513"/>
+                    <a16:rowId xmlns:a16="http://schemas.microsoft.com/office/drawing/2014/main" val="2105838674"/>
                   </a:ext>
                 </a:extLst>
               </a:tr>
-              <a:tr h="144364">
+              <a:tr h="0">
                 <a:tc>
                   <a:txBody>
                     <a:bodyPr/>
@@ -5941,7 +6053,7 @@
                         </a:spcAft>
                       </a:pPr>
                       <a:r>
-                        <a:rPr lang="en-US" sz="900" dirty="0">
+                        <a:rPr lang="en-US" sz="1200">
                           <a:effectLst/>
                           <a:latin typeface="Times New Roman" panose="02020603050405020304" pitchFamily="18" charset="0"/>
                           <a:ea typeface="Times New Roman" panose="02020603050405020304" pitchFamily="18" charset="0"/>
@@ -5949,7 +6061,7 @@
                         </a:rPr>
                         <a:t>Cohort 1</a:t>
                       </a:r>
-                      <a:endParaRPr lang="en-US" sz="900" dirty="0">
+                      <a:endParaRPr lang="en-US" sz="1200">
                         <a:effectLst/>
                         <a:latin typeface="Calibri" panose="020F0502020204030204" pitchFamily="34" charset="0"/>
                         <a:ea typeface="Calibri" panose="020F0502020204030204" pitchFamily="34" charset="0"/>
@@ -5957,7 +6069,7 @@
                       </a:endParaRPr>
                     </a:p>
                   </a:txBody>
-                  <a:tcPr marL="63872" marR="63872" marT="0" marB="0">
+                  <a:tcPr marL="68580" marR="68580" marT="0" marB="0">
                     <a:lnL>
                       <a:noFill/>
                     </a:lnL>
@@ -5995,15 +6107,15 @@
                         </a:spcAft>
                       </a:pPr>
                       <a:r>
-                        <a:rPr lang="en-US" sz="900">
+                        <a:rPr lang="en-US" sz="1200">
                           <a:effectLst/>
                           <a:latin typeface="Times New Roman" panose="02020603050405020304" pitchFamily="18" charset="0"/>
                           <a:ea typeface="Calibri" panose="020F0502020204030204" pitchFamily="34" charset="0"/>
                           <a:cs typeface="Times New Roman" panose="02020603050405020304" pitchFamily="18" charset="0"/>
                         </a:rPr>
-                        <a:t>-6.6402</a:t>
+                        <a:t>-9.9270</a:t>
                       </a:r>
-                      <a:endParaRPr lang="en-US" sz="900">
+                      <a:endParaRPr lang="en-US" sz="1200">
                         <a:effectLst/>
                         <a:latin typeface="Calibri" panose="020F0502020204030204" pitchFamily="34" charset="0"/>
                         <a:ea typeface="Calibri" panose="020F0502020204030204" pitchFamily="34" charset="0"/>
@@ -6011,7 +6123,7 @@
                       </a:endParaRPr>
                     </a:p>
                   </a:txBody>
-                  <a:tcPr marL="63872" marR="63872" marT="0" marB="0">
+                  <a:tcPr marL="68580" marR="68580" marT="0" marB="0">
                     <a:lnL w="12700" cap="flat" cmpd="sng" algn="ctr">
                       <a:solidFill>
                         <a:srgbClr val="000000"/>
@@ -6049,15 +6161,15 @@
                         </a:spcAft>
                       </a:pPr>
                       <a:r>
-                        <a:rPr lang="en-US" sz="900">
+                        <a:rPr lang="en-US" sz="1200">
                           <a:effectLst/>
                           <a:latin typeface="Times New Roman" panose="02020603050405020304" pitchFamily="18" charset="0"/>
                           <a:ea typeface="Calibri" panose="020F0502020204030204" pitchFamily="34" charset="0"/>
                           <a:cs typeface="Times New Roman" panose="02020603050405020304" pitchFamily="18" charset="0"/>
                         </a:rPr>
-                        <a:t>7.8774</a:t>
+                        <a:t>8.5340</a:t>
                       </a:r>
-                      <a:endParaRPr lang="en-US" sz="900">
+                      <a:endParaRPr lang="en-US" sz="1200">
                         <a:effectLst/>
                         <a:latin typeface="Calibri" panose="020F0502020204030204" pitchFamily="34" charset="0"/>
                         <a:ea typeface="Calibri" panose="020F0502020204030204" pitchFamily="34" charset="0"/>
@@ -6065,7 +6177,7 @@
                       </a:endParaRPr>
                     </a:p>
                   </a:txBody>
-                  <a:tcPr marL="63872" marR="63872" marT="0" marB="0">
+                  <a:tcPr marL="68580" marR="68580" marT="0" marB="0">
                     <a:lnL>
                       <a:noFill/>
                     </a:lnL>
@@ -6097,15 +6209,15 @@
                         </a:spcAft>
                       </a:pPr>
                       <a:r>
-                        <a:rPr lang="en-US" sz="900">
+                        <a:rPr lang="en-US" sz="1200">
                           <a:effectLst/>
                           <a:latin typeface="Times New Roman" panose="02020603050405020304" pitchFamily="18" charset="0"/>
                           <a:ea typeface="Calibri" panose="020F0502020204030204" pitchFamily="34" charset="0"/>
                           <a:cs typeface="Times New Roman" panose="02020603050405020304" pitchFamily="18" charset="0"/>
                         </a:rPr>
-                        <a:t>83</a:t>
+                        <a:t>3149</a:t>
                       </a:r>
-                      <a:endParaRPr lang="en-US" sz="900">
+                      <a:endParaRPr lang="en-US" sz="1200">
                         <a:effectLst/>
                         <a:latin typeface="Calibri" panose="020F0502020204030204" pitchFamily="34" charset="0"/>
                         <a:ea typeface="Calibri" panose="020F0502020204030204" pitchFamily="34" charset="0"/>
@@ -6113,7 +6225,7 @@
                       </a:endParaRPr>
                     </a:p>
                   </a:txBody>
-                  <a:tcPr marL="63872" marR="63872" marT="0" marB="0">
+                  <a:tcPr marL="68580" marR="68580" marT="0" marB="0">
                     <a:lnL>
                       <a:noFill/>
                     </a:lnL>
@@ -6145,15 +6257,15 @@
                         </a:spcAft>
                       </a:pPr>
                       <a:r>
-                        <a:rPr lang="en-US" sz="900">
+                        <a:rPr lang="en-US" sz="1200">
                           <a:effectLst/>
                           <a:latin typeface="Times New Roman" panose="02020603050405020304" pitchFamily="18" charset="0"/>
                           <a:ea typeface="Calibri" panose="020F0502020204030204" pitchFamily="34" charset="0"/>
                           <a:cs typeface="Times New Roman" panose="02020603050405020304" pitchFamily="18" charset="0"/>
                         </a:rPr>
-                        <a:t>-0.84</a:t>
+                        <a:t>-1.16</a:t>
                       </a:r>
-                      <a:endParaRPr lang="en-US" sz="900">
+                      <a:endParaRPr lang="en-US" sz="1200">
                         <a:effectLst/>
                         <a:latin typeface="Calibri" panose="020F0502020204030204" pitchFamily="34" charset="0"/>
                         <a:ea typeface="Calibri" panose="020F0502020204030204" pitchFamily="34" charset="0"/>
@@ -6161,7 +6273,7 @@
                       </a:endParaRPr>
                     </a:p>
                   </a:txBody>
-                  <a:tcPr marL="63872" marR="63872" marT="0" marB="0">
+                  <a:tcPr marL="68580" marR="68580" marT="0" marB="0">
                     <a:lnL>
                       <a:noFill/>
                     </a:lnL>
@@ -6193,15 +6305,15 @@
                         </a:spcAft>
                       </a:pPr>
                       <a:r>
-                        <a:rPr lang="en-US" sz="900">
+                        <a:rPr lang="en-US" sz="1200">
                           <a:effectLst/>
                           <a:latin typeface="Times New Roman" panose="02020603050405020304" pitchFamily="18" charset="0"/>
                           <a:ea typeface="Calibri" panose="020F0502020204030204" pitchFamily="34" charset="0"/>
                           <a:cs typeface="Times New Roman" panose="02020603050405020304" pitchFamily="18" charset="0"/>
                         </a:rPr>
-                        <a:t>0.4017</a:t>
+                        <a:t>0.2448</a:t>
                       </a:r>
-                      <a:endParaRPr lang="en-US" sz="900">
+                      <a:endParaRPr lang="en-US" sz="1200">
                         <a:effectLst/>
                         <a:latin typeface="Calibri" panose="020F0502020204030204" pitchFamily="34" charset="0"/>
                         <a:ea typeface="Calibri" panose="020F0502020204030204" pitchFamily="34" charset="0"/>
@@ -6209,7 +6321,7 @@
                       </a:endParaRPr>
                     </a:p>
                   </a:txBody>
-                  <a:tcPr marL="63872" marR="63872" marT="0" marB="0">
+                  <a:tcPr marL="68580" marR="68580" marT="0" marB="0">
                     <a:lnL>
                       <a:noFill/>
                     </a:lnL>
@@ -6226,11 +6338,11 @@
                 </a:tc>
                 <a:extLst>
                   <a:ext uri="{0D108BD9-81ED-4DB2-BD59-A6C34878D82A}">
-                    <a16:rowId xmlns:a16="http://schemas.microsoft.com/office/drawing/2014/main" val="2168026260"/>
+                    <a16:rowId xmlns:a16="http://schemas.microsoft.com/office/drawing/2014/main" val="1758012994"/>
                   </a:ext>
                 </a:extLst>
               </a:tr>
-              <a:tr h="224086">
+              <a:tr h="0">
                 <a:tc>
                   <a:txBody>
                     <a:bodyPr/>
@@ -6248,7 +6360,7 @@
                         </a:spcAft>
                       </a:pPr>
                       <a:r>
-                        <a:rPr lang="en-US" sz="900" dirty="0">
+                        <a:rPr lang="en-US" sz="1200" dirty="0">
                           <a:effectLst/>
                           <a:latin typeface="Times New Roman" panose="02020603050405020304" pitchFamily="18" charset="0"/>
                           <a:ea typeface="Times New Roman" panose="02020603050405020304" pitchFamily="18" charset="0"/>
@@ -6256,7 +6368,7 @@
                         </a:rPr>
                         <a:t>Cohort 2</a:t>
                       </a:r>
-                      <a:endParaRPr lang="en-US" sz="900" dirty="0">
+                      <a:endParaRPr lang="en-US" sz="1200" dirty="0">
                         <a:effectLst/>
                         <a:latin typeface="Calibri" panose="020F0502020204030204" pitchFamily="34" charset="0"/>
                         <a:ea typeface="Calibri" panose="020F0502020204030204" pitchFamily="34" charset="0"/>
@@ -6276,7 +6388,7 @@
                         </a:spcAft>
                       </a:pPr>
                       <a:r>
-                        <a:rPr lang="en-US" sz="900" dirty="0">
+                        <a:rPr lang="en-US" sz="1200" dirty="0">
                           <a:effectLst/>
                           <a:latin typeface="Times New Roman" panose="02020603050405020304" pitchFamily="18" charset="0"/>
                           <a:ea typeface="Times New Roman" panose="02020603050405020304" pitchFamily="18" charset="0"/>
@@ -6284,7 +6396,7 @@
                         </a:rPr>
                         <a:t> </a:t>
                       </a:r>
-                      <a:endParaRPr lang="en-US" sz="900" dirty="0">
+                      <a:endParaRPr lang="en-US" sz="1200" dirty="0">
                         <a:effectLst/>
                         <a:latin typeface="Calibri" panose="020F0502020204030204" pitchFamily="34" charset="0"/>
                         <a:ea typeface="Calibri" panose="020F0502020204030204" pitchFamily="34" charset="0"/>
@@ -6292,7 +6404,7 @@
                       </a:endParaRPr>
                     </a:p>
                   </a:txBody>
-                  <a:tcPr marL="63872" marR="63872" marT="0" marB="0">
+                  <a:tcPr marL="68580" marR="68580" marT="0" marB="0">
                     <a:lnL>
                       <a:noFill/>
                     </a:lnL>
@@ -6330,15 +6442,15 @@
                         </a:spcAft>
                       </a:pPr>
                       <a:r>
-                        <a:rPr lang="en-US" sz="900">
+                        <a:rPr lang="en-US" sz="1200">
                           <a:effectLst/>
                           <a:latin typeface="Times New Roman" panose="02020603050405020304" pitchFamily="18" charset="0"/>
                           <a:ea typeface="Calibri" panose="020F0502020204030204" pitchFamily="34" charset="0"/>
                           <a:cs typeface="Times New Roman" panose="02020603050405020304" pitchFamily="18" charset="0"/>
                         </a:rPr>
-                        <a:t>-13.5468</a:t>
+                        <a:t>-17.7647</a:t>
                       </a:r>
-                      <a:endParaRPr lang="en-US" sz="900">
+                      <a:endParaRPr lang="en-US" sz="1200">
                         <a:effectLst/>
                         <a:latin typeface="Calibri" panose="020F0502020204030204" pitchFamily="34" charset="0"/>
                         <a:ea typeface="Calibri" panose="020F0502020204030204" pitchFamily="34" charset="0"/>
@@ -6346,7 +6458,7 @@
                       </a:endParaRPr>
                     </a:p>
                   </a:txBody>
-                  <a:tcPr marL="63872" marR="63872" marT="0" marB="0">
+                  <a:tcPr marL="68580" marR="68580" marT="0" marB="0">
                     <a:lnL w="12700" cap="flat" cmpd="sng" algn="ctr">
                       <a:solidFill>
                         <a:srgbClr val="000000"/>
@@ -6384,15 +6496,15 @@
                         </a:spcAft>
                       </a:pPr>
                       <a:r>
-                        <a:rPr lang="en-US" sz="900">
+                        <a:rPr lang="en-US" sz="1200">
                           <a:effectLst/>
                           <a:latin typeface="Times New Roman" panose="02020603050405020304" pitchFamily="18" charset="0"/>
                           <a:ea typeface="Calibri" panose="020F0502020204030204" pitchFamily="34" charset="0"/>
                           <a:cs typeface="Times New Roman" panose="02020603050405020304" pitchFamily="18" charset="0"/>
                         </a:rPr>
-                        <a:t>7.6993</a:t>
+                        <a:t>8.1560</a:t>
                       </a:r>
-                      <a:endParaRPr lang="en-US" sz="900">
+                      <a:endParaRPr lang="en-US" sz="1200">
                         <a:effectLst/>
                         <a:latin typeface="Calibri" panose="020F0502020204030204" pitchFamily="34" charset="0"/>
                         <a:ea typeface="Calibri" panose="020F0502020204030204" pitchFamily="34" charset="0"/>
@@ -6400,7 +6512,7 @@
                       </a:endParaRPr>
                     </a:p>
                   </a:txBody>
-                  <a:tcPr marL="63872" marR="63872" marT="0" marB="0">
+                  <a:tcPr marL="68580" marR="68580" marT="0" marB="0">
                     <a:lnL>
                       <a:noFill/>
                     </a:lnL>
@@ -6432,15 +6544,15 @@
                         </a:spcAft>
                       </a:pPr>
                       <a:r>
-                        <a:rPr lang="en-US" sz="900">
+                        <a:rPr lang="en-US" sz="1200">
                           <a:effectLst/>
                           <a:latin typeface="Times New Roman" panose="02020603050405020304" pitchFamily="18" charset="0"/>
                           <a:ea typeface="Calibri" panose="020F0502020204030204" pitchFamily="34" charset="0"/>
                           <a:cs typeface="Times New Roman" panose="02020603050405020304" pitchFamily="18" charset="0"/>
                         </a:rPr>
-                        <a:t>83</a:t>
+                        <a:t>3149</a:t>
                       </a:r>
-                      <a:endParaRPr lang="en-US" sz="900">
+                      <a:endParaRPr lang="en-US" sz="1200">
                         <a:effectLst/>
                         <a:latin typeface="Calibri" panose="020F0502020204030204" pitchFamily="34" charset="0"/>
                         <a:ea typeface="Calibri" panose="020F0502020204030204" pitchFamily="34" charset="0"/>
@@ -6448,7 +6560,7 @@
                       </a:endParaRPr>
                     </a:p>
                   </a:txBody>
-                  <a:tcPr marL="63872" marR="63872" marT="0" marB="0">
+                  <a:tcPr marL="68580" marR="68580" marT="0" marB="0">
                     <a:lnL>
                       <a:noFill/>
                     </a:lnL>
@@ -6480,15 +6592,15 @@
                         </a:spcAft>
                       </a:pPr>
                       <a:r>
-                        <a:rPr lang="en-US" sz="900">
+                        <a:rPr lang="en-US" sz="1200">
                           <a:effectLst/>
                           <a:latin typeface="Times New Roman" panose="02020603050405020304" pitchFamily="18" charset="0"/>
                           <a:ea typeface="Calibri" panose="020F0502020204030204" pitchFamily="34" charset="0"/>
                           <a:cs typeface="Times New Roman" panose="02020603050405020304" pitchFamily="18" charset="0"/>
                         </a:rPr>
-                        <a:t>-1.76</a:t>
+                        <a:t>-2.18</a:t>
                       </a:r>
-                      <a:endParaRPr lang="en-US" sz="900">
+                      <a:endParaRPr lang="en-US" sz="1200">
                         <a:effectLst/>
                         <a:latin typeface="Calibri" panose="020F0502020204030204" pitchFamily="34" charset="0"/>
                         <a:ea typeface="Calibri" panose="020F0502020204030204" pitchFamily="34" charset="0"/>
@@ -6496,7 +6608,7 @@
                       </a:endParaRPr>
                     </a:p>
                   </a:txBody>
-                  <a:tcPr marL="63872" marR="63872" marT="0" marB="0">
+                  <a:tcPr marL="68580" marR="68580" marT="0" marB="0">
                     <a:lnL>
                       <a:noFill/>
                     </a:lnL>
@@ -6528,15 +6640,15 @@
                         </a:spcAft>
                       </a:pPr>
                       <a:r>
-                        <a:rPr lang="en-US" sz="900">
+                        <a:rPr lang="en-US" sz="1200">
                           <a:effectLst/>
                           <a:latin typeface="Times New Roman" panose="02020603050405020304" pitchFamily="18" charset="0"/>
                           <a:ea typeface="Calibri" panose="020F0502020204030204" pitchFamily="34" charset="0"/>
                           <a:cs typeface="Times New Roman" panose="02020603050405020304" pitchFamily="18" charset="0"/>
                         </a:rPr>
-                        <a:t>0.0822</a:t>
+                        <a:t>0.0295</a:t>
                       </a:r>
-                      <a:endParaRPr lang="en-US" sz="900">
+                      <a:endParaRPr lang="en-US" sz="1200">
                         <a:effectLst/>
                         <a:latin typeface="Calibri" panose="020F0502020204030204" pitchFamily="34" charset="0"/>
                         <a:ea typeface="Calibri" panose="020F0502020204030204" pitchFamily="34" charset="0"/>
@@ -6544,7 +6656,7 @@
                       </a:endParaRPr>
                     </a:p>
                   </a:txBody>
-                  <a:tcPr marL="63872" marR="63872" marT="0" marB="0">
+                  <a:tcPr marL="68580" marR="68580" marT="0" marB="0">
                     <a:lnL>
                       <a:noFill/>
                     </a:lnL>
@@ -6561,11 +6673,11 @@
                 </a:tc>
                 <a:extLst>
                   <a:ext uri="{0D108BD9-81ED-4DB2-BD59-A6C34878D82A}">
-                    <a16:rowId xmlns:a16="http://schemas.microsoft.com/office/drawing/2014/main" val="1455326713"/>
+                    <a16:rowId xmlns:a16="http://schemas.microsoft.com/office/drawing/2014/main" val="3145656779"/>
                   </a:ext>
                 </a:extLst>
               </a:tr>
-              <a:tr h="224086">
+              <a:tr h="0">
                 <a:tc>
                   <a:txBody>
                     <a:bodyPr/>
@@ -6583,7 +6695,7 @@
                         </a:spcAft>
                       </a:pPr>
                       <a:r>
-                        <a:rPr lang="en-US" sz="900" b="1" dirty="0">
+                        <a:rPr lang="en-US" sz="1200" b="1" dirty="0">
                           <a:effectLst/>
                           <a:latin typeface="Times New Roman" panose="02020603050405020304" pitchFamily="18" charset="0"/>
                           <a:ea typeface="Times New Roman" panose="02020603050405020304" pitchFamily="18" charset="0"/>
@@ -6591,7 +6703,7 @@
                         </a:rPr>
                         <a:t>Sex = Female</a:t>
                       </a:r>
-                      <a:endParaRPr lang="en-US" sz="900" dirty="0">
+                      <a:endParaRPr lang="en-US" sz="1200" dirty="0">
                         <a:effectLst/>
                         <a:latin typeface="Calibri" panose="020F0502020204030204" pitchFamily="34" charset="0"/>
                         <a:ea typeface="Calibri" panose="020F0502020204030204" pitchFamily="34" charset="0"/>
@@ -6611,7 +6723,7 @@
                         </a:spcAft>
                       </a:pPr>
                       <a:r>
-                        <a:rPr lang="en-US" sz="900" b="1" dirty="0">
+                        <a:rPr lang="en-US" sz="1200" b="1" dirty="0">
                           <a:effectLst/>
                           <a:latin typeface="Times New Roman" panose="02020603050405020304" pitchFamily="18" charset="0"/>
                           <a:ea typeface="Times New Roman" panose="02020603050405020304" pitchFamily="18" charset="0"/>
@@ -6619,7 +6731,7 @@
                         </a:rPr>
                         <a:t> </a:t>
                       </a:r>
-                      <a:endParaRPr lang="en-US" sz="900" dirty="0">
+                      <a:endParaRPr lang="en-US" sz="1200" dirty="0">
                         <a:effectLst/>
                         <a:latin typeface="Calibri" panose="020F0502020204030204" pitchFamily="34" charset="0"/>
                         <a:ea typeface="Calibri" panose="020F0502020204030204" pitchFamily="34" charset="0"/>
@@ -6627,7 +6739,7 @@
                       </a:endParaRPr>
                     </a:p>
                   </a:txBody>
-                  <a:tcPr marL="63872" marR="63872" marT="0" marB="0">
+                  <a:tcPr marL="68580" marR="68580" marT="0" marB="0">
                     <a:lnL>
                       <a:noFill/>
                     </a:lnL>
@@ -6665,15 +6777,15 @@
                         </a:spcAft>
                       </a:pPr>
                       <a:r>
-                        <a:rPr lang="en-US" sz="900" dirty="0">
+                        <a:rPr lang="en-US" sz="1200">
                           <a:effectLst/>
                           <a:latin typeface="Times New Roman" panose="02020603050405020304" pitchFamily="18" charset="0"/>
                           <a:ea typeface="Calibri" panose="020F0502020204030204" pitchFamily="34" charset="0"/>
                           <a:cs typeface="Times New Roman" panose="02020603050405020304" pitchFamily="18" charset="0"/>
                         </a:rPr>
-                        <a:t>-29.7363</a:t>
+                        <a:t>-32.0494</a:t>
                       </a:r>
-                      <a:endParaRPr lang="en-US" sz="900" dirty="0">
+                      <a:endParaRPr lang="en-US" sz="1200">
                         <a:effectLst/>
                         <a:latin typeface="Calibri" panose="020F0502020204030204" pitchFamily="34" charset="0"/>
                         <a:ea typeface="Calibri" panose="020F0502020204030204" pitchFamily="34" charset="0"/>
@@ -6681,7 +6793,7 @@
                       </a:endParaRPr>
                     </a:p>
                   </a:txBody>
-                  <a:tcPr marL="63872" marR="63872" marT="0" marB="0">
+                  <a:tcPr marL="68580" marR="68580" marT="0" marB="0">
                     <a:lnL w="12700" cap="flat" cmpd="sng" algn="ctr">
                       <a:solidFill>
                         <a:srgbClr val="000000"/>
@@ -6719,15 +6831,15 @@
                         </a:spcAft>
                       </a:pPr>
                       <a:r>
-                        <a:rPr lang="en-US" sz="900">
+                        <a:rPr lang="en-US" sz="1200">
                           <a:effectLst/>
                           <a:latin typeface="Times New Roman" panose="02020603050405020304" pitchFamily="18" charset="0"/>
                           <a:ea typeface="Calibri" panose="020F0502020204030204" pitchFamily="34" charset="0"/>
                           <a:cs typeface="Times New Roman" panose="02020603050405020304" pitchFamily="18" charset="0"/>
                         </a:rPr>
-                        <a:t>7.3467</a:t>
+                        <a:t>7.8911</a:t>
                       </a:r>
-                      <a:endParaRPr lang="en-US" sz="900">
+                      <a:endParaRPr lang="en-US" sz="1200">
                         <a:effectLst/>
                         <a:latin typeface="Calibri" panose="020F0502020204030204" pitchFamily="34" charset="0"/>
                         <a:ea typeface="Calibri" panose="020F0502020204030204" pitchFamily="34" charset="0"/>
@@ -6735,7 +6847,7 @@
                       </a:endParaRPr>
                     </a:p>
                   </a:txBody>
-                  <a:tcPr marL="63872" marR="63872" marT="0" marB="0">
+                  <a:tcPr marL="68580" marR="68580" marT="0" marB="0">
                     <a:lnL>
                       <a:noFill/>
                     </a:lnL>
@@ -6767,15 +6879,15 @@
                         </a:spcAft>
                       </a:pPr>
                       <a:r>
-                        <a:rPr lang="en-US" sz="900">
+                        <a:rPr lang="en-US" sz="1200">
                           <a:effectLst/>
                           <a:latin typeface="Times New Roman" panose="02020603050405020304" pitchFamily="18" charset="0"/>
                           <a:ea typeface="Calibri" panose="020F0502020204030204" pitchFamily="34" charset="0"/>
                           <a:cs typeface="Times New Roman" panose="02020603050405020304" pitchFamily="18" charset="0"/>
                         </a:rPr>
-                        <a:t>83</a:t>
+                        <a:t>3149</a:t>
                       </a:r>
-                      <a:endParaRPr lang="en-US" sz="900">
+                      <a:endParaRPr lang="en-US" sz="1200">
                         <a:effectLst/>
                         <a:latin typeface="Calibri" panose="020F0502020204030204" pitchFamily="34" charset="0"/>
                         <a:ea typeface="Calibri" panose="020F0502020204030204" pitchFamily="34" charset="0"/>
@@ -6783,7 +6895,7 @@
                       </a:endParaRPr>
                     </a:p>
                   </a:txBody>
-                  <a:tcPr marL="63872" marR="63872" marT="0" marB="0">
+                  <a:tcPr marL="68580" marR="68580" marT="0" marB="0">
                     <a:lnL>
                       <a:noFill/>
                     </a:lnL>
@@ -6815,15 +6927,15 @@
                         </a:spcAft>
                       </a:pPr>
                       <a:r>
-                        <a:rPr lang="en-US" sz="900">
+                        <a:rPr lang="en-US" sz="1200">
                           <a:effectLst/>
                           <a:latin typeface="Times New Roman" panose="02020603050405020304" pitchFamily="18" charset="0"/>
                           <a:ea typeface="Calibri" panose="020F0502020204030204" pitchFamily="34" charset="0"/>
                           <a:cs typeface="Times New Roman" panose="02020603050405020304" pitchFamily="18" charset="0"/>
                         </a:rPr>
-                        <a:t>-4.05</a:t>
+                        <a:t>-4.06</a:t>
                       </a:r>
-                      <a:endParaRPr lang="en-US" sz="900">
+                      <a:endParaRPr lang="en-US" sz="1200">
                         <a:effectLst/>
                         <a:latin typeface="Calibri" panose="020F0502020204030204" pitchFamily="34" charset="0"/>
                         <a:ea typeface="Calibri" panose="020F0502020204030204" pitchFamily="34" charset="0"/>
@@ -6831,7 +6943,7 @@
                       </a:endParaRPr>
                     </a:p>
                   </a:txBody>
-                  <a:tcPr marL="63872" marR="63872" marT="0" marB="0">
+                  <a:tcPr marL="68580" marR="68580" marT="0" marB="0">
                     <a:lnL>
                       <a:noFill/>
                     </a:lnL>
@@ -6863,15 +6975,15 @@
                         </a:spcAft>
                       </a:pPr>
                       <a:r>
-                        <a:rPr lang="en-US" sz="900">
+                        <a:rPr lang="en-US" sz="1200">
                           <a:effectLst/>
                           <a:latin typeface="Times New Roman" panose="02020603050405020304" pitchFamily="18" charset="0"/>
                           <a:ea typeface="Calibri" panose="020F0502020204030204" pitchFamily="34" charset="0"/>
                           <a:cs typeface="Times New Roman" panose="02020603050405020304" pitchFamily="18" charset="0"/>
                         </a:rPr>
-                        <a:t>0.0001</a:t>
+                        <a:t>&lt;.0001</a:t>
                       </a:r>
-                      <a:endParaRPr lang="en-US" sz="900">
+                      <a:endParaRPr lang="en-US" sz="1200">
                         <a:effectLst/>
                         <a:latin typeface="Calibri" panose="020F0502020204030204" pitchFamily="34" charset="0"/>
                         <a:ea typeface="Calibri" panose="020F0502020204030204" pitchFamily="34" charset="0"/>
@@ -6879,7 +6991,7 @@
                       </a:endParaRPr>
                     </a:p>
                   </a:txBody>
-                  <a:tcPr marL="63872" marR="63872" marT="0" marB="0">
+                  <a:tcPr marL="68580" marR="68580" marT="0" marB="0">
                     <a:lnL>
                       <a:noFill/>
                     </a:lnL>
@@ -6896,11 +7008,11 @@
                 </a:tc>
                 <a:extLst>
                   <a:ext uri="{0D108BD9-81ED-4DB2-BD59-A6C34878D82A}">
-                    <a16:rowId xmlns:a16="http://schemas.microsoft.com/office/drawing/2014/main" val="4208300309"/>
+                    <a16:rowId xmlns:a16="http://schemas.microsoft.com/office/drawing/2014/main" val="3717661677"/>
                   </a:ext>
                 </a:extLst>
               </a:tr>
-              <a:tr h="144364">
+              <a:tr h="0">
                 <a:tc>
                   <a:txBody>
                     <a:bodyPr/>
@@ -6918,7 +7030,7 @@
                         </a:spcAft>
                       </a:pPr>
                       <a:r>
-                        <a:rPr lang="en-US" sz="900" b="1" dirty="0">
+                        <a:rPr lang="en-US" sz="1200" b="1" dirty="0">
                           <a:effectLst/>
                           <a:latin typeface="Times New Roman" panose="02020603050405020304" pitchFamily="18" charset="0"/>
                           <a:ea typeface="Times New Roman" panose="02020603050405020304" pitchFamily="18" charset="0"/>
@@ -6926,7 +7038,7 @@
                         </a:rPr>
                         <a:t>Race</a:t>
                       </a:r>
-                      <a:endParaRPr lang="en-US" sz="900" dirty="0">
+                      <a:endParaRPr lang="en-US" sz="1200" dirty="0">
                         <a:effectLst/>
                         <a:latin typeface="Calibri" panose="020F0502020204030204" pitchFamily="34" charset="0"/>
                         <a:ea typeface="Calibri" panose="020F0502020204030204" pitchFamily="34" charset="0"/>
@@ -6934,7 +7046,7 @@
                       </a:endParaRPr>
                     </a:p>
                   </a:txBody>
-                  <a:tcPr marL="63872" marR="63872" marT="0" marB="0">
+                  <a:tcPr marL="68580" marR="68580" marT="0" marB="0">
                     <a:lnL>
                       <a:noFill/>
                     </a:lnL>
@@ -6972,7 +7084,7 @@
                         </a:spcAft>
                       </a:pPr>
                       <a:r>
-                        <a:rPr lang="en-US" sz="900" dirty="0">
+                        <a:rPr lang="en-US" sz="1200">
                           <a:effectLst/>
                           <a:latin typeface="Times New Roman" panose="02020603050405020304" pitchFamily="18" charset="0"/>
                           <a:ea typeface="Times New Roman" panose="02020603050405020304" pitchFamily="18" charset="0"/>
@@ -6980,7 +7092,7 @@
                         </a:rPr>
                         <a:t> </a:t>
                       </a:r>
-                      <a:endParaRPr lang="en-US" sz="900" dirty="0">
+                      <a:endParaRPr lang="en-US" sz="1200">
                         <a:effectLst/>
                         <a:latin typeface="Calibri" panose="020F0502020204030204" pitchFamily="34" charset="0"/>
                         <a:ea typeface="Calibri" panose="020F0502020204030204" pitchFamily="34" charset="0"/>
@@ -6988,7 +7100,7 @@
                       </a:endParaRPr>
                     </a:p>
                   </a:txBody>
-                  <a:tcPr marL="63872" marR="63872" marT="0" marB="0">
+                  <a:tcPr marL="68580" marR="68580" marT="0" marB="0">
                     <a:lnL w="12700" cap="flat" cmpd="sng" algn="ctr">
                       <a:solidFill>
                         <a:srgbClr val="000000"/>
@@ -7026,7 +7138,7 @@
                         </a:spcAft>
                       </a:pPr>
                       <a:r>
-                        <a:rPr lang="en-US" sz="900">
+                        <a:rPr lang="en-US" sz="1200">
                           <a:effectLst/>
                           <a:latin typeface="Times New Roman" panose="02020603050405020304" pitchFamily="18" charset="0"/>
                           <a:ea typeface="Times New Roman" panose="02020603050405020304" pitchFamily="18" charset="0"/>
@@ -7034,7 +7146,7 @@
                         </a:rPr>
                         <a:t> </a:t>
                       </a:r>
-                      <a:endParaRPr lang="en-US" sz="900">
+                      <a:endParaRPr lang="en-US" sz="1200">
                         <a:effectLst/>
                         <a:latin typeface="Calibri" panose="020F0502020204030204" pitchFamily="34" charset="0"/>
                         <a:ea typeface="Calibri" panose="020F0502020204030204" pitchFamily="34" charset="0"/>
@@ -7042,7 +7154,7 @@
                       </a:endParaRPr>
                     </a:p>
                   </a:txBody>
-                  <a:tcPr marL="63872" marR="63872" marT="0" marB="0">
+                  <a:tcPr marL="68580" marR="68580" marT="0" marB="0">
                     <a:lnL>
                       <a:noFill/>
                     </a:lnL>
@@ -7074,7 +7186,7 @@
                         </a:spcAft>
                       </a:pPr>
                       <a:r>
-                        <a:rPr lang="en-US" sz="900">
+                        <a:rPr lang="en-US" sz="1200">
                           <a:effectLst/>
                           <a:latin typeface="Times New Roman" panose="02020603050405020304" pitchFamily="18" charset="0"/>
                           <a:ea typeface="Times New Roman" panose="02020603050405020304" pitchFamily="18" charset="0"/>
@@ -7082,7 +7194,7 @@
                         </a:rPr>
                         <a:t> </a:t>
                       </a:r>
-                      <a:endParaRPr lang="en-US" sz="900">
+                      <a:endParaRPr lang="en-US" sz="1200">
                         <a:effectLst/>
                         <a:latin typeface="Calibri" panose="020F0502020204030204" pitchFamily="34" charset="0"/>
                         <a:ea typeface="Calibri" panose="020F0502020204030204" pitchFamily="34" charset="0"/>
@@ -7090,7 +7202,7 @@
                       </a:endParaRPr>
                     </a:p>
                   </a:txBody>
-                  <a:tcPr marL="63872" marR="63872" marT="0" marB="0">
+                  <a:tcPr marL="68580" marR="68580" marT="0" marB="0">
                     <a:lnL>
                       <a:noFill/>
                     </a:lnL>
@@ -7122,7 +7234,7 @@
                         </a:spcAft>
                       </a:pPr>
                       <a:r>
-                        <a:rPr lang="en-US" sz="900">
+                        <a:rPr lang="en-US" sz="1200">
                           <a:effectLst/>
                           <a:latin typeface="Times New Roman" panose="02020603050405020304" pitchFamily="18" charset="0"/>
                           <a:ea typeface="Times New Roman" panose="02020603050405020304" pitchFamily="18" charset="0"/>
@@ -7130,7 +7242,7 @@
                         </a:rPr>
                         <a:t> </a:t>
                       </a:r>
-                      <a:endParaRPr lang="en-US" sz="900">
+                      <a:endParaRPr lang="en-US" sz="1200">
                         <a:effectLst/>
                         <a:latin typeface="Calibri" panose="020F0502020204030204" pitchFamily="34" charset="0"/>
                         <a:ea typeface="Calibri" panose="020F0502020204030204" pitchFamily="34" charset="0"/>
@@ -7138,7 +7250,7 @@
                       </a:endParaRPr>
                     </a:p>
                   </a:txBody>
-                  <a:tcPr marL="63872" marR="63872" marT="0" marB="0">
+                  <a:tcPr marL="68580" marR="68580" marT="0" marB="0">
                     <a:lnL>
                       <a:noFill/>
                     </a:lnL>
@@ -7170,7 +7282,7 @@
                         </a:spcAft>
                       </a:pPr>
                       <a:r>
-                        <a:rPr lang="en-US" sz="900">
+                        <a:rPr lang="en-US" sz="1200">
                           <a:effectLst/>
                           <a:latin typeface="Times New Roman" panose="02020603050405020304" pitchFamily="18" charset="0"/>
                           <a:ea typeface="Times New Roman" panose="02020603050405020304" pitchFamily="18" charset="0"/>
@@ -7178,7 +7290,7 @@
                         </a:rPr>
                         <a:t> </a:t>
                       </a:r>
-                      <a:endParaRPr lang="en-US" sz="900">
+                      <a:endParaRPr lang="en-US" sz="1200">
                         <a:effectLst/>
                         <a:latin typeface="Calibri" panose="020F0502020204030204" pitchFamily="34" charset="0"/>
                         <a:ea typeface="Calibri" panose="020F0502020204030204" pitchFamily="34" charset="0"/>
@@ -7186,7 +7298,7 @@
                       </a:endParaRPr>
                     </a:p>
                   </a:txBody>
-                  <a:tcPr marL="63872" marR="63872" marT="0" marB="0">
+                  <a:tcPr marL="68580" marR="68580" marT="0" marB="0">
                     <a:lnL>
                       <a:noFill/>
                     </a:lnL>
@@ -7203,11 +7315,11 @@
                 </a:tc>
                 <a:extLst>
                   <a:ext uri="{0D108BD9-81ED-4DB2-BD59-A6C34878D82A}">
-                    <a16:rowId xmlns:a16="http://schemas.microsoft.com/office/drawing/2014/main" val="1905782734"/>
+                    <a16:rowId xmlns:a16="http://schemas.microsoft.com/office/drawing/2014/main" val="1120412112"/>
                   </a:ext>
                 </a:extLst>
               </a:tr>
-              <a:tr h="144364">
+              <a:tr h="0">
                 <a:tc>
                   <a:txBody>
                     <a:bodyPr/>
@@ -7225,7 +7337,7 @@
                         </a:spcAft>
                       </a:pPr>
                       <a:r>
-                        <a:rPr lang="en-US" sz="900" dirty="0">
+                        <a:rPr lang="en-US" sz="1200" dirty="0">
                           <a:effectLst/>
                           <a:latin typeface="Times New Roman" panose="02020603050405020304" pitchFamily="18" charset="0"/>
                           <a:ea typeface="Times New Roman" panose="02020603050405020304" pitchFamily="18" charset="0"/>
@@ -7233,7 +7345,7 @@
                         </a:rPr>
                         <a:t>Asian</a:t>
                       </a:r>
-                      <a:endParaRPr lang="en-US" sz="900" dirty="0">
+                      <a:endParaRPr lang="en-US" sz="1200" dirty="0">
                         <a:effectLst/>
                         <a:latin typeface="Calibri" panose="020F0502020204030204" pitchFamily="34" charset="0"/>
                         <a:ea typeface="Calibri" panose="020F0502020204030204" pitchFamily="34" charset="0"/>
@@ -7241,7 +7353,7 @@
                       </a:endParaRPr>
                     </a:p>
                   </a:txBody>
-                  <a:tcPr marL="63872" marR="63872" marT="0" marB="0">
+                  <a:tcPr marL="68580" marR="68580" marT="0" marB="0">
                     <a:lnL>
                       <a:noFill/>
                     </a:lnL>
@@ -7279,15 +7391,15 @@
                         </a:spcAft>
                       </a:pPr>
                       <a:r>
-                        <a:rPr lang="en-US" sz="900" dirty="0">
+                        <a:rPr lang="en-US" sz="1200">
                           <a:effectLst/>
                           <a:latin typeface="Times New Roman" panose="02020603050405020304" pitchFamily="18" charset="0"/>
                           <a:ea typeface="Calibri" panose="020F0502020204030204" pitchFamily="34" charset="0"/>
                           <a:cs typeface="Times New Roman" panose="02020603050405020304" pitchFamily="18" charset="0"/>
                         </a:rPr>
-                        <a:t>-35.0862</a:t>
+                        <a:t>-34.4044</a:t>
                       </a:r>
-                      <a:endParaRPr lang="en-US" sz="900" dirty="0">
+                      <a:endParaRPr lang="en-US" sz="1200">
                         <a:effectLst/>
                         <a:latin typeface="Calibri" panose="020F0502020204030204" pitchFamily="34" charset="0"/>
                         <a:ea typeface="Calibri" panose="020F0502020204030204" pitchFamily="34" charset="0"/>
@@ -7295,7 +7407,7 @@
                       </a:endParaRPr>
                     </a:p>
                   </a:txBody>
-                  <a:tcPr marL="63872" marR="63872" marT="0" marB="0">
+                  <a:tcPr marL="68580" marR="68580" marT="0" marB="0">
                     <a:lnL w="12700" cap="flat" cmpd="sng" algn="ctr">
                       <a:solidFill>
                         <a:srgbClr val="000000"/>
@@ -7333,15 +7445,15 @@
                         </a:spcAft>
                       </a:pPr>
                       <a:r>
-                        <a:rPr lang="en-US" sz="900">
+                        <a:rPr lang="en-US" sz="1200">
                           <a:effectLst/>
                           <a:latin typeface="Times New Roman" panose="02020603050405020304" pitchFamily="18" charset="0"/>
                           <a:ea typeface="Calibri" panose="020F0502020204030204" pitchFamily="34" charset="0"/>
                           <a:cs typeface="Times New Roman" panose="02020603050405020304" pitchFamily="18" charset="0"/>
                         </a:rPr>
-                        <a:t>14.0876</a:t>
+                        <a:t>14.5890</a:t>
                       </a:r>
-                      <a:endParaRPr lang="en-US" sz="900">
+                      <a:endParaRPr lang="en-US" sz="1200">
                         <a:effectLst/>
                         <a:latin typeface="Calibri" panose="020F0502020204030204" pitchFamily="34" charset="0"/>
                         <a:ea typeface="Calibri" panose="020F0502020204030204" pitchFamily="34" charset="0"/>
@@ -7349,7 +7461,7 @@
                       </a:endParaRPr>
                     </a:p>
                   </a:txBody>
-                  <a:tcPr marL="63872" marR="63872" marT="0" marB="0">
+                  <a:tcPr marL="68580" marR="68580" marT="0" marB="0">
                     <a:lnL>
                       <a:noFill/>
                     </a:lnL>
@@ -7381,15 +7493,15 @@
                         </a:spcAft>
                       </a:pPr>
                       <a:r>
-                        <a:rPr lang="en-US" sz="900">
+                        <a:rPr lang="en-US" sz="1200">
                           <a:effectLst/>
                           <a:latin typeface="Times New Roman" panose="02020603050405020304" pitchFamily="18" charset="0"/>
                           <a:ea typeface="Calibri" panose="020F0502020204030204" pitchFamily="34" charset="0"/>
                           <a:cs typeface="Times New Roman" panose="02020603050405020304" pitchFamily="18" charset="0"/>
                         </a:rPr>
-                        <a:t>83</a:t>
+                        <a:t>3149</a:t>
                       </a:r>
-                      <a:endParaRPr lang="en-US" sz="900">
+                      <a:endParaRPr lang="en-US" sz="1200">
                         <a:effectLst/>
                         <a:latin typeface="Calibri" panose="020F0502020204030204" pitchFamily="34" charset="0"/>
                         <a:ea typeface="Calibri" panose="020F0502020204030204" pitchFamily="34" charset="0"/>
@@ -7397,7 +7509,7 @@
                       </a:endParaRPr>
                     </a:p>
                   </a:txBody>
-                  <a:tcPr marL="63872" marR="63872" marT="0" marB="0">
+                  <a:tcPr marL="68580" marR="68580" marT="0" marB="0">
                     <a:lnL>
                       <a:noFill/>
                     </a:lnL>
@@ -7429,15 +7541,15 @@
                         </a:spcAft>
                       </a:pPr>
                       <a:r>
-                        <a:rPr lang="en-US" sz="900">
+                        <a:rPr lang="en-US" sz="1200">
                           <a:effectLst/>
                           <a:latin typeface="Times New Roman" panose="02020603050405020304" pitchFamily="18" charset="0"/>
                           <a:ea typeface="Calibri" panose="020F0502020204030204" pitchFamily="34" charset="0"/>
                           <a:cs typeface="Times New Roman" panose="02020603050405020304" pitchFamily="18" charset="0"/>
                         </a:rPr>
-                        <a:t>-2.49</a:t>
+                        <a:t>-2.36</a:t>
                       </a:r>
-                      <a:endParaRPr lang="en-US" sz="900">
+                      <a:endParaRPr lang="en-US" sz="1200">
                         <a:effectLst/>
                         <a:latin typeface="Calibri" panose="020F0502020204030204" pitchFamily="34" charset="0"/>
                         <a:ea typeface="Calibri" panose="020F0502020204030204" pitchFamily="34" charset="0"/>
@@ -7445,7 +7557,7 @@
                       </a:endParaRPr>
                     </a:p>
                   </a:txBody>
-                  <a:tcPr marL="63872" marR="63872" marT="0" marB="0">
+                  <a:tcPr marL="68580" marR="68580" marT="0" marB="0">
                     <a:lnL>
                       <a:noFill/>
                     </a:lnL>
@@ -7477,15 +7589,15 @@
                         </a:spcAft>
                       </a:pPr>
                       <a:r>
-                        <a:rPr lang="en-US" sz="900">
+                        <a:rPr lang="en-US" sz="1200">
                           <a:effectLst/>
                           <a:latin typeface="Times New Roman" panose="02020603050405020304" pitchFamily="18" charset="0"/>
                           <a:ea typeface="Calibri" panose="020F0502020204030204" pitchFamily="34" charset="0"/>
                           <a:cs typeface="Times New Roman" panose="02020603050405020304" pitchFamily="18" charset="0"/>
                         </a:rPr>
-                        <a:t>0.0147</a:t>
+                        <a:t>0.0184</a:t>
                       </a:r>
-                      <a:endParaRPr lang="en-US" sz="900">
+                      <a:endParaRPr lang="en-US" sz="1200">
                         <a:effectLst/>
                         <a:latin typeface="Calibri" panose="020F0502020204030204" pitchFamily="34" charset="0"/>
                         <a:ea typeface="Calibri" panose="020F0502020204030204" pitchFamily="34" charset="0"/>
@@ -7493,7 +7605,7 @@
                       </a:endParaRPr>
                     </a:p>
                   </a:txBody>
-                  <a:tcPr marL="63872" marR="63872" marT="0" marB="0">
+                  <a:tcPr marL="68580" marR="68580" marT="0" marB="0">
                     <a:lnL>
                       <a:noFill/>
                     </a:lnL>
@@ -7510,11 +7622,11 @@
                 </a:tc>
                 <a:extLst>
                   <a:ext uri="{0D108BD9-81ED-4DB2-BD59-A6C34878D82A}">
-                    <a16:rowId xmlns:a16="http://schemas.microsoft.com/office/drawing/2014/main" val="4194110027"/>
+                    <a16:rowId xmlns:a16="http://schemas.microsoft.com/office/drawing/2014/main" val="2885262218"/>
                   </a:ext>
                 </a:extLst>
               </a:tr>
-              <a:tr h="296238">
+              <a:tr h="0">
                 <a:tc>
                   <a:txBody>
                     <a:bodyPr/>
@@ -7532,7 +7644,7 @@
                         </a:spcAft>
                       </a:pPr>
                       <a:r>
-                        <a:rPr lang="en-US" sz="900" dirty="0">
+                        <a:rPr lang="en-US" sz="1200" dirty="0">
                           <a:effectLst/>
                           <a:latin typeface="Times New Roman" panose="02020603050405020304" pitchFamily="18" charset="0"/>
                           <a:ea typeface="Times New Roman" panose="02020603050405020304" pitchFamily="18" charset="0"/>
@@ -7540,7 +7652,7 @@
                         </a:rPr>
                         <a:t>Black/African American</a:t>
                       </a:r>
-                      <a:endParaRPr lang="en-US" sz="900" dirty="0">
+                      <a:endParaRPr lang="en-US" sz="1200" dirty="0">
                         <a:effectLst/>
                         <a:latin typeface="Calibri" panose="020F0502020204030204" pitchFamily="34" charset="0"/>
                         <a:ea typeface="Calibri" panose="020F0502020204030204" pitchFamily="34" charset="0"/>
@@ -7548,7 +7660,7 @@
                       </a:endParaRPr>
                     </a:p>
                   </a:txBody>
-                  <a:tcPr marL="63872" marR="63872" marT="0" marB="0">
+                  <a:tcPr marL="68580" marR="68580" marT="0" marB="0">
                     <a:lnL>
                       <a:noFill/>
                     </a:lnL>
@@ -7586,15 +7698,15 @@
                         </a:spcAft>
                       </a:pPr>
                       <a:r>
-                        <a:rPr lang="en-US" sz="900" dirty="0">
+                        <a:rPr lang="en-US" sz="1200">
                           <a:effectLst/>
                           <a:latin typeface="Times New Roman" panose="02020603050405020304" pitchFamily="18" charset="0"/>
                           <a:ea typeface="Calibri" panose="020F0502020204030204" pitchFamily="34" charset="0"/>
                           <a:cs typeface="Times New Roman" panose="02020603050405020304" pitchFamily="18" charset="0"/>
                         </a:rPr>
-                        <a:t>22.1371</a:t>
+                        <a:t>20.2079</a:t>
                       </a:r>
-                      <a:endParaRPr lang="en-US" sz="900" dirty="0">
+                      <a:endParaRPr lang="en-US" sz="1200">
                         <a:effectLst/>
                         <a:latin typeface="Calibri" panose="020F0502020204030204" pitchFamily="34" charset="0"/>
                         <a:ea typeface="Calibri" panose="020F0502020204030204" pitchFamily="34" charset="0"/>
@@ -7602,7 +7714,7 @@
                       </a:endParaRPr>
                     </a:p>
                   </a:txBody>
-                  <a:tcPr marL="63872" marR="63872" marT="0" marB="0">
+                  <a:tcPr marL="68580" marR="68580" marT="0" marB="0">
                     <a:lnL w="12700" cap="flat" cmpd="sng" algn="ctr">
                       <a:solidFill>
                         <a:srgbClr val="000000"/>
@@ -7640,15 +7752,15 @@
                         </a:spcAft>
                       </a:pPr>
                       <a:r>
-                        <a:rPr lang="en-US" sz="900">
+                        <a:rPr lang="en-US" sz="1200">
                           <a:effectLst/>
                           <a:latin typeface="Times New Roman" panose="02020603050405020304" pitchFamily="18" charset="0"/>
                           <a:ea typeface="Calibri" panose="020F0502020204030204" pitchFamily="34" charset="0"/>
                           <a:cs typeface="Times New Roman" panose="02020603050405020304" pitchFamily="18" charset="0"/>
                         </a:rPr>
-                        <a:t>11.8563</a:t>
+                        <a:t>12.4147</a:t>
                       </a:r>
-                      <a:endParaRPr lang="en-US" sz="900">
+                      <a:endParaRPr lang="en-US" sz="1200">
                         <a:effectLst/>
                         <a:latin typeface="Calibri" panose="020F0502020204030204" pitchFamily="34" charset="0"/>
                         <a:ea typeface="Calibri" panose="020F0502020204030204" pitchFamily="34" charset="0"/>
@@ -7656,7 +7768,7 @@
                       </a:endParaRPr>
                     </a:p>
                   </a:txBody>
-                  <a:tcPr marL="63872" marR="63872" marT="0" marB="0">
+                  <a:tcPr marL="68580" marR="68580" marT="0" marB="0">
                     <a:lnL>
                       <a:noFill/>
                     </a:lnL>
@@ -7688,15 +7800,15 @@
                         </a:spcAft>
                       </a:pPr>
                       <a:r>
-                        <a:rPr lang="en-US" sz="900">
+                        <a:rPr lang="en-US" sz="1200">
                           <a:effectLst/>
                           <a:latin typeface="Times New Roman" panose="02020603050405020304" pitchFamily="18" charset="0"/>
                           <a:ea typeface="Calibri" panose="020F0502020204030204" pitchFamily="34" charset="0"/>
                           <a:cs typeface="Times New Roman" panose="02020603050405020304" pitchFamily="18" charset="0"/>
                         </a:rPr>
-                        <a:t>83</a:t>
+                        <a:t>3149</a:t>
                       </a:r>
-                      <a:endParaRPr lang="en-US" sz="900">
+                      <a:endParaRPr lang="en-US" sz="1200">
                         <a:effectLst/>
                         <a:latin typeface="Calibri" panose="020F0502020204030204" pitchFamily="34" charset="0"/>
                         <a:ea typeface="Calibri" panose="020F0502020204030204" pitchFamily="34" charset="0"/>
@@ -7704,7 +7816,7 @@
                       </a:endParaRPr>
                     </a:p>
                   </a:txBody>
-                  <a:tcPr marL="63872" marR="63872" marT="0" marB="0">
+                  <a:tcPr marL="68580" marR="68580" marT="0" marB="0">
                     <a:lnL>
                       <a:noFill/>
                     </a:lnL>
@@ -7736,15 +7848,15 @@
                         </a:spcAft>
                       </a:pPr>
                       <a:r>
-                        <a:rPr lang="en-US" sz="900">
+                        <a:rPr lang="en-US" sz="1200">
                           <a:effectLst/>
                           <a:latin typeface="Times New Roman" panose="02020603050405020304" pitchFamily="18" charset="0"/>
                           <a:ea typeface="Calibri" panose="020F0502020204030204" pitchFamily="34" charset="0"/>
                           <a:cs typeface="Times New Roman" panose="02020603050405020304" pitchFamily="18" charset="0"/>
                         </a:rPr>
-                        <a:t>1.87</a:t>
+                        <a:t>1.63</a:t>
                       </a:r>
-                      <a:endParaRPr lang="en-US" sz="900">
+                      <a:endParaRPr lang="en-US" sz="1200">
                         <a:effectLst/>
                         <a:latin typeface="Calibri" panose="020F0502020204030204" pitchFamily="34" charset="0"/>
                         <a:ea typeface="Calibri" panose="020F0502020204030204" pitchFamily="34" charset="0"/>
@@ -7752,7 +7864,7 @@
                       </a:endParaRPr>
                     </a:p>
                   </a:txBody>
-                  <a:tcPr marL="63872" marR="63872" marT="0" marB="0">
+                  <a:tcPr marL="68580" marR="68580" marT="0" marB="0">
                     <a:lnL>
                       <a:noFill/>
                     </a:lnL>
@@ -7784,15 +7896,15 @@
                         </a:spcAft>
                       </a:pPr>
                       <a:r>
-                        <a:rPr lang="en-US" sz="900">
+                        <a:rPr lang="en-US" sz="1200">
                           <a:effectLst/>
                           <a:latin typeface="Times New Roman" panose="02020603050405020304" pitchFamily="18" charset="0"/>
                           <a:ea typeface="Calibri" panose="020F0502020204030204" pitchFamily="34" charset="0"/>
                           <a:cs typeface="Times New Roman" panose="02020603050405020304" pitchFamily="18" charset="0"/>
                         </a:rPr>
-                        <a:t>0.0654</a:t>
+                        <a:t>0.1037</a:t>
                       </a:r>
-                      <a:endParaRPr lang="en-US" sz="900">
+                      <a:endParaRPr lang="en-US" sz="1200">
                         <a:effectLst/>
                         <a:latin typeface="Calibri" panose="020F0502020204030204" pitchFamily="34" charset="0"/>
                         <a:ea typeface="Calibri" panose="020F0502020204030204" pitchFamily="34" charset="0"/>
@@ -7800,7 +7912,7 @@
                       </a:endParaRPr>
                     </a:p>
                   </a:txBody>
-                  <a:tcPr marL="63872" marR="63872" marT="0" marB="0">
+                  <a:tcPr marL="68580" marR="68580" marT="0" marB="0">
                     <a:lnL>
                       <a:noFill/>
                     </a:lnL>
@@ -7817,11 +7929,11 @@
                 </a:tc>
                 <a:extLst>
                   <a:ext uri="{0D108BD9-81ED-4DB2-BD59-A6C34878D82A}">
-                    <a16:rowId xmlns:a16="http://schemas.microsoft.com/office/drawing/2014/main" val="2210993716"/>
+                    <a16:rowId xmlns:a16="http://schemas.microsoft.com/office/drawing/2014/main" val="474726696"/>
                   </a:ext>
                 </a:extLst>
               </a:tr>
-              <a:tr h="224086">
+              <a:tr h="0">
                 <a:tc>
                   <a:txBody>
                     <a:bodyPr/>
@@ -7839,7 +7951,7 @@
                         </a:spcAft>
                       </a:pPr>
                       <a:r>
-                        <a:rPr lang="en-US" sz="900" dirty="0">
+                        <a:rPr lang="en-US" sz="1200" dirty="0">
                           <a:effectLst/>
                           <a:latin typeface="Times New Roman" panose="02020603050405020304" pitchFamily="18" charset="0"/>
                           <a:ea typeface="Times New Roman" panose="02020603050405020304" pitchFamily="18" charset="0"/>
@@ -7847,7 +7959,7 @@
                         </a:rPr>
                         <a:t>Other</a:t>
                       </a:r>
-                      <a:endParaRPr lang="en-US" sz="900" dirty="0">
+                      <a:endParaRPr lang="en-US" sz="1200" dirty="0">
                         <a:effectLst/>
                         <a:latin typeface="Calibri" panose="020F0502020204030204" pitchFamily="34" charset="0"/>
                         <a:ea typeface="Calibri" panose="020F0502020204030204" pitchFamily="34" charset="0"/>
@@ -7867,7 +7979,7 @@
                         </a:spcAft>
                       </a:pPr>
                       <a:r>
-                        <a:rPr lang="en-US" sz="900" dirty="0">
+                        <a:rPr lang="en-US" sz="1200" dirty="0">
                           <a:effectLst/>
                           <a:latin typeface="Times New Roman" panose="02020603050405020304" pitchFamily="18" charset="0"/>
                           <a:ea typeface="Times New Roman" panose="02020603050405020304" pitchFamily="18" charset="0"/>
@@ -7875,7 +7987,7 @@
                         </a:rPr>
                         <a:t> </a:t>
                       </a:r>
-                      <a:endParaRPr lang="en-US" sz="900" dirty="0">
+                      <a:endParaRPr lang="en-US" sz="1200" dirty="0">
                         <a:effectLst/>
                         <a:latin typeface="Calibri" panose="020F0502020204030204" pitchFamily="34" charset="0"/>
                         <a:ea typeface="Calibri" panose="020F0502020204030204" pitchFamily="34" charset="0"/>
@@ -7883,7 +7995,7 @@
                       </a:endParaRPr>
                     </a:p>
                   </a:txBody>
-                  <a:tcPr marL="63872" marR="63872" marT="0" marB="0">
+                  <a:tcPr marL="68580" marR="68580" marT="0" marB="0">
                     <a:lnL>
                       <a:noFill/>
                     </a:lnL>
@@ -7921,15 +8033,15 @@
                         </a:spcAft>
                       </a:pPr>
                       <a:r>
-                        <a:rPr lang="en-US" sz="900" dirty="0">
+                        <a:rPr lang="en-US" sz="1200">
                           <a:effectLst/>
                           <a:latin typeface="Times New Roman" panose="02020603050405020304" pitchFamily="18" charset="0"/>
                           <a:ea typeface="Calibri" panose="020F0502020204030204" pitchFamily="34" charset="0"/>
                           <a:cs typeface="Times New Roman" panose="02020603050405020304" pitchFamily="18" charset="0"/>
                         </a:rPr>
-                        <a:t>-6.2564</a:t>
+                        <a:t>-6.8846</a:t>
                       </a:r>
-                      <a:endParaRPr lang="en-US" sz="900" dirty="0">
+                      <a:endParaRPr lang="en-US" sz="1200">
                         <a:effectLst/>
                         <a:latin typeface="Calibri" panose="020F0502020204030204" pitchFamily="34" charset="0"/>
                         <a:ea typeface="Calibri" panose="020F0502020204030204" pitchFamily="34" charset="0"/>
@@ -7937,7 +8049,7 @@
                       </a:endParaRPr>
                     </a:p>
                   </a:txBody>
-                  <a:tcPr marL="63872" marR="63872" marT="0" marB="0">
+                  <a:tcPr marL="68580" marR="68580" marT="0" marB="0">
                     <a:lnL w="12700" cap="flat" cmpd="sng" algn="ctr">
                       <a:solidFill>
                         <a:srgbClr val="000000"/>
@@ -7975,15 +8087,15 @@
                         </a:spcAft>
                       </a:pPr>
                       <a:r>
-                        <a:rPr lang="en-US" sz="900">
+                        <a:rPr lang="en-US" sz="1200">
                           <a:effectLst/>
                           <a:latin typeface="Times New Roman" panose="02020603050405020304" pitchFamily="18" charset="0"/>
                           <a:ea typeface="Calibri" panose="020F0502020204030204" pitchFamily="34" charset="0"/>
                           <a:cs typeface="Times New Roman" panose="02020603050405020304" pitchFamily="18" charset="0"/>
                         </a:rPr>
-                        <a:t>17.7543</a:t>
+                        <a:t>18.8662</a:t>
                       </a:r>
-                      <a:endParaRPr lang="en-US" sz="900">
+                      <a:endParaRPr lang="en-US" sz="1200">
                         <a:effectLst/>
                         <a:latin typeface="Calibri" panose="020F0502020204030204" pitchFamily="34" charset="0"/>
                         <a:ea typeface="Calibri" panose="020F0502020204030204" pitchFamily="34" charset="0"/>
@@ -7991,7 +8103,7 @@
                       </a:endParaRPr>
                     </a:p>
                   </a:txBody>
-                  <a:tcPr marL="63872" marR="63872" marT="0" marB="0">
+                  <a:tcPr marL="68580" marR="68580" marT="0" marB="0">
                     <a:lnL>
                       <a:noFill/>
                     </a:lnL>
@@ -8023,15 +8135,15 @@
                         </a:spcAft>
                       </a:pPr>
                       <a:r>
-                        <a:rPr lang="en-US" sz="900">
+                        <a:rPr lang="en-US" sz="1200">
                           <a:effectLst/>
                           <a:latin typeface="Times New Roman" panose="02020603050405020304" pitchFamily="18" charset="0"/>
                           <a:ea typeface="Calibri" panose="020F0502020204030204" pitchFamily="34" charset="0"/>
                           <a:cs typeface="Times New Roman" panose="02020603050405020304" pitchFamily="18" charset="0"/>
                         </a:rPr>
-                        <a:t>83</a:t>
+                        <a:t>3149</a:t>
                       </a:r>
-                      <a:endParaRPr lang="en-US" sz="900">
+                      <a:endParaRPr lang="en-US" sz="1200">
                         <a:effectLst/>
                         <a:latin typeface="Calibri" panose="020F0502020204030204" pitchFamily="34" charset="0"/>
                         <a:ea typeface="Calibri" panose="020F0502020204030204" pitchFamily="34" charset="0"/>
@@ -8039,7 +8151,7 @@
                       </a:endParaRPr>
                     </a:p>
                   </a:txBody>
-                  <a:tcPr marL="63872" marR="63872" marT="0" marB="0">
+                  <a:tcPr marL="68580" marR="68580" marT="0" marB="0">
                     <a:lnL>
                       <a:noFill/>
                     </a:lnL>
@@ -8071,15 +8183,15 @@
                         </a:spcAft>
                       </a:pPr>
                       <a:r>
-                        <a:rPr lang="en-US" sz="900">
+                        <a:rPr lang="en-US" sz="1200">
                           <a:effectLst/>
                           <a:latin typeface="Times New Roman" panose="02020603050405020304" pitchFamily="18" charset="0"/>
                           <a:ea typeface="Calibri" panose="020F0502020204030204" pitchFamily="34" charset="0"/>
                           <a:cs typeface="Times New Roman" panose="02020603050405020304" pitchFamily="18" charset="0"/>
                         </a:rPr>
-                        <a:t>-0.35</a:t>
+                        <a:t>-0.36</a:t>
                       </a:r>
-                      <a:endParaRPr lang="en-US" sz="900">
+                      <a:endParaRPr lang="en-US" sz="1200">
                         <a:effectLst/>
                         <a:latin typeface="Calibri" panose="020F0502020204030204" pitchFamily="34" charset="0"/>
                         <a:ea typeface="Calibri" panose="020F0502020204030204" pitchFamily="34" charset="0"/>
@@ -8087,7 +8199,7 @@
                       </a:endParaRPr>
                     </a:p>
                   </a:txBody>
-                  <a:tcPr marL="63872" marR="63872" marT="0" marB="0">
+                  <a:tcPr marL="68580" marR="68580" marT="0" marB="0">
                     <a:lnL>
                       <a:noFill/>
                     </a:lnL>
@@ -8119,15 +8231,15 @@
                         </a:spcAft>
                       </a:pPr>
                       <a:r>
-                        <a:rPr lang="en-US" sz="900">
+                        <a:rPr lang="en-US" sz="1200">
                           <a:effectLst/>
                           <a:latin typeface="Times New Roman" panose="02020603050405020304" pitchFamily="18" charset="0"/>
                           <a:ea typeface="Calibri" panose="020F0502020204030204" pitchFamily="34" charset="0"/>
                           <a:cs typeface="Times New Roman" panose="02020603050405020304" pitchFamily="18" charset="0"/>
                         </a:rPr>
-                        <a:t>0.7254</a:t>
+                        <a:t>0.7152</a:t>
                       </a:r>
-                      <a:endParaRPr lang="en-US" sz="900">
+                      <a:endParaRPr lang="en-US" sz="1200">
                         <a:effectLst/>
                         <a:latin typeface="Calibri" panose="020F0502020204030204" pitchFamily="34" charset="0"/>
                         <a:ea typeface="Calibri" panose="020F0502020204030204" pitchFamily="34" charset="0"/>
@@ -8135,7 +8247,7 @@
                       </a:endParaRPr>
                     </a:p>
                   </a:txBody>
-                  <a:tcPr marL="63872" marR="63872" marT="0" marB="0">
+                  <a:tcPr marL="68580" marR="68580" marT="0" marB="0">
                     <a:lnL>
                       <a:noFill/>
                     </a:lnL>
@@ -8152,11 +8264,11 @@
                 </a:tc>
                 <a:extLst>
                   <a:ext uri="{0D108BD9-81ED-4DB2-BD59-A6C34878D82A}">
-                    <a16:rowId xmlns:a16="http://schemas.microsoft.com/office/drawing/2014/main" val="824512630"/>
+                    <a16:rowId xmlns:a16="http://schemas.microsoft.com/office/drawing/2014/main" val="906357117"/>
                   </a:ext>
                 </a:extLst>
               </a:tr>
-              <a:tr h="224086">
+              <a:tr h="0">
                 <a:tc>
                   <a:txBody>
                     <a:bodyPr/>
@@ -8174,15 +8286,15 @@
                         </a:spcAft>
                       </a:pPr>
                       <a:r>
-                        <a:rPr lang="en-US" sz="900" b="1" dirty="0">
+                        <a:rPr lang="en-US" sz="1200" b="1">
                           <a:effectLst/>
                           <a:latin typeface="Times New Roman" panose="02020603050405020304" pitchFamily="18" charset="0"/>
                           <a:ea typeface="Times New Roman" panose="02020603050405020304" pitchFamily="18" charset="0"/>
                           <a:cs typeface="Times New Roman" panose="02020603050405020304" pitchFamily="18" charset="0"/>
                         </a:rPr>
-                        <a:t>Days in Study</a:t>
+                        <a:t>Week</a:t>
                       </a:r>
-                      <a:endParaRPr lang="en-US" sz="900" dirty="0">
+                      <a:endParaRPr lang="en-US" sz="1200">
                         <a:effectLst/>
                         <a:latin typeface="Calibri" panose="020F0502020204030204" pitchFamily="34" charset="0"/>
                         <a:ea typeface="Calibri" panose="020F0502020204030204" pitchFamily="34" charset="0"/>
@@ -8202,7 +8314,7 @@
                         </a:spcAft>
                       </a:pPr>
                       <a:r>
-                        <a:rPr lang="en-US" sz="900" b="1" dirty="0">
+                        <a:rPr lang="en-US" sz="1200" b="1">
                           <a:effectLst/>
                           <a:latin typeface="Times New Roman" panose="02020603050405020304" pitchFamily="18" charset="0"/>
                           <a:ea typeface="Times New Roman" panose="02020603050405020304" pitchFamily="18" charset="0"/>
@@ -8210,7 +8322,7 @@
                         </a:rPr>
                         <a:t> </a:t>
                       </a:r>
-                      <a:endParaRPr lang="en-US" sz="900" dirty="0">
+                      <a:endParaRPr lang="en-US" sz="1200">
                         <a:effectLst/>
                         <a:latin typeface="Calibri" panose="020F0502020204030204" pitchFamily="34" charset="0"/>
                         <a:ea typeface="Calibri" panose="020F0502020204030204" pitchFamily="34" charset="0"/>
@@ -8218,7 +8330,7 @@
                       </a:endParaRPr>
                     </a:p>
                   </a:txBody>
-                  <a:tcPr marL="63872" marR="63872" marT="0" marB="0">
+                  <a:tcPr marL="68580" marR="68580" marT="0" marB="0">
                     <a:lnL>
                       <a:noFill/>
                     </a:lnL>
@@ -8256,15 +8368,15 @@
                         </a:spcAft>
                       </a:pPr>
                       <a:r>
-                        <a:rPr lang="en-US" sz="900" dirty="0">
+                        <a:rPr lang="en-US" sz="1200">
                           <a:effectLst/>
                           <a:latin typeface="Times New Roman" panose="02020603050405020304" pitchFamily="18" charset="0"/>
                           <a:ea typeface="Calibri" panose="020F0502020204030204" pitchFamily="34" charset="0"/>
                           <a:cs typeface="Times New Roman" panose="02020603050405020304" pitchFamily="18" charset="0"/>
                         </a:rPr>
-                        <a:t>-0.06345</a:t>
+                        <a:t>-1.0985</a:t>
                       </a:r>
-                      <a:endParaRPr lang="en-US" sz="900" dirty="0">
+                      <a:endParaRPr lang="en-US" sz="1200">
                         <a:effectLst/>
                         <a:latin typeface="Calibri" panose="020F0502020204030204" pitchFamily="34" charset="0"/>
                         <a:ea typeface="Calibri" panose="020F0502020204030204" pitchFamily="34" charset="0"/>
@@ -8272,7 +8384,7 @@
                       </a:endParaRPr>
                     </a:p>
                   </a:txBody>
-                  <a:tcPr marL="63872" marR="63872" marT="0" marB="0">
+                  <a:tcPr marL="68580" marR="68580" marT="0" marB="0">
                     <a:lnL w="12700" cap="flat" cmpd="sng" algn="ctr">
                       <a:solidFill>
                         <a:srgbClr val="000000"/>
@@ -8310,15 +8422,15 @@
                         </a:spcAft>
                       </a:pPr>
                       <a:r>
-                        <a:rPr lang="en-US" sz="900" dirty="0">
+                        <a:rPr lang="en-US" sz="1200">
                           <a:effectLst/>
                           <a:latin typeface="Times New Roman" panose="02020603050405020304" pitchFamily="18" charset="0"/>
                           <a:ea typeface="Calibri" panose="020F0502020204030204" pitchFamily="34" charset="0"/>
                           <a:cs typeface="Times New Roman" panose="02020603050405020304" pitchFamily="18" charset="0"/>
                         </a:rPr>
-                        <a:t>0.0087</a:t>
+                        <a:t>0.05880</a:t>
                       </a:r>
-                      <a:endParaRPr lang="en-US" sz="900" dirty="0">
+                      <a:endParaRPr lang="en-US" sz="1200">
                         <a:effectLst/>
                         <a:latin typeface="Calibri" panose="020F0502020204030204" pitchFamily="34" charset="0"/>
                         <a:ea typeface="Calibri" panose="020F0502020204030204" pitchFamily="34" charset="0"/>
@@ -8326,7 +8438,7 @@
                       </a:endParaRPr>
                     </a:p>
                   </a:txBody>
-                  <a:tcPr marL="63872" marR="63872" marT="0" marB="0">
+                  <a:tcPr marL="68580" marR="68580" marT="0" marB="0">
                     <a:lnL>
                       <a:noFill/>
                     </a:lnL>
@@ -8358,15 +8470,15 @@
                         </a:spcAft>
                       </a:pPr>
                       <a:r>
-                        <a:rPr lang="en-US" sz="900">
+                        <a:rPr lang="en-US" sz="1200" dirty="0">
                           <a:effectLst/>
                           <a:latin typeface="Times New Roman" panose="02020603050405020304" pitchFamily="18" charset="0"/>
                           <a:ea typeface="Calibri" panose="020F0502020204030204" pitchFamily="34" charset="0"/>
                           <a:cs typeface="Times New Roman" panose="02020603050405020304" pitchFamily="18" charset="0"/>
                         </a:rPr>
-                        <a:t>15E3</a:t>
+                        <a:t>85</a:t>
                       </a:r>
-                      <a:endParaRPr lang="en-US" sz="900">
+                      <a:endParaRPr lang="en-US" sz="1200" dirty="0">
                         <a:effectLst/>
                         <a:latin typeface="Calibri" panose="020F0502020204030204" pitchFamily="34" charset="0"/>
                         <a:ea typeface="Calibri" panose="020F0502020204030204" pitchFamily="34" charset="0"/>
@@ -8374,7 +8486,7 @@
                       </a:endParaRPr>
                     </a:p>
                   </a:txBody>
-                  <a:tcPr marL="63872" marR="63872" marT="0" marB="0">
+                  <a:tcPr marL="68580" marR="68580" marT="0" marB="0">
                     <a:lnL>
                       <a:noFill/>
                     </a:lnL>
@@ -8406,15 +8518,15 @@
                         </a:spcAft>
                       </a:pPr>
                       <a:r>
-                        <a:rPr lang="en-US" sz="900">
+                        <a:rPr lang="en-US" sz="1200" dirty="0">
                           <a:effectLst/>
                           <a:latin typeface="Times New Roman" panose="02020603050405020304" pitchFamily="18" charset="0"/>
                           <a:ea typeface="Calibri" panose="020F0502020204030204" pitchFamily="34" charset="0"/>
                           <a:cs typeface="Times New Roman" panose="02020603050405020304" pitchFamily="18" charset="0"/>
                         </a:rPr>
-                        <a:t>-7.28</a:t>
+                        <a:t>-18.68</a:t>
                       </a:r>
-                      <a:endParaRPr lang="en-US" sz="900">
+                      <a:endParaRPr lang="en-US" sz="1200" dirty="0">
                         <a:effectLst/>
                         <a:latin typeface="Calibri" panose="020F0502020204030204" pitchFamily="34" charset="0"/>
                         <a:ea typeface="Calibri" panose="020F0502020204030204" pitchFamily="34" charset="0"/>
@@ -8422,7 +8534,7 @@
                       </a:endParaRPr>
                     </a:p>
                   </a:txBody>
-                  <a:tcPr marL="63872" marR="63872" marT="0" marB="0">
+                  <a:tcPr marL="68580" marR="68580" marT="0" marB="0">
                     <a:lnL>
                       <a:noFill/>
                     </a:lnL>
@@ -8454,7 +8566,7 @@
                         </a:spcAft>
                       </a:pPr>
                       <a:r>
-                        <a:rPr lang="en-US" sz="900">
+                        <a:rPr lang="en-US" sz="1200">
                           <a:effectLst/>
                           <a:latin typeface="Times New Roman" panose="02020603050405020304" pitchFamily="18" charset="0"/>
                           <a:ea typeface="Calibri" panose="020F0502020204030204" pitchFamily="34" charset="0"/>
@@ -8462,7 +8574,7 @@
                         </a:rPr>
                         <a:t>&lt;.0001</a:t>
                       </a:r>
-                      <a:endParaRPr lang="en-US" sz="900">
+                      <a:endParaRPr lang="en-US" sz="1200">
                         <a:effectLst/>
                         <a:latin typeface="Calibri" panose="020F0502020204030204" pitchFamily="34" charset="0"/>
                         <a:ea typeface="Calibri" panose="020F0502020204030204" pitchFamily="34" charset="0"/>
@@ -8470,7 +8582,7 @@
                       </a:endParaRPr>
                     </a:p>
                   </a:txBody>
-                  <a:tcPr marL="63872" marR="63872" marT="0" marB="0">
+                  <a:tcPr marL="68580" marR="68580" marT="0" marB="0">
                     <a:lnL>
                       <a:noFill/>
                     </a:lnL>
@@ -8487,11 +8599,11 @@
                 </a:tc>
                 <a:extLst>
                   <a:ext uri="{0D108BD9-81ED-4DB2-BD59-A6C34878D82A}">
-                    <a16:rowId xmlns:a16="http://schemas.microsoft.com/office/drawing/2014/main" val="3486492984"/>
+                    <a16:rowId xmlns:a16="http://schemas.microsoft.com/office/drawing/2014/main" val="2461582281"/>
                   </a:ext>
                 </a:extLst>
               </a:tr>
-              <a:tr h="144364">
+              <a:tr h="0">
                 <a:tc>
                   <a:txBody>
                     <a:bodyPr/>
@@ -8509,15 +8621,15 @@
                         </a:spcAft>
                       </a:pPr>
                       <a:r>
-                        <a:rPr lang="en-US" sz="900" b="1" dirty="0">
+                        <a:rPr lang="en-US" sz="1200" b="1">
                           <a:effectLst/>
                           <a:latin typeface="Times New Roman" panose="02020603050405020304" pitchFamily="18" charset="0"/>
                           <a:ea typeface="Times New Roman" panose="02020603050405020304" pitchFamily="18" charset="0"/>
                           <a:cs typeface="Times New Roman" panose="02020603050405020304" pitchFamily="18" charset="0"/>
                         </a:rPr>
-                        <a:t>Month</a:t>
+                        <a:t>Week*Week</a:t>
                       </a:r>
-                      <a:endParaRPr lang="en-US" sz="900" dirty="0">
+                      <a:endParaRPr lang="en-US" sz="1200">
                         <a:effectLst/>
                         <a:latin typeface="Calibri" panose="020F0502020204030204" pitchFamily="34" charset="0"/>
                         <a:ea typeface="Calibri" panose="020F0502020204030204" pitchFamily="34" charset="0"/>
@@ -8525,7 +8637,7 @@
                       </a:endParaRPr>
                     </a:p>
                   </a:txBody>
-                  <a:tcPr marL="63872" marR="63872" marT="0" marB="0">
+                  <a:tcPr marL="68580" marR="68580" marT="0" marB="0">
                     <a:lnL>
                       <a:noFill/>
                     </a:lnL>
@@ -8563,15 +8675,15 @@
                         </a:spcAft>
                       </a:pPr>
                       <a:r>
-                        <a:rPr lang="en-US" sz="900">
+                        <a:rPr lang="en-US" sz="1200" dirty="0">
                           <a:effectLst/>
                           <a:latin typeface="Times New Roman" panose="02020603050405020304" pitchFamily="18" charset="0"/>
-                          <a:ea typeface="Times New Roman" panose="02020603050405020304" pitchFamily="18" charset="0"/>
+                          <a:ea typeface="Calibri" panose="020F0502020204030204" pitchFamily="34" charset="0"/>
                           <a:cs typeface="Times New Roman" panose="02020603050405020304" pitchFamily="18" charset="0"/>
                         </a:rPr>
-                        <a:t> </a:t>
+                        <a:t>0.01470</a:t>
                       </a:r>
-                      <a:endParaRPr lang="en-US" sz="900">
+                      <a:endParaRPr lang="en-US" sz="1200" dirty="0">
                         <a:effectLst/>
                         <a:latin typeface="Calibri" panose="020F0502020204030204" pitchFamily="34" charset="0"/>
                         <a:ea typeface="Calibri" panose="020F0502020204030204" pitchFamily="34" charset="0"/>
@@ -8579,7 +8691,7 @@
                       </a:endParaRPr>
                     </a:p>
                   </a:txBody>
-                  <a:tcPr marL="63872" marR="63872" marT="0" marB="0">
+                  <a:tcPr marL="68580" marR="68580" marT="0" marB="0">
                     <a:lnL w="12700" cap="flat" cmpd="sng" algn="ctr">
                       <a:solidFill>
                         <a:srgbClr val="000000"/>
@@ -8617,15 +8729,15 @@
                         </a:spcAft>
                       </a:pPr>
                       <a:r>
-                        <a:rPr lang="en-US" sz="900" dirty="0">
+                        <a:rPr lang="en-US" sz="1200" dirty="0">
                           <a:effectLst/>
                           <a:latin typeface="Times New Roman" panose="02020603050405020304" pitchFamily="18" charset="0"/>
-                          <a:ea typeface="Times New Roman" panose="02020603050405020304" pitchFamily="18" charset="0"/>
+                          <a:ea typeface="Calibri" panose="020F0502020204030204" pitchFamily="34" charset="0"/>
                           <a:cs typeface="Times New Roman" panose="02020603050405020304" pitchFamily="18" charset="0"/>
                         </a:rPr>
-                        <a:t> </a:t>
+                        <a:t>0.00097</a:t>
                       </a:r>
-                      <a:endParaRPr lang="en-US" sz="900" dirty="0">
+                      <a:endParaRPr lang="en-US" sz="1200" dirty="0">
                         <a:effectLst/>
                         <a:latin typeface="Calibri" panose="020F0502020204030204" pitchFamily="34" charset="0"/>
                         <a:ea typeface="Calibri" panose="020F0502020204030204" pitchFamily="34" charset="0"/>
@@ -8633,7 +8745,7 @@
                       </a:endParaRPr>
                     </a:p>
                   </a:txBody>
-                  <a:tcPr marL="63872" marR="63872" marT="0" marB="0">
+                  <a:tcPr marL="68580" marR="68580" marT="0" marB="0">
                     <a:lnL>
                       <a:noFill/>
                     </a:lnL>
@@ -8665,15 +8777,15 @@
                         </a:spcAft>
                       </a:pPr>
                       <a:r>
-                        <a:rPr lang="en-US" sz="900">
+                        <a:rPr lang="en-US" sz="1200" dirty="0">
                           <a:effectLst/>
                           <a:latin typeface="Times New Roman" panose="02020603050405020304" pitchFamily="18" charset="0"/>
-                          <a:ea typeface="Times New Roman" panose="02020603050405020304" pitchFamily="18" charset="0"/>
+                          <a:ea typeface="Calibri" panose="020F0502020204030204" pitchFamily="34" charset="0"/>
                           <a:cs typeface="Times New Roman" panose="02020603050405020304" pitchFamily="18" charset="0"/>
                         </a:rPr>
-                        <a:t> </a:t>
+                        <a:t>3149</a:t>
                       </a:r>
-                      <a:endParaRPr lang="en-US" sz="900">
+                      <a:endParaRPr lang="en-US" sz="1200" dirty="0">
                         <a:effectLst/>
                         <a:latin typeface="Calibri" panose="020F0502020204030204" pitchFamily="34" charset="0"/>
                         <a:ea typeface="Calibri" panose="020F0502020204030204" pitchFamily="34" charset="0"/>
@@ -8681,7 +8793,7 @@
                       </a:endParaRPr>
                     </a:p>
                   </a:txBody>
-                  <a:tcPr marL="63872" marR="63872" marT="0" marB="0">
+                  <a:tcPr marL="68580" marR="68580" marT="0" marB="0">
                     <a:lnL>
                       <a:noFill/>
                     </a:lnL>
@@ -8713,15 +8825,15 @@
                         </a:spcAft>
                       </a:pPr>
                       <a:r>
-                        <a:rPr lang="en-US" sz="900">
+                        <a:rPr lang="en-US" sz="1200" dirty="0">
                           <a:effectLst/>
                           <a:latin typeface="Times New Roman" panose="02020603050405020304" pitchFamily="18" charset="0"/>
-                          <a:ea typeface="Times New Roman" panose="02020603050405020304" pitchFamily="18" charset="0"/>
+                          <a:ea typeface="Calibri" panose="020F0502020204030204" pitchFamily="34" charset="0"/>
                           <a:cs typeface="Times New Roman" panose="02020603050405020304" pitchFamily="18" charset="0"/>
                         </a:rPr>
-                        <a:t> </a:t>
+                        <a:t>15.21</a:t>
                       </a:r>
-                      <a:endParaRPr lang="en-US" sz="900">
+                      <a:endParaRPr lang="en-US" sz="1200" dirty="0">
                         <a:effectLst/>
                         <a:latin typeface="Calibri" panose="020F0502020204030204" pitchFamily="34" charset="0"/>
                         <a:ea typeface="Calibri" panose="020F0502020204030204" pitchFamily="34" charset="0"/>
@@ -8729,7 +8841,7 @@
                       </a:endParaRPr>
                     </a:p>
                   </a:txBody>
-                  <a:tcPr marL="63872" marR="63872" marT="0" marB="0">
+                  <a:tcPr marL="68580" marR="68580" marT="0" marB="0">
                     <a:lnL>
                       <a:noFill/>
                     </a:lnL>
@@ -8761,15 +8873,15 @@
                         </a:spcAft>
                       </a:pPr>
                       <a:r>
-                        <a:rPr lang="en-US" sz="900">
+                        <a:rPr lang="en-US" sz="1200" dirty="0">
                           <a:effectLst/>
                           <a:latin typeface="Times New Roman" panose="02020603050405020304" pitchFamily="18" charset="0"/>
-                          <a:ea typeface="Times New Roman" panose="02020603050405020304" pitchFamily="18" charset="0"/>
+                          <a:ea typeface="Calibri" panose="020F0502020204030204" pitchFamily="34" charset="0"/>
                           <a:cs typeface="Times New Roman" panose="02020603050405020304" pitchFamily="18" charset="0"/>
                         </a:rPr>
-                        <a:t> </a:t>
+                        <a:t>&lt;.0001</a:t>
                       </a:r>
-                      <a:endParaRPr lang="en-US" sz="900">
+                      <a:endParaRPr lang="en-US" sz="1200" dirty="0">
                         <a:effectLst/>
                         <a:latin typeface="Calibri" panose="020F0502020204030204" pitchFamily="34" charset="0"/>
                         <a:ea typeface="Calibri" panose="020F0502020204030204" pitchFamily="34" charset="0"/>
@@ -8777,7 +8889,7 @@
                       </a:endParaRPr>
                     </a:p>
                   </a:txBody>
-                  <a:tcPr marL="63872" marR="63872" marT="0" marB="0">
+                  <a:tcPr marL="68580" marR="68580" marT="0" marB="0">
                     <a:lnL>
                       <a:noFill/>
                     </a:lnL>
@@ -8794,3384 +8906,7 @@
                 </a:tc>
                 <a:extLst>
                   <a:ext uri="{0D108BD9-81ED-4DB2-BD59-A6C34878D82A}">
-                    <a16:rowId xmlns:a16="http://schemas.microsoft.com/office/drawing/2014/main" val="4213069445"/>
-                  </a:ext>
-                </a:extLst>
-              </a:tr>
-              <a:tr h="144364">
-                <a:tc>
-                  <a:txBody>
-                    <a:bodyPr/>
-                    <a:lstStyle/>
-                    <a:p>
-                      <a:pPr marL="0" marR="0" algn="r">
-                        <a:lnSpc>
-                          <a:spcPct val="107000"/>
-                        </a:lnSpc>
-                        <a:spcBef>
-                          <a:spcPts val="0"/>
-                        </a:spcBef>
-                        <a:spcAft>
-                          <a:spcPts val="0"/>
-                        </a:spcAft>
-                      </a:pPr>
-                      <a:r>
-                        <a:rPr lang="en-US" sz="900" dirty="0">
-                          <a:effectLst/>
-                          <a:latin typeface="Times New Roman" panose="02020603050405020304" pitchFamily="18" charset="0"/>
-                          <a:ea typeface="Times New Roman" panose="02020603050405020304" pitchFamily="18" charset="0"/>
-                          <a:cs typeface="Times New Roman" panose="02020603050405020304" pitchFamily="18" charset="0"/>
-                        </a:rPr>
-                        <a:t>Jan</a:t>
-                      </a:r>
-                      <a:endParaRPr lang="en-US" sz="900" dirty="0">
-                        <a:effectLst/>
-                        <a:latin typeface="Calibri" panose="020F0502020204030204" pitchFamily="34" charset="0"/>
-                        <a:ea typeface="Calibri" panose="020F0502020204030204" pitchFamily="34" charset="0"/>
-                        <a:cs typeface="Times New Roman" panose="02020603050405020304" pitchFamily="18" charset="0"/>
-                      </a:endParaRPr>
-                    </a:p>
-                  </a:txBody>
-                  <a:tcPr marL="63872" marR="63872" marT="0" marB="0">
-                    <a:lnL>
-                      <a:noFill/>
-                    </a:lnL>
-                    <a:lnR w="12700" cap="flat" cmpd="sng" algn="ctr">
-                      <a:solidFill>
-                        <a:srgbClr val="000000"/>
-                      </a:solidFill>
-                      <a:prstDash val="solid"/>
-                      <a:round/>
-                      <a:headEnd type="none" w="med" len="med"/>
-                      <a:tailEnd type="none" w="med" len="med"/>
-                    </a:lnR>
-                    <a:lnT>
-                      <a:noFill/>
-                    </a:lnT>
-                    <a:lnB>
-                      <a:noFill/>
-                    </a:lnB>
-                  </a:tcPr>
-                </a:tc>
-                <a:tc>
-                  <a:txBody>
-                    <a:bodyPr/>
-                    <a:lstStyle/>
-                    <a:p>
-                      <a:pPr marL="0" marR="0" algn="r">
-                        <a:lnSpc>
-                          <a:spcPct val="107000"/>
-                        </a:lnSpc>
-                        <a:spcBef>
-                          <a:spcPts val="0"/>
-                        </a:spcBef>
-                        <a:spcAft>
-                          <a:spcPts val="0"/>
-                        </a:spcAft>
-                      </a:pPr>
-                      <a:r>
-                        <a:rPr lang="en-US" sz="900">
-                          <a:effectLst/>
-                          <a:latin typeface="Times New Roman" panose="02020603050405020304" pitchFamily="18" charset="0"/>
-                          <a:ea typeface="Calibri" panose="020F0502020204030204" pitchFamily="34" charset="0"/>
-                          <a:cs typeface="Times New Roman" panose="02020603050405020304" pitchFamily="18" charset="0"/>
-                        </a:rPr>
-                        <a:t>0.3610</a:t>
-                      </a:r>
-                      <a:endParaRPr lang="en-US" sz="900">
-                        <a:effectLst/>
-                        <a:latin typeface="Calibri" panose="020F0502020204030204" pitchFamily="34" charset="0"/>
-                        <a:ea typeface="Calibri" panose="020F0502020204030204" pitchFamily="34" charset="0"/>
-                        <a:cs typeface="Times New Roman" panose="02020603050405020304" pitchFamily="18" charset="0"/>
-                      </a:endParaRPr>
-                    </a:p>
-                  </a:txBody>
-                  <a:tcPr marL="63872" marR="63872" marT="0" marB="0">
-                    <a:lnL w="12700" cap="flat" cmpd="sng" algn="ctr">
-                      <a:solidFill>
-                        <a:srgbClr val="000000"/>
-                      </a:solidFill>
-                      <a:prstDash val="solid"/>
-                      <a:round/>
-                      <a:headEnd type="none" w="med" len="med"/>
-                      <a:tailEnd type="none" w="med" len="med"/>
-                    </a:lnL>
-                    <a:lnR>
-                      <a:noFill/>
-                    </a:lnR>
-                    <a:lnT>
-                      <a:noFill/>
-                    </a:lnT>
-                    <a:lnB>
-                      <a:noFill/>
-                    </a:lnB>
-                  </a:tcPr>
-                </a:tc>
-                <a:tc>
-                  <a:txBody>
-                    <a:bodyPr/>
-                    <a:lstStyle/>
-                    <a:p>
-                      <a:pPr marL="0" marR="0" algn="r">
-                        <a:lnSpc>
-                          <a:spcPct val="107000"/>
-                        </a:lnSpc>
-                        <a:spcBef>
-                          <a:spcPts val="0"/>
-                        </a:spcBef>
-                        <a:spcAft>
-                          <a:spcPts val="0"/>
-                        </a:spcAft>
-                      </a:pPr>
-                      <a:r>
-                        <a:rPr lang="en-US" sz="900" dirty="0">
-                          <a:effectLst/>
-                          <a:latin typeface="Times New Roman" panose="02020603050405020304" pitchFamily="18" charset="0"/>
-                          <a:ea typeface="Calibri" panose="020F0502020204030204" pitchFamily="34" charset="0"/>
-                          <a:cs typeface="Times New Roman" panose="02020603050405020304" pitchFamily="18" charset="0"/>
-                        </a:rPr>
-                        <a:t>0.2236</a:t>
-                      </a:r>
-                      <a:endParaRPr lang="en-US" sz="900" dirty="0">
-                        <a:effectLst/>
-                        <a:latin typeface="Calibri" panose="020F0502020204030204" pitchFamily="34" charset="0"/>
-                        <a:ea typeface="Calibri" panose="020F0502020204030204" pitchFamily="34" charset="0"/>
-                        <a:cs typeface="Times New Roman" panose="02020603050405020304" pitchFamily="18" charset="0"/>
-                      </a:endParaRPr>
-                    </a:p>
-                  </a:txBody>
-                  <a:tcPr marL="63872" marR="63872" marT="0" marB="0">
-                    <a:lnL>
-                      <a:noFill/>
-                    </a:lnL>
-                    <a:lnR>
-                      <a:noFill/>
-                    </a:lnR>
-                    <a:lnT>
-                      <a:noFill/>
-                    </a:lnT>
-                    <a:lnB>
-                      <a:noFill/>
-                    </a:lnB>
-                  </a:tcPr>
-                </a:tc>
-                <a:tc>
-                  <a:txBody>
-                    <a:bodyPr/>
-                    <a:lstStyle/>
-                    <a:p>
-                      <a:pPr marL="0" marR="0" algn="r">
-                        <a:lnSpc>
-                          <a:spcPct val="107000"/>
-                        </a:lnSpc>
-                        <a:spcBef>
-                          <a:spcPts val="0"/>
-                        </a:spcBef>
-                        <a:spcAft>
-                          <a:spcPts val="0"/>
-                        </a:spcAft>
-                      </a:pPr>
-                      <a:r>
-                        <a:rPr lang="en-US" sz="900">
-                          <a:effectLst/>
-                          <a:latin typeface="Times New Roman" panose="02020603050405020304" pitchFamily="18" charset="0"/>
-                          <a:ea typeface="Calibri" panose="020F0502020204030204" pitchFamily="34" charset="0"/>
-                          <a:cs typeface="Times New Roman" panose="02020603050405020304" pitchFamily="18" charset="0"/>
-                        </a:rPr>
-                        <a:t>752</a:t>
-                      </a:r>
-                      <a:endParaRPr lang="en-US" sz="900">
-                        <a:effectLst/>
-                        <a:latin typeface="Calibri" panose="020F0502020204030204" pitchFamily="34" charset="0"/>
-                        <a:ea typeface="Calibri" panose="020F0502020204030204" pitchFamily="34" charset="0"/>
-                        <a:cs typeface="Times New Roman" panose="02020603050405020304" pitchFamily="18" charset="0"/>
-                      </a:endParaRPr>
-                    </a:p>
-                  </a:txBody>
-                  <a:tcPr marL="63872" marR="63872" marT="0" marB="0">
-                    <a:lnL>
-                      <a:noFill/>
-                    </a:lnL>
-                    <a:lnR>
-                      <a:noFill/>
-                    </a:lnR>
-                    <a:lnT>
-                      <a:noFill/>
-                    </a:lnT>
-                    <a:lnB>
-                      <a:noFill/>
-                    </a:lnB>
-                  </a:tcPr>
-                </a:tc>
-                <a:tc>
-                  <a:txBody>
-                    <a:bodyPr/>
-                    <a:lstStyle/>
-                    <a:p>
-                      <a:pPr marL="0" marR="0" algn="r">
-                        <a:lnSpc>
-                          <a:spcPct val="107000"/>
-                        </a:lnSpc>
-                        <a:spcBef>
-                          <a:spcPts val="0"/>
-                        </a:spcBef>
-                        <a:spcAft>
-                          <a:spcPts val="0"/>
-                        </a:spcAft>
-                      </a:pPr>
-                      <a:r>
-                        <a:rPr lang="en-US" sz="900">
-                          <a:effectLst/>
-                          <a:latin typeface="Times New Roman" panose="02020603050405020304" pitchFamily="18" charset="0"/>
-                          <a:ea typeface="Calibri" panose="020F0502020204030204" pitchFamily="34" charset="0"/>
-                          <a:cs typeface="Times New Roman" panose="02020603050405020304" pitchFamily="18" charset="0"/>
-                        </a:rPr>
-                        <a:t>1.61</a:t>
-                      </a:r>
-                      <a:endParaRPr lang="en-US" sz="900">
-                        <a:effectLst/>
-                        <a:latin typeface="Calibri" panose="020F0502020204030204" pitchFamily="34" charset="0"/>
-                        <a:ea typeface="Calibri" panose="020F0502020204030204" pitchFamily="34" charset="0"/>
-                        <a:cs typeface="Times New Roman" panose="02020603050405020304" pitchFamily="18" charset="0"/>
-                      </a:endParaRPr>
-                    </a:p>
-                  </a:txBody>
-                  <a:tcPr marL="63872" marR="63872" marT="0" marB="0">
-                    <a:lnL>
-                      <a:noFill/>
-                    </a:lnL>
-                    <a:lnR>
-                      <a:noFill/>
-                    </a:lnR>
-                    <a:lnT>
-                      <a:noFill/>
-                    </a:lnT>
-                    <a:lnB>
-                      <a:noFill/>
-                    </a:lnB>
-                  </a:tcPr>
-                </a:tc>
-                <a:tc>
-                  <a:txBody>
-                    <a:bodyPr/>
-                    <a:lstStyle/>
-                    <a:p>
-                      <a:pPr marL="0" marR="0" algn="r">
-                        <a:lnSpc>
-                          <a:spcPct val="107000"/>
-                        </a:lnSpc>
-                        <a:spcBef>
-                          <a:spcPts val="0"/>
-                        </a:spcBef>
-                        <a:spcAft>
-                          <a:spcPts val="0"/>
-                        </a:spcAft>
-                      </a:pPr>
-                      <a:r>
-                        <a:rPr lang="en-US" sz="900">
-                          <a:effectLst/>
-                          <a:latin typeface="Times New Roman" panose="02020603050405020304" pitchFamily="18" charset="0"/>
-                          <a:ea typeface="Calibri" panose="020F0502020204030204" pitchFamily="34" charset="0"/>
-                          <a:cs typeface="Times New Roman" panose="02020603050405020304" pitchFamily="18" charset="0"/>
-                        </a:rPr>
-                        <a:t>0.1068</a:t>
-                      </a:r>
-                      <a:endParaRPr lang="en-US" sz="900">
-                        <a:effectLst/>
-                        <a:latin typeface="Calibri" panose="020F0502020204030204" pitchFamily="34" charset="0"/>
-                        <a:ea typeface="Calibri" panose="020F0502020204030204" pitchFamily="34" charset="0"/>
-                        <a:cs typeface="Times New Roman" panose="02020603050405020304" pitchFamily="18" charset="0"/>
-                      </a:endParaRPr>
-                    </a:p>
-                  </a:txBody>
-                  <a:tcPr marL="63872" marR="63872" marT="0" marB="0">
-                    <a:lnL>
-                      <a:noFill/>
-                    </a:lnL>
-                    <a:lnR>
-                      <a:noFill/>
-                    </a:lnR>
-                    <a:lnT>
-                      <a:noFill/>
-                    </a:lnT>
-                    <a:lnB>
-                      <a:noFill/>
-                    </a:lnB>
-                  </a:tcPr>
-                </a:tc>
-                <a:extLst>
-                  <a:ext uri="{0D108BD9-81ED-4DB2-BD59-A6C34878D82A}">
-                    <a16:rowId xmlns:a16="http://schemas.microsoft.com/office/drawing/2014/main" val="2180727768"/>
-                  </a:ext>
-                </a:extLst>
-              </a:tr>
-              <a:tr h="144364">
-                <a:tc>
-                  <a:txBody>
-                    <a:bodyPr/>
-                    <a:lstStyle/>
-                    <a:p>
-                      <a:pPr marL="0" marR="0" algn="r">
-                        <a:lnSpc>
-                          <a:spcPct val="107000"/>
-                        </a:lnSpc>
-                        <a:spcBef>
-                          <a:spcPts val="0"/>
-                        </a:spcBef>
-                        <a:spcAft>
-                          <a:spcPts val="0"/>
-                        </a:spcAft>
-                      </a:pPr>
-                      <a:r>
-                        <a:rPr lang="en-US" sz="900" dirty="0">
-                          <a:effectLst/>
-                          <a:latin typeface="Times New Roman" panose="02020603050405020304" pitchFamily="18" charset="0"/>
-                          <a:ea typeface="Times New Roman" panose="02020603050405020304" pitchFamily="18" charset="0"/>
-                          <a:cs typeface="Times New Roman" panose="02020603050405020304" pitchFamily="18" charset="0"/>
-                        </a:rPr>
-                        <a:t>Feb</a:t>
-                      </a:r>
-                      <a:endParaRPr lang="en-US" sz="900" dirty="0">
-                        <a:effectLst/>
-                        <a:latin typeface="Calibri" panose="020F0502020204030204" pitchFamily="34" charset="0"/>
-                        <a:ea typeface="Calibri" panose="020F0502020204030204" pitchFamily="34" charset="0"/>
-                        <a:cs typeface="Times New Roman" panose="02020603050405020304" pitchFamily="18" charset="0"/>
-                      </a:endParaRPr>
-                    </a:p>
-                  </a:txBody>
-                  <a:tcPr marL="63872" marR="63872" marT="0" marB="0">
-                    <a:lnL>
-                      <a:noFill/>
-                    </a:lnL>
-                    <a:lnR w="12700" cap="flat" cmpd="sng" algn="ctr">
-                      <a:solidFill>
-                        <a:srgbClr val="000000"/>
-                      </a:solidFill>
-                      <a:prstDash val="solid"/>
-                      <a:round/>
-                      <a:headEnd type="none" w="med" len="med"/>
-                      <a:tailEnd type="none" w="med" len="med"/>
-                    </a:lnR>
-                    <a:lnT>
-                      <a:noFill/>
-                    </a:lnT>
-                    <a:lnB>
-                      <a:noFill/>
-                    </a:lnB>
-                  </a:tcPr>
-                </a:tc>
-                <a:tc>
-                  <a:txBody>
-                    <a:bodyPr/>
-                    <a:lstStyle/>
-                    <a:p>
-                      <a:pPr marL="0" marR="0" algn="r">
-                        <a:lnSpc>
-                          <a:spcPct val="107000"/>
-                        </a:lnSpc>
-                        <a:spcBef>
-                          <a:spcPts val="0"/>
-                        </a:spcBef>
-                        <a:spcAft>
-                          <a:spcPts val="0"/>
-                        </a:spcAft>
-                      </a:pPr>
-                      <a:r>
-                        <a:rPr lang="en-US" sz="900" dirty="0">
-                          <a:effectLst/>
-                          <a:latin typeface="Times New Roman" panose="02020603050405020304" pitchFamily="18" charset="0"/>
-                          <a:ea typeface="Calibri" panose="020F0502020204030204" pitchFamily="34" charset="0"/>
-                          <a:cs typeface="Times New Roman" panose="02020603050405020304" pitchFamily="18" charset="0"/>
-                        </a:rPr>
-                        <a:t>-0.1148</a:t>
-                      </a:r>
-                      <a:endParaRPr lang="en-US" sz="900" dirty="0">
-                        <a:effectLst/>
-                        <a:latin typeface="Calibri" panose="020F0502020204030204" pitchFamily="34" charset="0"/>
-                        <a:ea typeface="Calibri" panose="020F0502020204030204" pitchFamily="34" charset="0"/>
-                        <a:cs typeface="Times New Roman" panose="02020603050405020304" pitchFamily="18" charset="0"/>
-                      </a:endParaRPr>
-                    </a:p>
-                  </a:txBody>
-                  <a:tcPr marL="63872" marR="63872" marT="0" marB="0">
-                    <a:lnL w="12700" cap="flat" cmpd="sng" algn="ctr">
-                      <a:solidFill>
-                        <a:srgbClr val="000000"/>
-                      </a:solidFill>
-                      <a:prstDash val="solid"/>
-                      <a:round/>
-                      <a:headEnd type="none" w="med" len="med"/>
-                      <a:tailEnd type="none" w="med" len="med"/>
-                    </a:lnL>
-                    <a:lnR>
-                      <a:noFill/>
-                    </a:lnR>
-                    <a:lnT>
-                      <a:noFill/>
-                    </a:lnT>
-                    <a:lnB>
-                      <a:noFill/>
-                    </a:lnB>
-                  </a:tcPr>
-                </a:tc>
-                <a:tc>
-                  <a:txBody>
-                    <a:bodyPr/>
-                    <a:lstStyle/>
-                    <a:p>
-                      <a:pPr marL="0" marR="0" algn="r">
-                        <a:lnSpc>
-                          <a:spcPct val="107000"/>
-                        </a:lnSpc>
-                        <a:spcBef>
-                          <a:spcPts val="0"/>
-                        </a:spcBef>
-                        <a:spcAft>
-                          <a:spcPts val="0"/>
-                        </a:spcAft>
-                      </a:pPr>
-                      <a:r>
-                        <a:rPr lang="en-US" sz="900" dirty="0">
-                          <a:effectLst/>
-                          <a:latin typeface="Times New Roman" panose="02020603050405020304" pitchFamily="18" charset="0"/>
-                          <a:ea typeface="Calibri" panose="020F0502020204030204" pitchFamily="34" charset="0"/>
-                          <a:cs typeface="Times New Roman" panose="02020603050405020304" pitchFamily="18" charset="0"/>
-                        </a:rPr>
-                        <a:t>0.2905</a:t>
-                      </a:r>
-                      <a:endParaRPr lang="en-US" sz="900" dirty="0">
-                        <a:effectLst/>
-                        <a:latin typeface="Calibri" panose="020F0502020204030204" pitchFamily="34" charset="0"/>
-                        <a:ea typeface="Calibri" panose="020F0502020204030204" pitchFamily="34" charset="0"/>
-                        <a:cs typeface="Times New Roman" panose="02020603050405020304" pitchFamily="18" charset="0"/>
-                      </a:endParaRPr>
-                    </a:p>
-                  </a:txBody>
-                  <a:tcPr marL="63872" marR="63872" marT="0" marB="0">
-                    <a:lnL>
-                      <a:noFill/>
-                    </a:lnL>
-                    <a:lnR>
-                      <a:noFill/>
-                    </a:lnR>
-                    <a:lnT>
-                      <a:noFill/>
-                    </a:lnT>
-                    <a:lnB>
-                      <a:noFill/>
-                    </a:lnB>
-                  </a:tcPr>
-                </a:tc>
-                <a:tc>
-                  <a:txBody>
-                    <a:bodyPr/>
-                    <a:lstStyle/>
-                    <a:p>
-                      <a:pPr marL="0" marR="0" algn="r">
-                        <a:lnSpc>
-                          <a:spcPct val="107000"/>
-                        </a:lnSpc>
-                        <a:spcBef>
-                          <a:spcPts val="0"/>
-                        </a:spcBef>
-                        <a:spcAft>
-                          <a:spcPts val="0"/>
-                        </a:spcAft>
-                      </a:pPr>
-                      <a:r>
-                        <a:rPr lang="en-US" sz="900">
-                          <a:effectLst/>
-                          <a:latin typeface="Times New Roman" panose="02020603050405020304" pitchFamily="18" charset="0"/>
-                          <a:ea typeface="Calibri" panose="020F0502020204030204" pitchFamily="34" charset="0"/>
-                          <a:cs typeface="Times New Roman" panose="02020603050405020304" pitchFamily="18" charset="0"/>
-                        </a:rPr>
-                        <a:t>752</a:t>
-                      </a:r>
-                      <a:endParaRPr lang="en-US" sz="900">
-                        <a:effectLst/>
-                        <a:latin typeface="Calibri" panose="020F0502020204030204" pitchFamily="34" charset="0"/>
-                        <a:ea typeface="Calibri" panose="020F0502020204030204" pitchFamily="34" charset="0"/>
-                        <a:cs typeface="Times New Roman" panose="02020603050405020304" pitchFamily="18" charset="0"/>
-                      </a:endParaRPr>
-                    </a:p>
-                  </a:txBody>
-                  <a:tcPr marL="63872" marR="63872" marT="0" marB="0">
-                    <a:lnL>
-                      <a:noFill/>
-                    </a:lnL>
-                    <a:lnR>
-                      <a:noFill/>
-                    </a:lnR>
-                    <a:lnT>
-                      <a:noFill/>
-                    </a:lnT>
-                    <a:lnB>
-                      <a:noFill/>
-                    </a:lnB>
-                  </a:tcPr>
-                </a:tc>
-                <a:tc>
-                  <a:txBody>
-                    <a:bodyPr/>
-                    <a:lstStyle/>
-                    <a:p>
-                      <a:pPr marL="0" marR="0" algn="r">
-                        <a:lnSpc>
-                          <a:spcPct val="107000"/>
-                        </a:lnSpc>
-                        <a:spcBef>
-                          <a:spcPts val="0"/>
-                        </a:spcBef>
-                        <a:spcAft>
-                          <a:spcPts val="0"/>
-                        </a:spcAft>
-                      </a:pPr>
-                      <a:r>
-                        <a:rPr lang="en-US" sz="900">
-                          <a:effectLst/>
-                          <a:latin typeface="Times New Roman" panose="02020603050405020304" pitchFamily="18" charset="0"/>
-                          <a:ea typeface="Calibri" panose="020F0502020204030204" pitchFamily="34" charset="0"/>
-                          <a:cs typeface="Times New Roman" panose="02020603050405020304" pitchFamily="18" charset="0"/>
-                        </a:rPr>
-                        <a:t>-0.40</a:t>
-                      </a:r>
-                      <a:endParaRPr lang="en-US" sz="900">
-                        <a:effectLst/>
-                        <a:latin typeface="Calibri" panose="020F0502020204030204" pitchFamily="34" charset="0"/>
-                        <a:ea typeface="Calibri" panose="020F0502020204030204" pitchFamily="34" charset="0"/>
-                        <a:cs typeface="Times New Roman" panose="02020603050405020304" pitchFamily="18" charset="0"/>
-                      </a:endParaRPr>
-                    </a:p>
-                  </a:txBody>
-                  <a:tcPr marL="63872" marR="63872" marT="0" marB="0">
-                    <a:lnL>
-                      <a:noFill/>
-                    </a:lnL>
-                    <a:lnR>
-                      <a:noFill/>
-                    </a:lnR>
-                    <a:lnT>
-                      <a:noFill/>
-                    </a:lnT>
-                    <a:lnB>
-                      <a:noFill/>
-                    </a:lnB>
-                  </a:tcPr>
-                </a:tc>
-                <a:tc>
-                  <a:txBody>
-                    <a:bodyPr/>
-                    <a:lstStyle/>
-                    <a:p>
-                      <a:pPr marL="0" marR="0" algn="r">
-                        <a:lnSpc>
-                          <a:spcPct val="107000"/>
-                        </a:lnSpc>
-                        <a:spcBef>
-                          <a:spcPts val="0"/>
-                        </a:spcBef>
-                        <a:spcAft>
-                          <a:spcPts val="0"/>
-                        </a:spcAft>
-                      </a:pPr>
-                      <a:r>
-                        <a:rPr lang="en-US" sz="900">
-                          <a:effectLst/>
-                          <a:latin typeface="Times New Roman" panose="02020603050405020304" pitchFamily="18" charset="0"/>
-                          <a:ea typeface="Calibri" panose="020F0502020204030204" pitchFamily="34" charset="0"/>
-                          <a:cs typeface="Times New Roman" panose="02020603050405020304" pitchFamily="18" charset="0"/>
-                        </a:rPr>
-                        <a:t>0.6927</a:t>
-                      </a:r>
-                      <a:endParaRPr lang="en-US" sz="900">
-                        <a:effectLst/>
-                        <a:latin typeface="Calibri" panose="020F0502020204030204" pitchFamily="34" charset="0"/>
-                        <a:ea typeface="Calibri" panose="020F0502020204030204" pitchFamily="34" charset="0"/>
-                        <a:cs typeface="Times New Roman" panose="02020603050405020304" pitchFamily="18" charset="0"/>
-                      </a:endParaRPr>
-                    </a:p>
-                  </a:txBody>
-                  <a:tcPr marL="63872" marR="63872" marT="0" marB="0">
-                    <a:lnL>
-                      <a:noFill/>
-                    </a:lnL>
-                    <a:lnR>
-                      <a:noFill/>
-                    </a:lnR>
-                    <a:lnT>
-                      <a:noFill/>
-                    </a:lnT>
-                    <a:lnB>
-                      <a:noFill/>
-                    </a:lnB>
-                  </a:tcPr>
-                </a:tc>
-                <a:extLst>
-                  <a:ext uri="{0D108BD9-81ED-4DB2-BD59-A6C34878D82A}">
-                    <a16:rowId xmlns:a16="http://schemas.microsoft.com/office/drawing/2014/main" val="2544747692"/>
-                  </a:ext>
-                </a:extLst>
-              </a:tr>
-              <a:tr h="144364">
-                <a:tc>
-                  <a:txBody>
-                    <a:bodyPr/>
-                    <a:lstStyle/>
-                    <a:p>
-                      <a:pPr marL="0" marR="0" algn="r">
-                        <a:lnSpc>
-                          <a:spcPct val="107000"/>
-                        </a:lnSpc>
-                        <a:spcBef>
-                          <a:spcPts val="0"/>
-                        </a:spcBef>
-                        <a:spcAft>
-                          <a:spcPts val="0"/>
-                        </a:spcAft>
-                      </a:pPr>
-                      <a:r>
-                        <a:rPr lang="en-US" sz="900">
-                          <a:effectLst/>
-                          <a:latin typeface="Times New Roman" panose="02020603050405020304" pitchFamily="18" charset="0"/>
-                          <a:ea typeface="Times New Roman" panose="02020603050405020304" pitchFamily="18" charset="0"/>
-                          <a:cs typeface="Times New Roman" panose="02020603050405020304" pitchFamily="18" charset="0"/>
-                        </a:rPr>
-                        <a:t>Mar</a:t>
-                      </a:r>
-                      <a:endParaRPr lang="en-US" sz="900">
-                        <a:effectLst/>
-                        <a:latin typeface="Calibri" panose="020F0502020204030204" pitchFamily="34" charset="0"/>
-                        <a:ea typeface="Calibri" panose="020F0502020204030204" pitchFamily="34" charset="0"/>
-                        <a:cs typeface="Times New Roman" panose="02020603050405020304" pitchFamily="18" charset="0"/>
-                      </a:endParaRPr>
-                    </a:p>
-                  </a:txBody>
-                  <a:tcPr marL="63872" marR="63872" marT="0" marB="0">
-                    <a:lnL>
-                      <a:noFill/>
-                    </a:lnL>
-                    <a:lnR w="12700" cap="flat" cmpd="sng" algn="ctr">
-                      <a:solidFill>
-                        <a:srgbClr val="000000"/>
-                      </a:solidFill>
-                      <a:prstDash val="solid"/>
-                      <a:round/>
-                      <a:headEnd type="none" w="med" len="med"/>
-                      <a:tailEnd type="none" w="med" len="med"/>
-                    </a:lnR>
-                    <a:lnT>
-                      <a:noFill/>
-                    </a:lnT>
-                    <a:lnB>
-                      <a:noFill/>
-                    </a:lnB>
-                  </a:tcPr>
-                </a:tc>
-                <a:tc>
-                  <a:txBody>
-                    <a:bodyPr/>
-                    <a:lstStyle/>
-                    <a:p>
-                      <a:pPr marL="0" marR="0" algn="r">
-                        <a:lnSpc>
-                          <a:spcPct val="107000"/>
-                        </a:lnSpc>
-                        <a:spcBef>
-                          <a:spcPts val="0"/>
-                        </a:spcBef>
-                        <a:spcAft>
-                          <a:spcPts val="0"/>
-                        </a:spcAft>
-                      </a:pPr>
-                      <a:r>
-                        <a:rPr lang="en-US" sz="900" dirty="0">
-                          <a:effectLst/>
-                          <a:latin typeface="Times New Roman" panose="02020603050405020304" pitchFamily="18" charset="0"/>
-                          <a:ea typeface="Calibri" panose="020F0502020204030204" pitchFamily="34" charset="0"/>
-                          <a:cs typeface="Times New Roman" panose="02020603050405020304" pitchFamily="18" charset="0"/>
-                        </a:rPr>
-                        <a:t>-0.0625</a:t>
-                      </a:r>
-                      <a:endParaRPr lang="en-US" sz="900" dirty="0">
-                        <a:effectLst/>
-                        <a:latin typeface="Calibri" panose="020F0502020204030204" pitchFamily="34" charset="0"/>
-                        <a:ea typeface="Calibri" panose="020F0502020204030204" pitchFamily="34" charset="0"/>
-                        <a:cs typeface="Times New Roman" panose="02020603050405020304" pitchFamily="18" charset="0"/>
-                      </a:endParaRPr>
-                    </a:p>
-                  </a:txBody>
-                  <a:tcPr marL="63872" marR="63872" marT="0" marB="0">
-                    <a:lnL w="12700" cap="flat" cmpd="sng" algn="ctr">
-                      <a:solidFill>
-                        <a:srgbClr val="000000"/>
-                      </a:solidFill>
-                      <a:prstDash val="solid"/>
-                      <a:round/>
-                      <a:headEnd type="none" w="med" len="med"/>
-                      <a:tailEnd type="none" w="med" len="med"/>
-                    </a:lnL>
-                    <a:lnR>
-                      <a:noFill/>
-                    </a:lnR>
-                    <a:lnT>
-                      <a:noFill/>
-                    </a:lnT>
-                    <a:lnB>
-                      <a:noFill/>
-                    </a:lnB>
-                  </a:tcPr>
-                </a:tc>
-                <a:tc>
-                  <a:txBody>
-                    <a:bodyPr/>
-                    <a:lstStyle/>
-                    <a:p>
-                      <a:pPr marL="0" marR="0" algn="r">
-                        <a:lnSpc>
-                          <a:spcPct val="107000"/>
-                        </a:lnSpc>
-                        <a:spcBef>
-                          <a:spcPts val="0"/>
-                        </a:spcBef>
-                        <a:spcAft>
-                          <a:spcPts val="0"/>
-                        </a:spcAft>
-                      </a:pPr>
-                      <a:r>
-                        <a:rPr lang="en-US" sz="900">
-                          <a:effectLst/>
-                          <a:latin typeface="Times New Roman" panose="02020603050405020304" pitchFamily="18" charset="0"/>
-                          <a:ea typeface="Calibri" panose="020F0502020204030204" pitchFamily="34" charset="0"/>
-                          <a:cs typeface="Times New Roman" panose="02020603050405020304" pitchFamily="18" charset="0"/>
-                        </a:rPr>
-                        <a:t>0.3355</a:t>
-                      </a:r>
-                      <a:endParaRPr lang="en-US" sz="900">
-                        <a:effectLst/>
-                        <a:latin typeface="Calibri" panose="020F0502020204030204" pitchFamily="34" charset="0"/>
-                        <a:ea typeface="Calibri" panose="020F0502020204030204" pitchFamily="34" charset="0"/>
-                        <a:cs typeface="Times New Roman" panose="02020603050405020304" pitchFamily="18" charset="0"/>
-                      </a:endParaRPr>
-                    </a:p>
-                  </a:txBody>
-                  <a:tcPr marL="63872" marR="63872" marT="0" marB="0">
-                    <a:lnL>
-                      <a:noFill/>
-                    </a:lnL>
-                    <a:lnR>
-                      <a:noFill/>
-                    </a:lnR>
-                    <a:lnT>
-                      <a:noFill/>
-                    </a:lnT>
-                    <a:lnB>
-                      <a:noFill/>
-                    </a:lnB>
-                  </a:tcPr>
-                </a:tc>
-                <a:tc>
-                  <a:txBody>
-                    <a:bodyPr/>
-                    <a:lstStyle/>
-                    <a:p>
-                      <a:pPr marL="0" marR="0" algn="r">
-                        <a:lnSpc>
-                          <a:spcPct val="107000"/>
-                        </a:lnSpc>
-                        <a:spcBef>
-                          <a:spcPts val="0"/>
-                        </a:spcBef>
-                        <a:spcAft>
-                          <a:spcPts val="0"/>
-                        </a:spcAft>
-                      </a:pPr>
-                      <a:r>
-                        <a:rPr lang="en-US" sz="900" dirty="0">
-                          <a:effectLst/>
-                          <a:latin typeface="Times New Roman" panose="02020603050405020304" pitchFamily="18" charset="0"/>
-                          <a:ea typeface="Calibri" panose="020F0502020204030204" pitchFamily="34" charset="0"/>
-                          <a:cs typeface="Times New Roman" panose="02020603050405020304" pitchFamily="18" charset="0"/>
-                        </a:rPr>
-                        <a:t>752</a:t>
-                      </a:r>
-                      <a:endParaRPr lang="en-US" sz="900" dirty="0">
-                        <a:effectLst/>
-                        <a:latin typeface="Calibri" panose="020F0502020204030204" pitchFamily="34" charset="0"/>
-                        <a:ea typeface="Calibri" panose="020F0502020204030204" pitchFamily="34" charset="0"/>
-                        <a:cs typeface="Times New Roman" panose="02020603050405020304" pitchFamily="18" charset="0"/>
-                      </a:endParaRPr>
-                    </a:p>
-                  </a:txBody>
-                  <a:tcPr marL="63872" marR="63872" marT="0" marB="0">
-                    <a:lnL>
-                      <a:noFill/>
-                    </a:lnL>
-                    <a:lnR>
-                      <a:noFill/>
-                    </a:lnR>
-                    <a:lnT>
-                      <a:noFill/>
-                    </a:lnT>
-                    <a:lnB>
-                      <a:noFill/>
-                    </a:lnB>
-                  </a:tcPr>
-                </a:tc>
-                <a:tc>
-                  <a:txBody>
-                    <a:bodyPr/>
-                    <a:lstStyle/>
-                    <a:p>
-                      <a:pPr marL="0" marR="0" algn="r">
-                        <a:lnSpc>
-                          <a:spcPct val="107000"/>
-                        </a:lnSpc>
-                        <a:spcBef>
-                          <a:spcPts val="0"/>
-                        </a:spcBef>
-                        <a:spcAft>
-                          <a:spcPts val="0"/>
-                        </a:spcAft>
-                      </a:pPr>
-                      <a:r>
-                        <a:rPr lang="en-US" sz="900">
-                          <a:effectLst/>
-                          <a:latin typeface="Times New Roman" panose="02020603050405020304" pitchFamily="18" charset="0"/>
-                          <a:ea typeface="Calibri" panose="020F0502020204030204" pitchFamily="34" charset="0"/>
-                          <a:cs typeface="Times New Roman" panose="02020603050405020304" pitchFamily="18" charset="0"/>
-                        </a:rPr>
-                        <a:t>-0.19</a:t>
-                      </a:r>
-                      <a:endParaRPr lang="en-US" sz="900">
-                        <a:effectLst/>
-                        <a:latin typeface="Calibri" panose="020F0502020204030204" pitchFamily="34" charset="0"/>
-                        <a:ea typeface="Calibri" panose="020F0502020204030204" pitchFamily="34" charset="0"/>
-                        <a:cs typeface="Times New Roman" panose="02020603050405020304" pitchFamily="18" charset="0"/>
-                      </a:endParaRPr>
-                    </a:p>
-                  </a:txBody>
-                  <a:tcPr marL="63872" marR="63872" marT="0" marB="0">
-                    <a:lnL>
-                      <a:noFill/>
-                    </a:lnL>
-                    <a:lnR>
-                      <a:noFill/>
-                    </a:lnR>
-                    <a:lnT>
-                      <a:noFill/>
-                    </a:lnT>
-                    <a:lnB>
-                      <a:noFill/>
-                    </a:lnB>
-                  </a:tcPr>
-                </a:tc>
-                <a:tc>
-                  <a:txBody>
-                    <a:bodyPr/>
-                    <a:lstStyle/>
-                    <a:p>
-                      <a:pPr marL="0" marR="0" algn="r">
-                        <a:lnSpc>
-                          <a:spcPct val="107000"/>
-                        </a:lnSpc>
-                        <a:spcBef>
-                          <a:spcPts val="0"/>
-                        </a:spcBef>
-                        <a:spcAft>
-                          <a:spcPts val="0"/>
-                        </a:spcAft>
-                      </a:pPr>
-                      <a:r>
-                        <a:rPr lang="en-US" sz="900">
-                          <a:effectLst/>
-                          <a:latin typeface="Times New Roman" panose="02020603050405020304" pitchFamily="18" charset="0"/>
-                          <a:ea typeface="Calibri" panose="020F0502020204030204" pitchFamily="34" charset="0"/>
-                          <a:cs typeface="Times New Roman" panose="02020603050405020304" pitchFamily="18" charset="0"/>
-                        </a:rPr>
-                        <a:t>0.8524</a:t>
-                      </a:r>
-                      <a:endParaRPr lang="en-US" sz="900">
-                        <a:effectLst/>
-                        <a:latin typeface="Calibri" panose="020F0502020204030204" pitchFamily="34" charset="0"/>
-                        <a:ea typeface="Calibri" panose="020F0502020204030204" pitchFamily="34" charset="0"/>
-                        <a:cs typeface="Times New Roman" panose="02020603050405020304" pitchFamily="18" charset="0"/>
-                      </a:endParaRPr>
-                    </a:p>
-                  </a:txBody>
-                  <a:tcPr marL="63872" marR="63872" marT="0" marB="0">
-                    <a:lnL>
-                      <a:noFill/>
-                    </a:lnL>
-                    <a:lnR>
-                      <a:noFill/>
-                    </a:lnR>
-                    <a:lnT>
-                      <a:noFill/>
-                    </a:lnT>
-                    <a:lnB>
-                      <a:noFill/>
-                    </a:lnB>
-                  </a:tcPr>
-                </a:tc>
-                <a:extLst>
-                  <a:ext uri="{0D108BD9-81ED-4DB2-BD59-A6C34878D82A}">
-                    <a16:rowId xmlns:a16="http://schemas.microsoft.com/office/drawing/2014/main" val="1765941208"/>
-                  </a:ext>
-                </a:extLst>
-              </a:tr>
-              <a:tr h="144364">
-                <a:tc>
-                  <a:txBody>
-                    <a:bodyPr/>
-                    <a:lstStyle/>
-                    <a:p>
-                      <a:pPr marL="0" marR="0" algn="r">
-                        <a:lnSpc>
-                          <a:spcPct val="107000"/>
-                        </a:lnSpc>
-                        <a:spcBef>
-                          <a:spcPts val="0"/>
-                        </a:spcBef>
-                        <a:spcAft>
-                          <a:spcPts val="0"/>
-                        </a:spcAft>
-                      </a:pPr>
-                      <a:r>
-                        <a:rPr lang="en-US" sz="900">
-                          <a:effectLst/>
-                          <a:latin typeface="Times New Roman" panose="02020603050405020304" pitchFamily="18" charset="0"/>
-                          <a:ea typeface="Times New Roman" panose="02020603050405020304" pitchFamily="18" charset="0"/>
-                          <a:cs typeface="Times New Roman" panose="02020603050405020304" pitchFamily="18" charset="0"/>
-                        </a:rPr>
-                        <a:t>Apr</a:t>
-                      </a:r>
-                      <a:endParaRPr lang="en-US" sz="900">
-                        <a:effectLst/>
-                        <a:latin typeface="Calibri" panose="020F0502020204030204" pitchFamily="34" charset="0"/>
-                        <a:ea typeface="Calibri" panose="020F0502020204030204" pitchFamily="34" charset="0"/>
-                        <a:cs typeface="Times New Roman" panose="02020603050405020304" pitchFamily="18" charset="0"/>
-                      </a:endParaRPr>
-                    </a:p>
-                  </a:txBody>
-                  <a:tcPr marL="63872" marR="63872" marT="0" marB="0">
-                    <a:lnL>
-                      <a:noFill/>
-                    </a:lnL>
-                    <a:lnR w="12700" cap="flat" cmpd="sng" algn="ctr">
-                      <a:solidFill>
-                        <a:srgbClr val="000000"/>
-                      </a:solidFill>
-                      <a:prstDash val="solid"/>
-                      <a:round/>
-                      <a:headEnd type="none" w="med" len="med"/>
-                      <a:tailEnd type="none" w="med" len="med"/>
-                    </a:lnR>
-                    <a:lnT>
-                      <a:noFill/>
-                    </a:lnT>
-                    <a:lnB>
-                      <a:noFill/>
-                    </a:lnB>
-                  </a:tcPr>
-                </a:tc>
-                <a:tc>
-                  <a:txBody>
-                    <a:bodyPr/>
-                    <a:lstStyle/>
-                    <a:p>
-                      <a:pPr marL="0" marR="0" algn="r">
-                        <a:lnSpc>
-                          <a:spcPct val="107000"/>
-                        </a:lnSpc>
-                        <a:spcBef>
-                          <a:spcPts val="0"/>
-                        </a:spcBef>
-                        <a:spcAft>
-                          <a:spcPts val="0"/>
-                        </a:spcAft>
-                      </a:pPr>
-                      <a:r>
-                        <a:rPr lang="en-US" sz="900" dirty="0">
-                          <a:effectLst/>
-                          <a:latin typeface="Times New Roman" panose="02020603050405020304" pitchFamily="18" charset="0"/>
-                          <a:ea typeface="Calibri" panose="020F0502020204030204" pitchFamily="34" charset="0"/>
-                          <a:cs typeface="Times New Roman" panose="02020603050405020304" pitchFamily="18" charset="0"/>
-                        </a:rPr>
-                        <a:t>-0.2761</a:t>
-                      </a:r>
-                      <a:endParaRPr lang="en-US" sz="900" dirty="0">
-                        <a:effectLst/>
-                        <a:latin typeface="Calibri" panose="020F0502020204030204" pitchFamily="34" charset="0"/>
-                        <a:ea typeface="Calibri" panose="020F0502020204030204" pitchFamily="34" charset="0"/>
-                        <a:cs typeface="Times New Roman" panose="02020603050405020304" pitchFamily="18" charset="0"/>
-                      </a:endParaRPr>
-                    </a:p>
-                  </a:txBody>
-                  <a:tcPr marL="63872" marR="63872" marT="0" marB="0">
-                    <a:lnL w="12700" cap="flat" cmpd="sng" algn="ctr">
-                      <a:solidFill>
-                        <a:srgbClr val="000000"/>
-                      </a:solidFill>
-                      <a:prstDash val="solid"/>
-                      <a:round/>
-                      <a:headEnd type="none" w="med" len="med"/>
-                      <a:tailEnd type="none" w="med" len="med"/>
-                    </a:lnL>
-                    <a:lnR>
-                      <a:noFill/>
-                    </a:lnR>
-                    <a:lnT>
-                      <a:noFill/>
-                    </a:lnT>
-                    <a:lnB>
-                      <a:noFill/>
-                    </a:lnB>
-                  </a:tcPr>
-                </a:tc>
-                <a:tc>
-                  <a:txBody>
-                    <a:bodyPr/>
-                    <a:lstStyle/>
-                    <a:p>
-                      <a:pPr marL="0" marR="0" algn="r">
-                        <a:lnSpc>
-                          <a:spcPct val="107000"/>
-                        </a:lnSpc>
-                        <a:spcBef>
-                          <a:spcPts val="0"/>
-                        </a:spcBef>
-                        <a:spcAft>
-                          <a:spcPts val="0"/>
-                        </a:spcAft>
-                      </a:pPr>
-                      <a:r>
-                        <a:rPr lang="en-US" sz="900">
-                          <a:effectLst/>
-                          <a:latin typeface="Times New Roman" panose="02020603050405020304" pitchFamily="18" charset="0"/>
-                          <a:ea typeface="Calibri" panose="020F0502020204030204" pitchFamily="34" charset="0"/>
-                          <a:cs typeface="Times New Roman" panose="02020603050405020304" pitchFamily="18" charset="0"/>
-                        </a:rPr>
-                        <a:t>0.3692</a:t>
-                      </a:r>
-                      <a:endParaRPr lang="en-US" sz="900">
-                        <a:effectLst/>
-                        <a:latin typeface="Calibri" panose="020F0502020204030204" pitchFamily="34" charset="0"/>
-                        <a:ea typeface="Calibri" panose="020F0502020204030204" pitchFamily="34" charset="0"/>
-                        <a:cs typeface="Times New Roman" panose="02020603050405020304" pitchFamily="18" charset="0"/>
-                      </a:endParaRPr>
-                    </a:p>
-                  </a:txBody>
-                  <a:tcPr marL="63872" marR="63872" marT="0" marB="0">
-                    <a:lnL>
-                      <a:noFill/>
-                    </a:lnL>
-                    <a:lnR>
-                      <a:noFill/>
-                    </a:lnR>
-                    <a:lnT>
-                      <a:noFill/>
-                    </a:lnT>
-                    <a:lnB>
-                      <a:noFill/>
-                    </a:lnB>
-                  </a:tcPr>
-                </a:tc>
-                <a:tc>
-                  <a:txBody>
-                    <a:bodyPr/>
-                    <a:lstStyle/>
-                    <a:p>
-                      <a:pPr marL="0" marR="0" algn="r">
-                        <a:lnSpc>
-                          <a:spcPct val="107000"/>
-                        </a:lnSpc>
-                        <a:spcBef>
-                          <a:spcPts val="0"/>
-                        </a:spcBef>
-                        <a:spcAft>
-                          <a:spcPts val="0"/>
-                        </a:spcAft>
-                      </a:pPr>
-                      <a:r>
-                        <a:rPr lang="en-US" sz="900" dirty="0">
-                          <a:effectLst/>
-                          <a:latin typeface="Times New Roman" panose="02020603050405020304" pitchFamily="18" charset="0"/>
-                          <a:ea typeface="Calibri" panose="020F0502020204030204" pitchFamily="34" charset="0"/>
-                          <a:cs typeface="Times New Roman" panose="02020603050405020304" pitchFamily="18" charset="0"/>
-                        </a:rPr>
-                        <a:t>752</a:t>
-                      </a:r>
-                      <a:endParaRPr lang="en-US" sz="900" dirty="0">
-                        <a:effectLst/>
-                        <a:latin typeface="Calibri" panose="020F0502020204030204" pitchFamily="34" charset="0"/>
-                        <a:ea typeface="Calibri" panose="020F0502020204030204" pitchFamily="34" charset="0"/>
-                        <a:cs typeface="Times New Roman" panose="02020603050405020304" pitchFamily="18" charset="0"/>
-                      </a:endParaRPr>
-                    </a:p>
-                  </a:txBody>
-                  <a:tcPr marL="63872" marR="63872" marT="0" marB="0">
-                    <a:lnL>
-                      <a:noFill/>
-                    </a:lnL>
-                    <a:lnR>
-                      <a:noFill/>
-                    </a:lnR>
-                    <a:lnT>
-                      <a:noFill/>
-                    </a:lnT>
-                    <a:lnB>
-                      <a:noFill/>
-                    </a:lnB>
-                  </a:tcPr>
-                </a:tc>
-                <a:tc>
-                  <a:txBody>
-                    <a:bodyPr/>
-                    <a:lstStyle/>
-                    <a:p>
-                      <a:pPr marL="0" marR="0" algn="r">
-                        <a:lnSpc>
-                          <a:spcPct val="107000"/>
-                        </a:lnSpc>
-                        <a:spcBef>
-                          <a:spcPts val="0"/>
-                        </a:spcBef>
-                        <a:spcAft>
-                          <a:spcPts val="0"/>
-                        </a:spcAft>
-                      </a:pPr>
-                      <a:r>
-                        <a:rPr lang="en-US" sz="900">
-                          <a:effectLst/>
-                          <a:latin typeface="Times New Roman" panose="02020603050405020304" pitchFamily="18" charset="0"/>
-                          <a:ea typeface="Calibri" panose="020F0502020204030204" pitchFamily="34" charset="0"/>
-                          <a:cs typeface="Times New Roman" panose="02020603050405020304" pitchFamily="18" charset="0"/>
-                        </a:rPr>
-                        <a:t>-0.75</a:t>
-                      </a:r>
-                      <a:endParaRPr lang="en-US" sz="900">
-                        <a:effectLst/>
-                        <a:latin typeface="Calibri" panose="020F0502020204030204" pitchFamily="34" charset="0"/>
-                        <a:ea typeface="Calibri" panose="020F0502020204030204" pitchFamily="34" charset="0"/>
-                        <a:cs typeface="Times New Roman" panose="02020603050405020304" pitchFamily="18" charset="0"/>
-                      </a:endParaRPr>
-                    </a:p>
-                  </a:txBody>
-                  <a:tcPr marL="63872" marR="63872" marT="0" marB="0">
-                    <a:lnL>
-                      <a:noFill/>
-                    </a:lnL>
-                    <a:lnR>
-                      <a:noFill/>
-                    </a:lnR>
-                    <a:lnT>
-                      <a:noFill/>
-                    </a:lnT>
-                    <a:lnB>
-                      <a:noFill/>
-                    </a:lnB>
-                  </a:tcPr>
-                </a:tc>
-                <a:tc>
-                  <a:txBody>
-                    <a:bodyPr/>
-                    <a:lstStyle/>
-                    <a:p>
-                      <a:pPr marL="0" marR="0" algn="r">
-                        <a:lnSpc>
-                          <a:spcPct val="107000"/>
-                        </a:lnSpc>
-                        <a:spcBef>
-                          <a:spcPts val="0"/>
-                        </a:spcBef>
-                        <a:spcAft>
-                          <a:spcPts val="0"/>
-                        </a:spcAft>
-                      </a:pPr>
-                      <a:r>
-                        <a:rPr lang="en-US" sz="900" dirty="0">
-                          <a:effectLst/>
-                          <a:latin typeface="Times New Roman" panose="02020603050405020304" pitchFamily="18" charset="0"/>
-                          <a:ea typeface="Calibri" panose="020F0502020204030204" pitchFamily="34" charset="0"/>
-                          <a:cs typeface="Times New Roman" panose="02020603050405020304" pitchFamily="18" charset="0"/>
-                        </a:rPr>
-                        <a:t>0.4548</a:t>
-                      </a:r>
-                      <a:endParaRPr lang="en-US" sz="900" dirty="0">
-                        <a:effectLst/>
-                        <a:latin typeface="Calibri" panose="020F0502020204030204" pitchFamily="34" charset="0"/>
-                        <a:ea typeface="Calibri" panose="020F0502020204030204" pitchFamily="34" charset="0"/>
-                        <a:cs typeface="Times New Roman" panose="02020603050405020304" pitchFamily="18" charset="0"/>
-                      </a:endParaRPr>
-                    </a:p>
-                  </a:txBody>
-                  <a:tcPr marL="63872" marR="63872" marT="0" marB="0">
-                    <a:lnL>
-                      <a:noFill/>
-                    </a:lnL>
-                    <a:lnR>
-                      <a:noFill/>
-                    </a:lnR>
-                    <a:lnT>
-                      <a:noFill/>
-                    </a:lnT>
-                    <a:lnB>
-                      <a:noFill/>
-                    </a:lnB>
-                  </a:tcPr>
-                </a:tc>
-                <a:extLst>
-                  <a:ext uri="{0D108BD9-81ED-4DB2-BD59-A6C34878D82A}">
-                    <a16:rowId xmlns:a16="http://schemas.microsoft.com/office/drawing/2014/main" val="3913552329"/>
-                  </a:ext>
-                </a:extLst>
-              </a:tr>
-              <a:tr h="144364">
-                <a:tc>
-                  <a:txBody>
-                    <a:bodyPr/>
-                    <a:lstStyle/>
-                    <a:p>
-                      <a:pPr marL="0" marR="0" algn="r">
-                        <a:lnSpc>
-                          <a:spcPct val="107000"/>
-                        </a:lnSpc>
-                        <a:spcBef>
-                          <a:spcPts val="0"/>
-                        </a:spcBef>
-                        <a:spcAft>
-                          <a:spcPts val="0"/>
-                        </a:spcAft>
-                      </a:pPr>
-                      <a:r>
-                        <a:rPr lang="en-US" sz="900">
-                          <a:effectLst/>
-                          <a:latin typeface="Times New Roman" panose="02020603050405020304" pitchFamily="18" charset="0"/>
-                          <a:ea typeface="Times New Roman" panose="02020603050405020304" pitchFamily="18" charset="0"/>
-                          <a:cs typeface="Times New Roman" panose="02020603050405020304" pitchFamily="18" charset="0"/>
-                        </a:rPr>
-                        <a:t>May</a:t>
-                      </a:r>
-                      <a:endParaRPr lang="en-US" sz="900">
-                        <a:effectLst/>
-                        <a:latin typeface="Calibri" panose="020F0502020204030204" pitchFamily="34" charset="0"/>
-                        <a:ea typeface="Calibri" panose="020F0502020204030204" pitchFamily="34" charset="0"/>
-                        <a:cs typeface="Times New Roman" panose="02020603050405020304" pitchFamily="18" charset="0"/>
-                      </a:endParaRPr>
-                    </a:p>
-                  </a:txBody>
-                  <a:tcPr marL="63872" marR="63872" marT="0" marB="0">
-                    <a:lnL>
-                      <a:noFill/>
-                    </a:lnL>
-                    <a:lnR w="12700" cap="flat" cmpd="sng" algn="ctr">
-                      <a:solidFill>
-                        <a:srgbClr val="000000"/>
-                      </a:solidFill>
-                      <a:prstDash val="solid"/>
-                      <a:round/>
-                      <a:headEnd type="none" w="med" len="med"/>
-                      <a:tailEnd type="none" w="med" len="med"/>
-                    </a:lnR>
-                    <a:lnT>
-                      <a:noFill/>
-                    </a:lnT>
-                    <a:lnB>
-                      <a:noFill/>
-                    </a:lnB>
-                  </a:tcPr>
-                </a:tc>
-                <a:tc>
-                  <a:txBody>
-                    <a:bodyPr/>
-                    <a:lstStyle/>
-                    <a:p>
-                      <a:pPr marL="0" marR="0" algn="r">
-                        <a:lnSpc>
-                          <a:spcPct val="107000"/>
-                        </a:lnSpc>
-                        <a:spcBef>
-                          <a:spcPts val="0"/>
-                        </a:spcBef>
-                        <a:spcAft>
-                          <a:spcPts val="0"/>
-                        </a:spcAft>
-                      </a:pPr>
-                      <a:r>
-                        <a:rPr lang="en-US" sz="900" dirty="0">
-                          <a:effectLst/>
-                          <a:latin typeface="Times New Roman" panose="02020603050405020304" pitchFamily="18" charset="0"/>
-                          <a:ea typeface="Calibri" panose="020F0502020204030204" pitchFamily="34" charset="0"/>
-                          <a:cs typeface="Times New Roman" panose="02020603050405020304" pitchFamily="18" charset="0"/>
-                        </a:rPr>
-                        <a:t>-0.6381</a:t>
-                      </a:r>
-                      <a:endParaRPr lang="en-US" sz="900" dirty="0">
-                        <a:effectLst/>
-                        <a:latin typeface="Calibri" panose="020F0502020204030204" pitchFamily="34" charset="0"/>
-                        <a:ea typeface="Calibri" panose="020F0502020204030204" pitchFamily="34" charset="0"/>
-                        <a:cs typeface="Times New Roman" panose="02020603050405020304" pitchFamily="18" charset="0"/>
-                      </a:endParaRPr>
-                    </a:p>
-                  </a:txBody>
-                  <a:tcPr marL="63872" marR="63872" marT="0" marB="0">
-                    <a:lnL w="12700" cap="flat" cmpd="sng" algn="ctr">
-                      <a:solidFill>
-                        <a:srgbClr val="000000"/>
-                      </a:solidFill>
-                      <a:prstDash val="solid"/>
-                      <a:round/>
-                      <a:headEnd type="none" w="med" len="med"/>
-                      <a:tailEnd type="none" w="med" len="med"/>
-                    </a:lnL>
-                    <a:lnR>
-                      <a:noFill/>
-                    </a:lnR>
-                    <a:lnT>
-                      <a:noFill/>
-                    </a:lnT>
-                    <a:lnB>
-                      <a:noFill/>
-                    </a:lnB>
-                  </a:tcPr>
-                </a:tc>
-                <a:tc>
-                  <a:txBody>
-                    <a:bodyPr/>
-                    <a:lstStyle/>
-                    <a:p>
-                      <a:pPr marL="0" marR="0" algn="r">
-                        <a:lnSpc>
-                          <a:spcPct val="107000"/>
-                        </a:lnSpc>
-                        <a:spcBef>
-                          <a:spcPts val="0"/>
-                        </a:spcBef>
-                        <a:spcAft>
-                          <a:spcPts val="0"/>
-                        </a:spcAft>
-                      </a:pPr>
-                      <a:r>
-                        <a:rPr lang="en-US" sz="900">
-                          <a:effectLst/>
-                          <a:latin typeface="Times New Roman" panose="02020603050405020304" pitchFamily="18" charset="0"/>
-                          <a:ea typeface="Calibri" panose="020F0502020204030204" pitchFamily="34" charset="0"/>
-                          <a:cs typeface="Times New Roman" panose="02020603050405020304" pitchFamily="18" charset="0"/>
-                        </a:rPr>
-                        <a:t>0.4047</a:t>
-                      </a:r>
-                      <a:endParaRPr lang="en-US" sz="900">
-                        <a:effectLst/>
-                        <a:latin typeface="Calibri" panose="020F0502020204030204" pitchFamily="34" charset="0"/>
-                        <a:ea typeface="Calibri" panose="020F0502020204030204" pitchFamily="34" charset="0"/>
-                        <a:cs typeface="Times New Roman" panose="02020603050405020304" pitchFamily="18" charset="0"/>
-                      </a:endParaRPr>
-                    </a:p>
-                  </a:txBody>
-                  <a:tcPr marL="63872" marR="63872" marT="0" marB="0">
-                    <a:lnL>
-                      <a:noFill/>
-                    </a:lnL>
-                    <a:lnR>
-                      <a:noFill/>
-                    </a:lnR>
-                    <a:lnT>
-                      <a:noFill/>
-                    </a:lnT>
-                    <a:lnB>
-                      <a:noFill/>
-                    </a:lnB>
-                  </a:tcPr>
-                </a:tc>
-                <a:tc>
-                  <a:txBody>
-                    <a:bodyPr/>
-                    <a:lstStyle/>
-                    <a:p>
-                      <a:pPr marL="0" marR="0" algn="r">
-                        <a:lnSpc>
-                          <a:spcPct val="107000"/>
-                        </a:lnSpc>
-                        <a:spcBef>
-                          <a:spcPts val="0"/>
-                        </a:spcBef>
-                        <a:spcAft>
-                          <a:spcPts val="0"/>
-                        </a:spcAft>
-                      </a:pPr>
-                      <a:r>
-                        <a:rPr lang="en-US" sz="900">
-                          <a:effectLst/>
-                          <a:latin typeface="Times New Roman" panose="02020603050405020304" pitchFamily="18" charset="0"/>
-                          <a:ea typeface="Calibri" panose="020F0502020204030204" pitchFamily="34" charset="0"/>
-                          <a:cs typeface="Times New Roman" panose="02020603050405020304" pitchFamily="18" charset="0"/>
-                        </a:rPr>
-                        <a:t>752</a:t>
-                      </a:r>
-                      <a:endParaRPr lang="en-US" sz="900">
-                        <a:effectLst/>
-                        <a:latin typeface="Calibri" panose="020F0502020204030204" pitchFamily="34" charset="0"/>
-                        <a:ea typeface="Calibri" panose="020F0502020204030204" pitchFamily="34" charset="0"/>
-                        <a:cs typeface="Times New Roman" panose="02020603050405020304" pitchFamily="18" charset="0"/>
-                      </a:endParaRPr>
-                    </a:p>
-                  </a:txBody>
-                  <a:tcPr marL="63872" marR="63872" marT="0" marB="0">
-                    <a:lnL>
-                      <a:noFill/>
-                    </a:lnL>
-                    <a:lnR>
-                      <a:noFill/>
-                    </a:lnR>
-                    <a:lnT>
-                      <a:noFill/>
-                    </a:lnT>
-                    <a:lnB>
-                      <a:noFill/>
-                    </a:lnB>
-                  </a:tcPr>
-                </a:tc>
-                <a:tc>
-                  <a:txBody>
-                    <a:bodyPr/>
-                    <a:lstStyle/>
-                    <a:p>
-                      <a:pPr marL="0" marR="0" algn="r">
-                        <a:lnSpc>
-                          <a:spcPct val="107000"/>
-                        </a:lnSpc>
-                        <a:spcBef>
-                          <a:spcPts val="0"/>
-                        </a:spcBef>
-                        <a:spcAft>
-                          <a:spcPts val="0"/>
-                        </a:spcAft>
-                      </a:pPr>
-                      <a:r>
-                        <a:rPr lang="en-US" sz="900" dirty="0">
-                          <a:effectLst/>
-                          <a:latin typeface="Times New Roman" panose="02020603050405020304" pitchFamily="18" charset="0"/>
-                          <a:ea typeface="Calibri" panose="020F0502020204030204" pitchFamily="34" charset="0"/>
-                          <a:cs typeface="Times New Roman" panose="02020603050405020304" pitchFamily="18" charset="0"/>
-                        </a:rPr>
-                        <a:t>-1.58</a:t>
-                      </a:r>
-                      <a:endParaRPr lang="en-US" sz="900" dirty="0">
-                        <a:effectLst/>
-                        <a:latin typeface="Calibri" panose="020F0502020204030204" pitchFamily="34" charset="0"/>
-                        <a:ea typeface="Calibri" panose="020F0502020204030204" pitchFamily="34" charset="0"/>
-                        <a:cs typeface="Times New Roman" panose="02020603050405020304" pitchFamily="18" charset="0"/>
-                      </a:endParaRPr>
-                    </a:p>
-                  </a:txBody>
-                  <a:tcPr marL="63872" marR="63872" marT="0" marB="0">
-                    <a:lnL>
-                      <a:noFill/>
-                    </a:lnL>
-                    <a:lnR>
-                      <a:noFill/>
-                    </a:lnR>
-                    <a:lnT>
-                      <a:noFill/>
-                    </a:lnT>
-                    <a:lnB>
-                      <a:noFill/>
-                    </a:lnB>
-                  </a:tcPr>
-                </a:tc>
-                <a:tc>
-                  <a:txBody>
-                    <a:bodyPr/>
-                    <a:lstStyle/>
-                    <a:p>
-                      <a:pPr marL="0" marR="0" algn="r">
-                        <a:lnSpc>
-                          <a:spcPct val="107000"/>
-                        </a:lnSpc>
-                        <a:spcBef>
-                          <a:spcPts val="0"/>
-                        </a:spcBef>
-                        <a:spcAft>
-                          <a:spcPts val="0"/>
-                        </a:spcAft>
-                      </a:pPr>
-                      <a:r>
-                        <a:rPr lang="en-US" sz="900">
-                          <a:effectLst/>
-                          <a:latin typeface="Times New Roman" panose="02020603050405020304" pitchFamily="18" charset="0"/>
-                          <a:ea typeface="Calibri" panose="020F0502020204030204" pitchFamily="34" charset="0"/>
-                          <a:cs typeface="Times New Roman" panose="02020603050405020304" pitchFamily="18" charset="0"/>
-                        </a:rPr>
-                        <a:t>0.1153</a:t>
-                      </a:r>
-                      <a:endParaRPr lang="en-US" sz="900">
-                        <a:effectLst/>
-                        <a:latin typeface="Calibri" panose="020F0502020204030204" pitchFamily="34" charset="0"/>
-                        <a:ea typeface="Calibri" panose="020F0502020204030204" pitchFamily="34" charset="0"/>
-                        <a:cs typeface="Times New Roman" panose="02020603050405020304" pitchFamily="18" charset="0"/>
-                      </a:endParaRPr>
-                    </a:p>
-                  </a:txBody>
-                  <a:tcPr marL="63872" marR="63872" marT="0" marB="0">
-                    <a:lnL>
-                      <a:noFill/>
-                    </a:lnL>
-                    <a:lnR>
-                      <a:noFill/>
-                    </a:lnR>
-                    <a:lnT>
-                      <a:noFill/>
-                    </a:lnT>
-                    <a:lnB>
-                      <a:noFill/>
-                    </a:lnB>
-                  </a:tcPr>
-                </a:tc>
-                <a:extLst>
-                  <a:ext uri="{0D108BD9-81ED-4DB2-BD59-A6C34878D82A}">
-                    <a16:rowId xmlns:a16="http://schemas.microsoft.com/office/drawing/2014/main" val="4240863568"/>
-                  </a:ext>
-                </a:extLst>
-              </a:tr>
-              <a:tr h="144364">
-                <a:tc>
-                  <a:txBody>
-                    <a:bodyPr/>
-                    <a:lstStyle/>
-                    <a:p>
-                      <a:pPr marL="0" marR="0" algn="r">
-                        <a:lnSpc>
-                          <a:spcPct val="107000"/>
-                        </a:lnSpc>
-                        <a:spcBef>
-                          <a:spcPts val="0"/>
-                        </a:spcBef>
-                        <a:spcAft>
-                          <a:spcPts val="0"/>
-                        </a:spcAft>
-                      </a:pPr>
-                      <a:r>
-                        <a:rPr lang="en-US" sz="900">
-                          <a:effectLst/>
-                          <a:latin typeface="Times New Roman" panose="02020603050405020304" pitchFamily="18" charset="0"/>
-                          <a:ea typeface="Times New Roman" panose="02020603050405020304" pitchFamily="18" charset="0"/>
-                          <a:cs typeface="Times New Roman" panose="02020603050405020304" pitchFamily="18" charset="0"/>
-                        </a:rPr>
-                        <a:t>Jun</a:t>
-                      </a:r>
-                      <a:endParaRPr lang="en-US" sz="900">
-                        <a:effectLst/>
-                        <a:latin typeface="Calibri" panose="020F0502020204030204" pitchFamily="34" charset="0"/>
-                        <a:ea typeface="Calibri" panose="020F0502020204030204" pitchFamily="34" charset="0"/>
-                        <a:cs typeface="Times New Roman" panose="02020603050405020304" pitchFamily="18" charset="0"/>
-                      </a:endParaRPr>
-                    </a:p>
-                  </a:txBody>
-                  <a:tcPr marL="63872" marR="63872" marT="0" marB="0">
-                    <a:lnL>
-                      <a:noFill/>
-                    </a:lnL>
-                    <a:lnR w="12700" cap="flat" cmpd="sng" algn="ctr">
-                      <a:solidFill>
-                        <a:srgbClr val="000000"/>
-                      </a:solidFill>
-                      <a:prstDash val="solid"/>
-                      <a:round/>
-                      <a:headEnd type="none" w="med" len="med"/>
-                      <a:tailEnd type="none" w="med" len="med"/>
-                    </a:lnR>
-                    <a:lnT>
-                      <a:noFill/>
-                    </a:lnT>
-                    <a:lnB>
-                      <a:noFill/>
-                    </a:lnB>
-                  </a:tcPr>
-                </a:tc>
-                <a:tc>
-                  <a:txBody>
-                    <a:bodyPr/>
-                    <a:lstStyle/>
-                    <a:p>
-                      <a:pPr marL="0" marR="0" algn="r">
-                        <a:lnSpc>
-                          <a:spcPct val="107000"/>
-                        </a:lnSpc>
-                        <a:spcBef>
-                          <a:spcPts val="0"/>
-                        </a:spcBef>
-                        <a:spcAft>
-                          <a:spcPts val="0"/>
-                        </a:spcAft>
-                      </a:pPr>
-                      <a:r>
-                        <a:rPr lang="en-US" sz="900" dirty="0">
-                          <a:effectLst/>
-                          <a:latin typeface="Times New Roman" panose="02020603050405020304" pitchFamily="18" charset="0"/>
-                          <a:ea typeface="Calibri" panose="020F0502020204030204" pitchFamily="34" charset="0"/>
-                          <a:cs typeface="Times New Roman" panose="02020603050405020304" pitchFamily="18" charset="0"/>
-                        </a:rPr>
-                        <a:t>-0.8124</a:t>
-                      </a:r>
-                      <a:endParaRPr lang="en-US" sz="900" dirty="0">
-                        <a:effectLst/>
-                        <a:latin typeface="Calibri" panose="020F0502020204030204" pitchFamily="34" charset="0"/>
-                        <a:ea typeface="Calibri" panose="020F0502020204030204" pitchFamily="34" charset="0"/>
-                        <a:cs typeface="Times New Roman" panose="02020603050405020304" pitchFamily="18" charset="0"/>
-                      </a:endParaRPr>
-                    </a:p>
-                  </a:txBody>
-                  <a:tcPr marL="63872" marR="63872" marT="0" marB="0">
-                    <a:lnL w="12700" cap="flat" cmpd="sng" algn="ctr">
-                      <a:solidFill>
-                        <a:srgbClr val="000000"/>
-                      </a:solidFill>
-                      <a:prstDash val="solid"/>
-                      <a:round/>
-                      <a:headEnd type="none" w="med" len="med"/>
-                      <a:tailEnd type="none" w="med" len="med"/>
-                    </a:lnL>
-                    <a:lnR>
-                      <a:noFill/>
-                    </a:lnR>
-                    <a:lnT>
-                      <a:noFill/>
-                    </a:lnT>
-                    <a:lnB>
-                      <a:noFill/>
-                    </a:lnB>
-                  </a:tcPr>
-                </a:tc>
-                <a:tc>
-                  <a:txBody>
-                    <a:bodyPr/>
-                    <a:lstStyle/>
-                    <a:p>
-                      <a:pPr marL="0" marR="0" algn="r">
-                        <a:lnSpc>
-                          <a:spcPct val="107000"/>
-                        </a:lnSpc>
-                        <a:spcBef>
-                          <a:spcPts val="0"/>
-                        </a:spcBef>
-                        <a:spcAft>
-                          <a:spcPts val="0"/>
-                        </a:spcAft>
-                      </a:pPr>
-                      <a:r>
-                        <a:rPr lang="en-US" sz="900">
-                          <a:effectLst/>
-                          <a:latin typeface="Times New Roman" panose="02020603050405020304" pitchFamily="18" charset="0"/>
-                          <a:ea typeface="Calibri" panose="020F0502020204030204" pitchFamily="34" charset="0"/>
-                          <a:cs typeface="Times New Roman" panose="02020603050405020304" pitchFamily="18" charset="0"/>
-                        </a:rPr>
-                        <a:t>0.4179</a:t>
-                      </a:r>
-                      <a:endParaRPr lang="en-US" sz="900">
-                        <a:effectLst/>
-                        <a:latin typeface="Calibri" panose="020F0502020204030204" pitchFamily="34" charset="0"/>
-                        <a:ea typeface="Calibri" panose="020F0502020204030204" pitchFamily="34" charset="0"/>
-                        <a:cs typeface="Times New Roman" panose="02020603050405020304" pitchFamily="18" charset="0"/>
-                      </a:endParaRPr>
-                    </a:p>
-                  </a:txBody>
-                  <a:tcPr marL="63872" marR="63872" marT="0" marB="0">
-                    <a:lnL>
-                      <a:noFill/>
-                    </a:lnL>
-                    <a:lnR>
-                      <a:noFill/>
-                    </a:lnR>
-                    <a:lnT>
-                      <a:noFill/>
-                    </a:lnT>
-                    <a:lnB>
-                      <a:noFill/>
-                    </a:lnB>
-                  </a:tcPr>
-                </a:tc>
-                <a:tc>
-                  <a:txBody>
-                    <a:bodyPr/>
-                    <a:lstStyle/>
-                    <a:p>
-                      <a:pPr marL="0" marR="0" algn="r">
-                        <a:lnSpc>
-                          <a:spcPct val="107000"/>
-                        </a:lnSpc>
-                        <a:spcBef>
-                          <a:spcPts val="0"/>
-                        </a:spcBef>
-                        <a:spcAft>
-                          <a:spcPts val="0"/>
-                        </a:spcAft>
-                      </a:pPr>
-                      <a:r>
-                        <a:rPr lang="en-US" sz="900">
-                          <a:effectLst/>
-                          <a:latin typeface="Times New Roman" panose="02020603050405020304" pitchFamily="18" charset="0"/>
-                          <a:ea typeface="Calibri" panose="020F0502020204030204" pitchFamily="34" charset="0"/>
-                          <a:cs typeface="Times New Roman" panose="02020603050405020304" pitchFamily="18" charset="0"/>
-                        </a:rPr>
-                        <a:t>752</a:t>
-                      </a:r>
-                      <a:endParaRPr lang="en-US" sz="900">
-                        <a:effectLst/>
-                        <a:latin typeface="Calibri" panose="020F0502020204030204" pitchFamily="34" charset="0"/>
-                        <a:ea typeface="Calibri" panose="020F0502020204030204" pitchFamily="34" charset="0"/>
-                        <a:cs typeface="Times New Roman" panose="02020603050405020304" pitchFamily="18" charset="0"/>
-                      </a:endParaRPr>
-                    </a:p>
-                  </a:txBody>
-                  <a:tcPr marL="63872" marR="63872" marT="0" marB="0">
-                    <a:lnL>
-                      <a:noFill/>
-                    </a:lnL>
-                    <a:lnR>
-                      <a:noFill/>
-                    </a:lnR>
-                    <a:lnT>
-                      <a:noFill/>
-                    </a:lnT>
-                    <a:lnB>
-                      <a:noFill/>
-                    </a:lnB>
-                  </a:tcPr>
-                </a:tc>
-                <a:tc>
-                  <a:txBody>
-                    <a:bodyPr/>
-                    <a:lstStyle/>
-                    <a:p>
-                      <a:pPr marL="0" marR="0" algn="r">
-                        <a:lnSpc>
-                          <a:spcPct val="107000"/>
-                        </a:lnSpc>
-                        <a:spcBef>
-                          <a:spcPts val="0"/>
-                        </a:spcBef>
-                        <a:spcAft>
-                          <a:spcPts val="0"/>
-                        </a:spcAft>
-                      </a:pPr>
-                      <a:r>
-                        <a:rPr lang="en-US" sz="900" dirty="0">
-                          <a:effectLst/>
-                          <a:latin typeface="Times New Roman" panose="02020603050405020304" pitchFamily="18" charset="0"/>
-                          <a:ea typeface="Calibri" panose="020F0502020204030204" pitchFamily="34" charset="0"/>
-                          <a:cs typeface="Times New Roman" panose="02020603050405020304" pitchFamily="18" charset="0"/>
-                        </a:rPr>
-                        <a:t>-1.94</a:t>
-                      </a:r>
-                      <a:endParaRPr lang="en-US" sz="900" dirty="0">
-                        <a:effectLst/>
-                        <a:latin typeface="Calibri" panose="020F0502020204030204" pitchFamily="34" charset="0"/>
-                        <a:ea typeface="Calibri" panose="020F0502020204030204" pitchFamily="34" charset="0"/>
-                        <a:cs typeface="Times New Roman" panose="02020603050405020304" pitchFamily="18" charset="0"/>
-                      </a:endParaRPr>
-                    </a:p>
-                  </a:txBody>
-                  <a:tcPr marL="63872" marR="63872" marT="0" marB="0">
-                    <a:lnL>
-                      <a:noFill/>
-                    </a:lnL>
-                    <a:lnR>
-                      <a:noFill/>
-                    </a:lnR>
-                    <a:lnT>
-                      <a:noFill/>
-                    </a:lnT>
-                    <a:lnB>
-                      <a:noFill/>
-                    </a:lnB>
-                  </a:tcPr>
-                </a:tc>
-                <a:tc>
-                  <a:txBody>
-                    <a:bodyPr/>
-                    <a:lstStyle/>
-                    <a:p>
-                      <a:pPr marL="0" marR="0" algn="r">
-                        <a:lnSpc>
-                          <a:spcPct val="107000"/>
-                        </a:lnSpc>
-                        <a:spcBef>
-                          <a:spcPts val="0"/>
-                        </a:spcBef>
-                        <a:spcAft>
-                          <a:spcPts val="0"/>
-                        </a:spcAft>
-                      </a:pPr>
-                      <a:r>
-                        <a:rPr lang="en-US" sz="900">
-                          <a:effectLst/>
-                          <a:latin typeface="Times New Roman" panose="02020603050405020304" pitchFamily="18" charset="0"/>
-                          <a:ea typeface="Calibri" panose="020F0502020204030204" pitchFamily="34" charset="0"/>
-                          <a:cs typeface="Times New Roman" panose="02020603050405020304" pitchFamily="18" charset="0"/>
-                        </a:rPr>
-                        <a:t>0.0523</a:t>
-                      </a:r>
-                      <a:endParaRPr lang="en-US" sz="900">
-                        <a:effectLst/>
-                        <a:latin typeface="Calibri" panose="020F0502020204030204" pitchFamily="34" charset="0"/>
-                        <a:ea typeface="Calibri" panose="020F0502020204030204" pitchFamily="34" charset="0"/>
-                        <a:cs typeface="Times New Roman" panose="02020603050405020304" pitchFamily="18" charset="0"/>
-                      </a:endParaRPr>
-                    </a:p>
-                  </a:txBody>
-                  <a:tcPr marL="63872" marR="63872" marT="0" marB="0">
-                    <a:lnL>
-                      <a:noFill/>
-                    </a:lnL>
-                    <a:lnR>
-                      <a:noFill/>
-                    </a:lnR>
-                    <a:lnT>
-                      <a:noFill/>
-                    </a:lnT>
-                    <a:lnB>
-                      <a:noFill/>
-                    </a:lnB>
-                  </a:tcPr>
-                </a:tc>
-                <a:extLst>
-                  <a:ext uri="{0D108BD9-81ED-4DB2-BD59-A6C34878D82A}">
-                    <a16:rowId xmlns:a16="http://schemas.microsoft.com/office/drawing/2014/main" val="2981268254"/>
-                  </a:ext>
-                </a:extLst>
-              </a:tr>
-              <a:tr h="144364">
-                <a:tc>
-                  <a:txBody>
-                    <a:bodyPr/>
-                    <a:lstStyle/>
-                    <a:p>
-                      <a:pPr marL="0" marR="0" algn="r">
-                        <a:lnSpc>
-                          <a:spcPct val="107000"/>
-                        </a:lnSpc>
-                        <a:spcBef>
-                          <a:spcPts val="0"/>
-                        </a:spcBef>
-                        <a:spcAft>
-                          <a:spcPts val="0"/>
-                        </a:spcAft>
-                      </a:pPr>
-                      <a:r>
-                        <a:rPr lang="en-US" sz="900">
-                          <a:effectLst/>
-                          <a:latin typeface="Times New Roman" panose="02020603050405020304" pitchFamily="18" charset="0"/>
-                          <a:ea typeface="Times New Roman" panose="02020603050405020304" pitchFamily="18" charset="0"/>
-                          <a:cs typeface="Times New Roman" panose="02020603050405020304" pitchFamily="18" charset="0"/>
-                        </a:rPr>
-                        <a:t>Jul</a:t>
-                      </a:r>
-                      <a:endParaRPr lang="en-US" sz="900">
-                        <a:effectLst/>
-                        <a:latin typeface="Calibri" panose="020F0502020204030204" pitchFamily="34" charset="0"/>
-                        <a:ea typeface="Calibri" panose="020F0502020204030204" pitchFamily="34" charset="0"/>
-                        <a:cs typeface="Times New Roman" panose="02020603050405020304" pitchFamily="18" charset="0"/>
-                      </a:endParaRPr>
-                    </a:p>
-                  </a:txBody>
-                  <a:tcPr marL="63872" marR="63872" marT="0" marB="0">
-                    <a:lnL>
-                      <a:noFill/>
-                    </a:lnL>
-                    <a:lnR w="12700" cap="flat" cmpd="sng" algn="ctr">
-                      <a:solidFill>
-                        <a:srgbClr val="000000"/>
-                      </a:solidFill>
-                      <a:prstDash val="solid"/>
-                      <a:round/>
-                      <a:headEnd type="none" w="med" len="med"/>
-                      <a:tailEnd type="none" w="med" len="med"/>
-                    </a:lnR>
-                    <a:lnT>
-                      <a:noFill/>
-                    </a:lnT>
-                    <a:lnB>
-                      <a:noFill/>
-                    </a:lnB>
-                  </a:tcPr>
-                </a:tc>
-                <a:tc>
-                  <a:txBody>
-                    <a:bodyPr/>
-                    <a:lstStyle/>
-                    <a:p>
-                      <a:pPr marL="0" marR="0" algn="r">
-                        <a:lnSpc>
-                          <a:spcPct val="107000"/>
-                        </a:lnSpc>
-                        <a:spcBef>
-                          <a:spcPts val="0"/>
-                        </a:spcBef>
-                        <a:spcAft>
-                          <a:spcPts val="0"/>
-                        </a:spcAft>
-                      </a:pPr>
-                      <a:r>
-                        <a:rPr lang="en-US" sz="900" dirty="0">
-                          <a:effectLst/>
-                          <a:latin typeface="Times New Roman" panose="02020603050405020304" pitchFamily="18" charset="0"/>
-                          <a:ea typeface="Calibri" panose="020F0502020204030204" pitchFamily="34" charset="0"/>
-                          <a:cs typeface="Times New Roman" panose="02020603050405020304" pitchFamily="18" charset="0"/>
-                        </a:rPr>
-                        <a:t>-0.5340</a:t>
-                      </a:r>
-                      <a:endParaRPr lang="en-US" sz="900" dirty="0">
-                        <a:effectLst/>
-                        <a:latin typeface="Calibri" panose="020F0502020204030204" pitchFamily="34" charset="0"/>
-                        <a:ea typeface="Calibri" panose="020F0502020204030204" pitchFamily="34" charset="0"/>
-                        <a:cs typeface="Times New Roman" panose="02020603050405020304" pitchFamily="18" charset="0"/>
-                      </a:endParaRPr>
-                    </a:p>
-                  </a:txBody>
-                  <a:tcPr marL="63872" marR="63872" marT="0" marB="0">
-                    <a:lnL w="12700" cap="flat" cmpd="sng" algn="ctr">
-                      <a:solidFill>
-                        <a:srgbClr val="000000"/>
-                      </a:solidFill>
-                      <a:prstDash val="solid"/>
-                      <a:round/>
-                      <a:headEnd type="none" w="med" len="med"/>
-                      <a:tailEnd type="none" w="med" len="med"/>
-                    </a:lnL>
-                    <a:lnR>
-                      <a:noFill/>
-                    </a:lnR>
-                    <a:lnT>
-                      <a:noFill/>
-                    </a:lnT>
-                    <a:lnB>
-                      <a:noFill/>
-                    </a:lnB>
-                  </a:tcPr>
-                </a:tc>
-                <a:tc>
-                  <a:txBody>
-                    <a:bodyPr/>
-                    <a:lstStyle/>
-                    <a:p>
-                      <a:pPr marL="0" marR="0" algn="r">
-                        <a:lnSpc>
-                          <a:spcPct val="107000"/>
-                        </a:lnSpc>
-                        <a:spcBef>
-                          <a:spcPts val="0"/>
-                        </a:spcBef>
-                        <a:spcAft>
-                          <a:spcPts val="0"/>
-                        </a:spcAft>
-                      </a:pPr>
-                      <a:r>
-                        <a:rPr lang="en-US" sz="900">
-                          <a:effectLst/>
-                          <a:latin typeface="Times New Roman" panose="02020603050405020304" pitchFamily="18" charset="0"/>
-                          <a:ea typeface="Calibri" panose="020F0502020204030204" pitchFamily="34" charset="0"/>
-                          <a:cs typeface="Times New Roman" panose="02020603050405020304" pitchFamily="18" charset="0"/>
-                        </a:rPr>
-                        <a:t>0.4182</a:t>
-                      </a:r>
-                      <a:endParaRPr lang="en-US" sz="900">
-                        <a:effectLst/>
-                        <a:latin typeface="Calibri" panose="020F0502020204030204" pitchFamily="34" charset="0"/>
-                        <a:ea typeface="Calibri" panose="020F0502020204030204" pitchFamily="34" charset="0"/>
-                        <a:cs typeface="Times New Roman" panose="02020603050405020304" pitchFamily="18" charset="0"/>
-                      </a:endParaRPr>
-                    </a:p>
-                  </a:txBody>
-                  <a:tcPr marL="63872" marR="63872" marT="0" marB="0">
-                    <a:lnL>
-                      <a:noFill/>
-                    </a:lnL>
-                    <a:lnR>
-                      <a:noFill/>
-                    </a:lnR>
-                    <a:lnT>
-                      <a:noFill/>
-                    </a:lnT>
-                    <a:lnB>
-                      <a:noFill/>
-                    </a:lnB>
-                  </a:tcPr>
-                </a:tc>
-                <a:tc>
-                  <a:txBody>
-                    <a:bodyPr/>
-                    <a:lstStyle/>
-                    <a:p>
-                      <a:pPr marL="0" marR="0" algn="r">
-                        <a:lnSpc>
-                          <a:spcPct val="107000"/>
-                        </a:lnSpc>
-                        <a:spcBef>
-                          <a:spcPts val="0"/>
-                        </a:spcBef>
-                        <a:spcAft>
-                          <a:spcPts val="0"/>
-                        </a:spcAft>
-                      </a:pPr>
-                      <a:r>
-                        <a:rPr lang="en-US" sz="900">
-                          <a:effectLst/>
-                          <a:latin typeface="Times New Roman" panose="02020603050405020304" pitchFamily="18" charset="0"/>
-                          <a:ea typeface="Calibri" panose="020F0502020204030204" pitchFamily="34" charset="0"/>
-                          <a:cs typeface="Times New Roman" panose="02020603050405020304" pitchFamily="18" charset="0"/>
-                        </a:rPr>
-                        <a:t>752</a:t>
-                      </a:r>
-                      <a:endParaRPr lang="en-US" sz="900">
-                        <a:effectLst/>
-                        <a:latin typeface="Calibri" panose="020F0502020204030204" pitchFamily="34" charset="0"/>
-                        <a:ea typeface="Calibri" panose="020F0502020204030204" pitchFamily="34" charset="0"/>
-                        <a:cs typeface="Times New Roman" panose="02020603050405020304" pitchFamily="18" charset="0"/>
-                      </a:endParaRPr>
-                    </a:p>
-                  </a:txBody>
-                  <a:tcPr marL="63872" marR="63872" marT="0" marB="0">
-                    <a:lnL>
-                      <a:noFill/>
-                    </a:lnL>
-                    <a:lnR>
-                      <a:noFill/>
-                    </a:lnR>
-                    <a:lnT>
-                      <a:noFill/>
-                    </a:lnT>
-                    <a:lnB>
-                      <a:noFill/>
-                    </a:lnB>
-                  </a:tcPr>
-                </a:tc>
-                <a:tc>
-                  <a:txBody>
-                    <a:bodyPr/>
-                    <a:lstStyle/>
-                    <a:p>
-                      <a:pPr marL="0" marR="0" algn="r">
-                        <a:lnSpc>
-                          <a:spcPct val="107000"/>
-                        </a:lnSpc>
-                        <a:spcBef>
-                          <a:spcPts val="0"/>
-                        </a:spcBef>
-                        <a:spcAft>
-                          <a:spcPts val="0"/>
-                        </a:spcAft>
-                      </a:pPr>
-                      <a:r>
-                        <a:rPr lang="en-US" sz="900" dirty="0">
-                          <a:effectLst/>
-                          <a:latin typeface="Times New Roman" panose="02020603050405020304" pitchFamily="18" charset="0"/>
-                          <a:ea typeface="Calibri" panose="020F0502020204030204" pitchFamily="34" charset="0"/>
-                          <a:cs typeface="Times New Roman" panose="02020603050405020304" pitchFamily="18" charset="0"/>
-                        </a:rPr>
-                        <a:t>-1.28</a:t>
-                      </a:r>
-                      <a:endParaRPr lang="en-US" sz="900" dirty="0">
-                        <a:effectLst/>
-                        <a:latin typeface="Calibri" panose="020F0502020204030204" pitchFamily="34" charset="0"/>
-                        <a:ea typeface="Calibri" panose="020F0502020204030204" pitchFamily="34" charset="0"/>
-                        <a:cs typeface="Times New Roman" panose="02020603050405020304" pitchFamily="18" charset="0"/>
-                      </a:endParaRPr>
-                    </a:p>
-                  </a:txBody>
-                  <a:tcPr marL="63872" marR="63872" marT="0" marB="0">
-                    <a:lnL>
-                      <a:noFill/>
-                    </a:lnL>
-                    <a:lnR>
-                      <a:noFill/>
-                    </a:lnR>
-                    <a:lnT>
-                      <a:noFill/>
-                    </a:lnT>
-                    <a:lnB>
-                      <a:noFill/>
-                    </a:lnB>
-                  </a:tcPr>
-                </a:tc>
-                <a:tc>
-                  <a:txBody>
-                    <a:bodyPr/>
-                    <a:lstStyle/>
-                    <a:p>
-                      <a:pPr marL="0" marR="0" algn="r">
-                        <a:lnSpc>
-                          <a:spcPct val="107000"/>
-                        </a:lnSpc>
-                        <a:spcBef>
-                          <a:spcPts val="0"/>
-                        </a:spcBef>
-                        <a:spcAft>
-                          <a:spcPts val="0"/>
-                        </a:spcAft>
-                      </a:pPr>
-                      <a:r>
-                        <a:rPr lang="en-US" sz="900">
-                          <a:effectLst/>
-                          <a:latin typeface="Times New Roman" panose="02020603050405020304" pitchFamily="18" charset="0"/>
-                          <a:ea typeface="Calibri" panose="020F0502020204030204" pitchFamily="34" charset="0"/>
-                          <a:cs typeface="Times New Roman" panose="02020603050405020304" pitchFamily="18" charset="0"/>
-                        </a:rPr>
-                        <a:t>0.2020</a:t>
-                      </a:r>
-                      <a:endParaRPr lang="en-US" sz="900">
-                        <a:effectLst/>
-                        <a:latin typeface="Calibri" panose="020F0502020204030204" pitchFamily="34" charset="0"/>
-                        <a:ea typeface="Calibri" panose="020F0502020204030204" pitchFamily="34" charset="0"/>
-                        <a:cs typeface="Times New Roman" panose="02020603050405020304" pitchFamily="18" charset="0"/>
-                      </a:endParaRPr>
-                    </a:p>
-                  </a:txBody>
-                  <a:tcPr marL="63872" marR="63872" marT="0" marB="0">
-                    <a:lnL>
-                      <a:noFill/>
-                    </a:lnL>
-                    <a:lnR>
-                      <a:noFill/>
-                    </a:lnR>
-                    <a:lnT>
-                      <a:noFill/>
-                    </a:lnT>
-                    <a:lnB>
-                      <a:noFill/>
-                    </a:lnB>
-                  </a:tcPr>
-                </a:tc>
-                <a:extLst>
-                  <a:ext uri="{0D108BD9-81ED-4DB2-BD59-A6C34878D82A}">
-                    <a16:rowId xmlns:a16="http://schemas.microsoft.com/office/drawing/2014/main" val="2620489048"/>
-                  </a:ext>
-                </a:extLst>
-              </a:tr>
-              <a:tr h="144364">
-                <a:tc>
-                  <a:txBody>
-                    <a:bodyPr/>
-                    <a:lstStyle/>
-                    <a:p>
-                      <a:pPr marL="0" marR="0" algn="r">
-                        <a:lnSpc>
-                          <a:spcPct val="107000"/>
-                        </a:lnSpc>
-                        <a:spcBef>
-                          <a:spcPts val="0"/>
-                        </a:spcBef>
-                        <a:spcAft>
-                          <a:spcPts val="0"/>
-                        </a:spcAft>
-                      </a:pPr>
-                      <a:r>
-                        <a:rPr lang="en-US" sz="900">
-                          <a:effectLst/>
-                          <a:latin typeface="Times New Roman" panose="02020603050405020304" pitchFamily="18" charset="0"/>
-                          <a:ea typeface="Times New Roman" panose="02020603050405020304" pitchFamily="18" charset="0"/>
-                          <a:cs typeface="Times New Roman" panose="02020603050405020304" pitchFamily="18" charset="0"/>
-                        </a:rPr>
-                        <a:t>Aug</a:t>
-                      </a:r>
-                      <a:endParaRPr lang="en-US" sz="900">
-                        <a:effectLst/>
-                        <a:latin typeface="Calibri" panose="020F0502020204030204" pitchFamily="34" charset="0"/>
-                        <a:ea typeface="Calibri" panose="020F0502020204030204" pitchFamily="34" charset="0"/>
-                        <a:cs typeface="Times New Roman" panose="02020603050405020304" pitchFamily="18" charset="0"/>
-                      </a:endParaRPr>
-                    </a:p>
-                  </a:txBody>
-                  <a:tcPr marL="63872" marR="63872" marT="0" marB="0">
-                    <a:lnL>
-                      <a:noFill/>
-                    </a:lnL>
-                    <a:lnR w="12700" cap="flat" cmpd="sng" algn="ctr">
-                      <a:solidFill>
-                        <a:srgbClr val="000000"/>
-                      </a:solidFill>
-                      <a:prstDash val="solid"/>
-                      <a:round/>
-                      <a:headEnd type="none" w="med" len="med"/>
-                      <a:tailEnd type="none" w="med" len="med"/>
-                    </a:lnR>
-                    <a:lnT>
-                      <a:noFill/>
-                    </a:lnT>
-                    <a:lnB>
-                      <a:noFill/>
-                    </a:lnB>
-                  </a:tcPr>
-                </a:tc>
-                <a:tc>
-                  <a:txBody>
-                    <a:bodyPr/>
-                    <a:lstStyle/>
-                    <a:p>
-                      <a:pPr marL="0" marR="0" algn="r">
-                        <a:lnSpc>
-                          <a:spcPct val="107000"/>
-                        </a:lnSpc>
-                        <a:spcBef>
-                          <a:spcPts val="0"/>
-                        </a:spcBef>
-                        <a:spcAft>
-                          <a:spcPts val="0"/>
-                        </a:spcAft>
-                      </a:pPr>
-                      <a:r>
-                        <a:rPr lang="en-US" sz="900" dirty="0">
-                          <a:effectLst/>
-                          <a:latin typeface="Times New Roman" panose="02020603050405020304" pitchFamily="18" charset="0"/>
-                          <a:ea typeface="Calibri" panose="020F0502020204030204" pitchFamily="34" charset="0"/>
-                          <a:cs typeface="Times New Roman" panose="02020603050405020304" pitchFamily="18" charset="0"/>
-                        </a:rPr>
-                        <a:t>-1.1282</a:t>
-                      </a:r>
-                      <a:endParaRPr lang="en-US" sz="900" dirty="0">
-                        <a:effectLst/>
-                        <a:latin typeface="Calibri" panose="020F0502020204030204" pitchFamily="34" charset="0"/>
-                        <a:ea typeface="Calibri" panose="020F0502020204030204" pitchFamily="34" charset="0"/>
-                        <a:cs typeface="Times New Roman" panose="02020603050405020304" pitchFamily="18" charset="0"/>
-                      </a:endParaRPr>
-                    </a:p>
-                  </a:txBody>
-                  <a:tcPr marL="63872" marR="63872" marT="0" marB="0">
-                    <a:lnL w="12700" cap="flat" cmpd="sng" algn="ctr">
-                      <a:solidFill>
-                        <a:srgbClr val="000000"/>
-                      </a:solidFill>
-                      <a:prstDash val="solid"/>
-                      <a:round/>
-                      <a:headEnd type="none" w="med" len="med"/>
-                      <a:tailEnd type="none" w="med" len="med"/>
-                    </a:lnL>
-                    <a:lnR>
-                      <a:noFill/>
-                    </a:lnR>
-                    <a:lnT>
-                      <a:noFill/>
-                    </a:lnT>
-                    <a:lnB>
-                      <a:noFill/>
-                    </a:lnB>
-                  </a:tcPr>
-                </a:tc>
-                <a:tc>
-                  <a:txBody>
-                    <a:bodyPr/>
-                    <a:lstStyle/>
-                    <a:p>
-                      <a:pPr marL="0" marR="0" algn="r">
-                        <a:lnSpc>
-                          <a:spcPct val="107000"/>
-                        </a:lnSpc>
-                        <a:spcBef>
-                          <a:spcPts val="0"/>
-                        </a:spcBef>
-                        <a:spcAft>
-                          <a:spcPts val="0"/>
-                        </a:spcAft>
-                      </a:pPr>
-                      <a:r>
-                        <a:rPr lang="en-US" sz="900" dirty="0">
-                          <a:effectLst/>
-                          <a:latin typeface="Times New Roman" panose="02020603050405020304" pitchFamily="18" charset="0"/>
-                          <a:ea typeface="Calibri" panose="020F0502020204030204" pitchFamily="34" charset="0"/>
-                          <a:cs typeface="Times New Roman" panose="02020603050405020304" pitchFamily="18" charset="0"/>
-                        </a:rPr>
-                        <a:t>0.4016</a:t>
-                      </a:r>
-                      <a:endParaRPr lang="en-US" sz="900" dirty="0">
-                        <a:effectLst/>
-                        <a:latin typeface="Calibri" panose="020F0502020204030204" pitchFamily="34" charset="0"/>
-                        <a:ea typeface="Calibri" panose="020F0502020204030204" pitchFamily="34" charset="0"/>
-                        <a:cs typeface="Times New Roman" panose="02020603050405020304" pitchFamily="18" charset="0"/>
-                      </a:endParaRPr>
-                    </a:p>
-                  </a:txBody>
-                  <a:tcPr marL="63872" marR="63872" marT="0" marB="0">
-                    <a:lnL>
-                      <a:noFill/>
-                    </a:lnL>
-                    <a:lnR>
-                      <a:noFill/>
-                    </a:lnR>
-                    <a:lnT>
-                      <a:noFill/>
-                    </a:lnT>
-                    <a:lnB>
-                      <a:noFill/>
-                    </a:lnB>
-                  </a:tcPr>
-                </a:tc>
-                <a:tc>
-                  <a:txBody>
-                    <a:bodyPr/>
-                    <a:lstStyle/>
-                    <a:p>
-                      <a:pPr marL="0" marR="0" algn="r">
-                        <a:lnSpc>
-                          <a:spcPct val="107000"/>
-                        </a:lnSpc>
-                        <a:spcBef>
-                          <a:spcPts val="0"/>
-                        </a:spcBef>
-                        <a:spcAft>
-                          <a:spcPts val="0"/>
-                        </a:spcAft>
-                      </a:pPr>
-                      <a:r>
-                        <a:rPr lang="en-US" sz="900">
-                          <a:effectLst/>
-                          <a:latin typeface="Times New Roman" panose="02020603050405020304" pitchFamily="18" charset="0"/>
-                          <a:ea typeface="Calibri" panose="020F0502020204030204" pitchFamily="34" charset="0"/>
-                          <a:cs typeface="Times New Roman" panose="02020603050405020304" pitchFamily="18" charset="0"/>
-                        </a:rPr>
-                        <a:t>752</a:t>
-                      </a:r>
-                      <a:endParaRPr lang="en-US" sz="900">
-                        <a:effectLst/>
-                        <a:latin typeface="Calibri" panose="020F0502020204030204" pitchFamily="34" charset="0"/>
-                        <a:ea typeface="Calibri" panose="020F0502020204030204" pitchFamily="34" charset="0"/>
-                        <a:cs typeface="Times New Roman" panose="02020603050405020304" pitchFamily="18" charset="0"/>
-                      </a:endParaRPr>
-                    </a:p>
-                  </a:txBody>
-                  <a:tcPr marL="63872" marR="63872" marT="0" marB="0">
-                    <a:lnL>
-                      <a:noFill/>
-                    </a:lnL>
-                    <a:lnR>
-                      <a:noFill/>
-                    </a:lnR>
-                    <a:lnT>
-                      <a:noFill/>
-                    </a:lnT>
-                    <a:lnB>
-                      <a:noFill/>
-                    </a:lnB>
-                  </a:tcPr>
-                </a:tc>
-                <a:tc>
-                  <a:txBody>
-                    <a:bodyPr/>
-                    <a:lstStyle/>
-                    <a:p>
-                      <a:pPr marL="0" marR="0" algn="r">
-                        <a:lnSpc>
-                          <a:spcPct val="107000"/>
-                        </a:lnSpc>
-                        <a:spcBef>
-                          <a:spcPts val="0"/>
-                        </a:spcBef>
-                        <a:spcAft>
-                          <a:spcPts val="0"/>
-                        </a:spcAft>
-                      </a:pPr>
-                      <a:r>
-                        <a:rPr lang="en-US" sz="900" dirty="0">
-                          <a:effectLst/>
-                          <a:latin typeface="Times New Roman" panose="02020603050405020304" pitchFamily="18" charset="0"/>
-                          <a:ea typeface="Calibri" panose="020F0502020204030204" pitchFamily="34" charset="0"/>
-                          <a:cs typeface="Times New Roman" panose="02020603050405020304" pitchFamily="18" charset="0"/>
-                        </a:rPr>
-                        <a:t>-2.81</a:t>
-                      </a:r>
-                      <a:endParaRPr lang="en-US" sz="900" dirty="0">
-                        <a:effectLst/>
-                        <a:latin typeface="Calibri" panose="020F0502020204030204" pitchFamily="34" charset="0"/>
-                        <a:ea typeface="Calibri" panose="020F0502020204030204" pitchFamily="34" charset="0"/>
-                        <a:cs typeface="Times New Roman" panose="02020603050405020304" pitchFamily="18" charset="0"/>
-                      </a:endParaRPr>
-                    </a:p>
-                  </a:txBody>
-                  <a:tcPr marL="63872" marR="63872" marT="0" marB="0">
-                    <a:lnL>
-                      <a:noFill/>
-                    </a:lnL>
-                    <a:lnR>
-                      <a:noFill/>
-                    </a:lnR>
-                    <a:lnT>
-                      <a:noFill/>
-                    </a:lnT>
-                    <a:lnB>
-                      <a:noFill/>
-                    </a:lnB>
-                  </a:tcPr>
-                </a:tc>
-                <a:tc>
-                  <a:txBody>
-                    <a:bodyPr/>
-                    <a:lstStyle/>
-                    <a:p>
-                      <a:pPr marL="0" marR="0" algn="r">
-                        <a:lnSpc>
-                          <a:spcPct val="107000"/>
-                        </a:lnSpc>
-                        <a:spcBef>
-                          <a:spcPts val="0"/>
-                        </a:spcBef>
-                        <a:spcAft>
-                          <a:spcPts val="0"/>
-                        </a:spcAft>
-                      </a:pPr>
-                      <a:r>
-                        <a:rPr lang="en-US" sz="900">
-                          <a:effectLst/>
-                          <a:latin typeface="Times New Roman" panose="02020603050405020304" pitchFamily="18" charset="0"/>
-                          <a:ea typeface="Calibri" panose="020F0502020204030204" pitchFamily="34" charset="0"/>
-                          <a:cs typeface="Times New Roman" panose="02020603050405020304" pitchFamily="18" charset="0"/>
-                        </a:rPr>
-                        <a:t>0.0051</a:t>
-                      </a:r>
-                      <a:endParaRPr lang="en-US" sz="900">
-                        <a:effectLst/>
-                        <a:latin typeface="Calibri" panose="020F0502020204030204" pitchFamily="34" charset="0"/>
-                        <a:ea typeface="Calibri" panose="020F0502020204030204" pitchFamily="34" charset="0"/>
-                        <a:cs typeface="Times New Roman" panose="02020603050405020304" pitchFamily="18" charset="0"/>
-                      </a:endParaRPr>
-                    </a:p>
-                  </a:txBody>
-                  <a:tcPr marL="63872" marR="63872" marT="0" marB="0">
-                    <a:lnL>
-                      <a:noFill/>
-                    </a:lnL>
-                    <a:lnR>
-                      <a:noFill/>
-                    </a:lnR>
-                    <a:lnT>
-                      <a:noFill/>
-                    </a:lnT>
-                    <a:lnB>
-                      <a:noFill/>
-                    </a:lnB>
-                  </a:tcPr>
-                </a:tc>
-                <a:extLst>
-                  <a:ext uri="{0D108BD9-81ED-4DB2-BD59-A6C34878D82A}">
-                    <a16:rowId xmlns:a16="http://schemas.microsoft.com/office/drawing/2014/main" val="3241125690"/>
-                  </a:ext>
-                </a:extLst>
-              </a:tr>
-              <a:tr h="144364">
-                <a:tc>
-                  <a:txBody>
-                    <a:bodyPr/>
-                    <a:lstStyle/>
-                    <a:p>
-                      <a:pPr marL="0" marR="0" algn="r">
-                        <a:lnSpc>
-                          <a:spcPct val="107000"/>
-                        </a:lnSpc>
-                        <a:spcBef>
-                          <a:spcPts val="0"/>
-                        </a:spcBef>
-                        <a:spcAft>
-                          <a:spcPts val="0"/>
-                        </a:spcAft>
-                      </a:pPr>
-                      <a:r>
-                        <a:rPr lang="en-US" sz="900">
-                          <a:effectLst/>
-                          <a:latin typeface="Times New Roman" panose="02020603050405020304" pitchFamily="18" charset="0"/>
-                          <a:ea typeface="Times New Roman" panose="02020603050405020304" pitchFamily="18" charset="0"/>
-                          <a:cs typeface="Times New Roman" panose="02020603050405020304" pitchFamily="18" charset="0"/>
-                        </a:rPr>
-                        <a:t>Sep</a:t>
-                      </a:r>
-                      <a:endParaRPr lang="en-US" sz="900">
-                        <a:effectLst/>
-                        <a:latin typeface="Calibri" panose="020F0502020204030204" pitchFamily="34" charset="0"/>
-                        <a:ea typeface="Calibri" panose="020F0502020204030204" pitchFamily="34" charset="0"/>
-                        <a:cs typeface="Times New Roman" panose="02020603050405020304" pitchFamily="18" charset="0"/>
-                      </a:endParaRPr>
-                    </a:p>
-                  </a:txBody>
-                  <a:tcPr marL="63872" marR="63872" marT="0" marB="0">
-                    <a:lnL>
-                      <a:noFill/>
-                    </a:lnL>
-                    <a:lnR w="12700" cap="flat" cmpd="sng" algn="ctr">
-                      <a:solidFill>
-                        <a:srgbClr val="000000"/>
-                      </a:solidFill>
-                      <a:prstDash val="solid"/>
-                      <a:round/>
-                      <a:headEnd type="none" w="med" len="med"/>
-                      <a:tailEnd type="none" w="med" len="med"/>
-                    </a:lnR>
-                    <a:lnT>
-                      <a:noFill/>
-                    </a:lnT>
-                    <a:lnB>
-                      <a:noFill/>
-                    </a:lnB>
-                  </a:tcPr>
-                </a:tc>
-                <a:tc>
-                  <a:txBody>
-                    <a:bodyPr/>
-                    <a:lstStyle/>
-                    <a:p>
-                      <a:pPr marL="0" marR="0" algn="r">
-                        <a:lnSpc>
-                          <a:spcPct val="107000"/>
-                        </a:lnSpc>
-                        <a:spcBef>
-                          <a:spcPts val="0"/>
-                        </a:spcBef>
-                        <a:spcAft>
-                          <a:spcPts val="0"/>
-                        </a:spcAft>
-                      </a:pPr>
-                      <a:r>
-                        <a:rPr lang="en-US" sz="900">
-                          <a:effectLst/>
-                          <a:latin typeface="Times New Roman" panose="02020603050405020304" pitchFamily="18" charset="0"/>
-                          <a:ea typeface="Calibri" panose="020F0502020204030204" pitchFamily="34" charset="0"/>
-                          <a:cs typeface="Times New Roman" panose="02020603050405020304" pitchFamily="18" charset="0"/>
-                        </a:rPr>
-                        <a:t>-0.5131</a:t>
-                      </a:r>
-                      <a:endParaRPr lang="en-US" sz="900">
-                        <a:effectLst/>
-                        <a:latin typeface="Calibri" panose="020F0502020204030204" pitchFamily="34" charset="0"/>
-                        <a:ea typeface="Calibri" panose="020F0502020204030204" pitchFamily="34" charset="0"/>
-                        <a:cs typeface="Times New Roman" panose="02020603050405020304" pitchFamily="18" charset="0"/>
-                      </a:endParaRPr>
-                    </a:p>
-                  </a:txBody>
-                  <a:tcPr marL="63872" marR="63872" marT="0" marB="0">
-                    <a:lnL w="12700" cap="flat" cmpd="sng" algn="ctr">
-                      <a:solidFill>
-                        <a:srgbClr val="000000"/>
-                      </a:solidFill>
-                      <a:prstDash val="solid"/>
-                      <a:round/>
-                      <a:headEnd type="none" w="med" len="med"/>
-                      <a:tailEnd type="none" w="med" len="med"/>
-                    </a:lnL>
-                    <a:lnR>
-                      <a:noFill/>
-                    </a:lnR>
-                    <a:lnT>
-                      <a:noFill/>
-                    </a:lnT>
-                    <a:lnB>
-                      <a:noFill/>
-                    </a:lnB>
-                  </a:tcPr>
-                </a:tc>
-                <a:tc>
-                  <a:txBody>
-                    <a:bodyPr/>
-                    <a:lstStyle/>
-                    <a:p>
-                      <a:pPr marL="0" marR="0" algn="r">
-                        <a:lnSpc>
-                          <a:spcPct val="107000"/>
-                        </a:lnSpc>
-                        <a:spcBef>
-                          <a:spcPts val="0"/>
-                        </a:spcBef>
-                        <a:spcAft>
-                          <a:spcPts val="0"/>
-                        </a:spcAft>
-                      </a:pPr>
-                      <a:r>
-                        <a:rPr lang="en-US" sz="900" dirty="0">
-                          <a:effectLst/>
-                          <a:latin typeface="Times New Roman" panose="02020603050405020304" pitchFamily="18" charset="0"/>
-                          <a:ea typeface="Calibri" panose="020F0502020204030204" pitchFamily="34" charset="0"/>
-                          <a:cs typeface="Times New Roman" panose="02020603050405020304" pitchFamily="18" charset="0"/>
-                        </a:rPr>
-                        <a:t>0.3629</a:t>
-                      </a:r>
-                      <a:endParaRPr lang="en-US" sz="900" dirty="0">
-                        <a:effectLst/>
-                        <a:latin typeface="Calibri" panose="020F0502020204030204" pitchFamily="34" charset="0"/>
-                        <a:ea typeface="Calibri" panose="020F0502020204030204" pitchFamily="34" charset="0"/>
-                        <a:cs typeface="Times New Roman" panose="02020603050405020304" pitchFamily="18" charset="0"/>
-                      </a:endParaRPr>
-                    </a:p>
-                  </a:txBody>
-                  <a:tcPr marL="63872" marR="63872" marT="0" marB="0">
-                    <a:lnL>
-                      <a:noFill/>
-                    </a:lnL>
-                    <a:lnR>
-                      <a:noFill/>
-                    </a:lnR>
-                    <a:lnT>
-                      <a:noFill/>
-                    </a:lnT>
-                    <a:lnB>
-                      <a:noFill/>
-                    </a:lnB>
-                  </a:tcPr>
-                </a:tc>
-                <a:tc>
-                  <a:txBody>
-                    <a:bodyPr/>
-                    <a:lstStyle/>
-                    <a:p>
-                      <a:pPr marL="0" marR="0" algn="r">
-                        <a:lnSpc>
-                          <a:spcPct val="107000"/>
-                        </a:lnSpc>
-                        <a:spcBef>
-                          <a:spcPts val="0"/>
-                        </a:spcBef>
-                        <a:spcAft>
-                          <a:spcPts val="0"/>
-                        </a:spcAft>
-                      </a:pPr>
-                      <a:r>
-                        <a:rPr lang="en-US" sz="900">
-                          <a:effectLst/>
-                          <a:latin typeface="Times New Roman" panose="02020603050405020304" pitchFamily="18" charset="0"/>
-                          <a:ea typeface="Calibri" panose="020F0502020204030204" pitchFamily="34" charset="0"/>
-                          <a:cs typeface="Times New Roman" panose="02020603050405020304" pitchFamily="18" charset="0"/>
-                        </a:rPr>
-                        <a:t>752</a:t>
-                      </a:r>
-                      <a:endParaRPr lang="en-US" sz="900">
-                        <a:effectLst/>
-                        <a:latin typeface="Calibri" panose="020F0502020204030204" pitchFamily="34" charset="0"/>
-                        <a:ea typeface="Calibri" panose="020F0502020204030204" pitchFamily="34" charset="0"/>
-                        <a:cs typeface="Times New Roman" panose="02020603050405020304" pitchFamily="18" charset="0"/>
-                      </a:endParaRPr>
-                    </a:p>
-                  </a:txBody>
-                  <a:tcPr marL="63872" marR="63872" marT="0" marB="0">
-                    <a:lnL>
-                      <a:noFill/>
-                    </a:lnL>
-                    <a:lnR>
-                      <a:noFill/>
-                    </a:lnR>
-                    <a:lnT>
-                      <a:noFill/>
-                    </a:lnT>
-                    <a:lnB>
-                      <a:noFill/>
-                    </a:lnB>
-                  </a:tcPr>
-                </a:tc>
-                <a:tc>
-                  <a:txBody>
-                    <a:bodyPr/>
-                    <a:lstStyle/>
-                    <a:p>
-                      <a:pPr marL="0" marR="0" algn="r">
-                        <a:lnSpc>
-                          <a:spcPct val="107000"/>
-                        </a:lnSpc>
-                        <a:spcBef>
-                          <a:spcPts val="0"/>
-                        </a:spcBef>
-                        <a:spcAft>
-                          <a:spcPts val="0"/>
-                        </a:spcAft>
-                      </a:pPr>
-                      <a:r>
-                        <a:rPr lang="en-US" sz="900" dirty="0">
-                          <a:effectLst/>
-                          <a:latin typeface="Times New Roman" panose="02020603050405020304" pitchFamily="18" charset="0"/>
-                          <a:ea typeface="Calibri" panose="020F0502020204030204" pitchFamily="34" charset="0"/>
-                          <a:cs typeface="Times New Roman" panose="02020603050405020304" pitchFamily="18" charset="0"/>
-                        </a:rPr>
-                        <a:t>-1.41</a:t>
-                      </a:r>
-                      <a:endParaRPr lang="en-US" sz="900" dirty="0">
-                        <a:effectLst/>
-                        <a:latin typeface="Calibri" panose="020F0502020204030204" pitchFamily="34" charset="0"/>
-                        <a:ea typeface="Calibri" panose="020F0502020204030204" pitchFamily="34" charset="0"/>
-                        <a:cs typeface="Times New Roman" panose="02020603050405020304" pitchFamily="18" charset="0"/>
-                      </a:endParaRPr>
-                    </a:p>
-                  </a:txBody>
-                  <a:tcPr marL="63872" marR="63872" marT="0" marB="0">
-                    <a:lnL>
-                      <a:noFill/>
-                    </a:lnL>
-                    <a:lnR>
-                      <a:noFill/>
-                    </a:lnR>
-                    <a:lnT>
-                      <a:noFill/>
-                    </a:lnT>
-                    <a:lnB>
-                      <a:noFill/>
-                    </a:lnB>
-                  </a:tcPr>
-                </a:tc>
-                <a:tc>
-                  <a:txBody>
-                    <a:bodyPr/>
-                    <a:lstStyle/>
-                    <a:p>
-                      <a:pPr marL="0" marR="0" algn="r">
-                        <a:lnSpc>
-                          <a:spcPct val="107000"/>
-                        </a:lnSpc>
-                        <a:spcBef>
-                          <a:spcPts val="0"/>
-                        </a:spcBef>
-                        <a:spcAft>
-                          <a:spcPts val="0"/>
-                        </a:spcAft>
-                      </a:pPr>
-                      <a:r>
-                        <a:rPr lang="en-US" sz="900">
-                          <a:effectLst/>
-                          <a:latin typeface="Times New Roman" panose="02020603050405020304" pitchFamily="18" charset="0"/>
-                          <a:ea typeface="Calibri" panose="020F0502020204030204" pitchFamily="34" charset="0"/>
-                          <a:cs typeface="Times New Roman" panose="02020603050405020304" pitchFamily="18" charset="0"/>
-                        </a:rPr>
-                        <a:t>0.1579</a:t>
-                      </a:r>
-                      <a:endParaRPr lang="en-US" sz="900">
-                        <a:effectLst/>
-                        <a:latin typeface="Calibri" panose="020F0502020204030204" pitchFamily="34" charset="0"/>
-                        <a:ea typeface="Calibri" panose="020F0502020204030204" pitchFamily="34" charset="0"/>
-                        <a:cs typeface="Times New Roman" panose="02020603050405020304" pitchFamily="18" charset="0"/>
-                      </a:endParaRPr>
-                    </a:p>
-                  </a:txBody>
-                  <a:tcPr marL="63872" marR="63872" marT="0" marB="0">
-                    <a:lnL>
-                      <a:noFill/>
-                    </a:lnL>
-                    <a:lnR>
-                      <a:noFill/>
-                    </a:lnR>
-                    <a:lnT>
-                      <a:noFill/>
-                    </a:lnT>
-                    <a:lnB>
-                      <a:noFill/>
-                    </a:lnB>
-                  </a:tcPr>
-                </a:tc>
-                <a:extLst>
-                  <a:ext uri="{0D108BD9-81ED-4DB2-BD59-A6C34878D82A}">
-                    <a16:rowId xmlns:a16="http://schemas.microsoft.com/office/drawing/2014/main" val="3070476226"/>
-                  </a:ext>
-                </a:extLst>
-              </a:tr>
-              <a:tr h="144364">
-                <a:tc>
-                  <a:txBody>
-                    <a:bodyPr/>
-                    <a:lstStyle/>
-                    <a:p>
-                      <a:pPr marL="0" marR="0" algn="r">
-                        <a:lnSpc>
-                          <a:spcPct val="107000"/>
-                        </a:lnSpc>
-                        <a:spcBef>
-                          <a:spcPts val="0"/>
-                        </a:spcBef>
-                        <a:spcAft>
-                          <a:spcPts val="0"/>
-                        </a:spcAft>
-                      </a:pPr>
-                      <a:r>
-                        <a:rPr lang="en-US" sz="900">
-                          <a:effectLst/>
-                          <a:latin typeface="Times New Roman" panose="02020603050405020304" pitchFamily="18" charset="0"/>
-                          <a:ea typeface="Times New Roman" panose="02020603050405020304" pitchFamily="18" charset="0"/>
-                          <a:cs typeface="Times New Roman" panose="02020603050405020304" pitchFamily="18" charset="0"/>
-                        </a:rPr>
-                        <a:t>Oct</a:t>
-                      </a:r>
-                      <a:endParaRPr lang="en-US" sz="900">
-                        <a:effectLst/>
-                        <a:latin typeface="Calibri" panose="020F0502020204030204" pitchFamily="34" charset="0"/>
-                        <a:ea typeface="Calibri" panose="020F0502020204030204" pitchFamily="34" charset="0"/>
-                        <a:cs typeface="Times New Roman" panose="02020603050405020304" pitchFamily="18" charset="0"/>
-                      </a:endParaRPr>
-                    </a:p>
-                  </a:txBody>
-                  <a:tcPr marL="63872" marR="63872" marT="0" marB="0">
-                    <a:lnL>
-                      <a:noFill/>
-                    </a:lnL>
-                    <a:lnR w="12700" cap="flat" cmpd="sng" algn="ctr">
-                      <a:solidFill>
-                        <a:srgbClr val="000000"/>
-                      </a:solidFill>
-                      <a:prstDash val="solid"/>
-                      <a:round/>
-                      <a:headEnd type="none" w="med" len="med"/>
-                      <a:tailEnd type="none" w="med" len="med"/>
-                    </a:lnR>
-                    <a:lnT>
-                      <a:noFill/>
-                    </a:lnT>
-                    <a:lnB>
-                      <a:noFill/>
-                    </a:lnB>
-                  </a:tcPr>
-                </a:tc>
-                <a:tc>
-                  <a:txBody>
-                    <a:bodyPr/>
-                    <a:lstStyle/>
-                    <a:p>
-                      <a:pPr marL="0" marR="0" algn="r">
-                        <a:lnSpc>
-                          <a:spcPct val="107000"/>
-                        </a:lnSpc>
-                        <a:spcBef>
-                          <a:spcPts val="0"/>
-                        </a:spcBef>
-                        <a:spcAft>
-                          <a:spcPts val="0"/>
-                        </a:spcAft>
-                      </a:pPr>
-                      <a:r>
-                        <a:rPr lang="en-US" sz="900">
-                          <a:effectLst/>
-                          <a:latin typeface="Times New Roman" panose="02020603050405020304" pitchFamily="18" charset="0"/>
-                          <a:ea typeface="Calibri" panose="020F0502020204030204" pitchFamily="34" charset="0"/>
-                          <a:cs typeface="Times New Roman" panose="02020603050405020304" pitchFamily="18" charset="0"/>
-                        </a:rPr>
-                        <a:t>-0.6813</a:t>
-                      </a:r>
-                      <a:endParaRPr lang="en-US" sz="900">
-                        <a:effectLst/>
-                        <a:latin typeface="Calibri" panose="020F0502020204030204" pitchFamily="34" charset="0"/>
-                        <a:ea typeface="Calibri" panose="020F0502020204030204" pitchFamily="34" charset="0"/>
-                        <a:cs typeface="Times New Roman" panose="02020603050405020304" pitchFamily="18" charset="0"/>
-                      </a:endParaRPr>
-                    </a:p>
-                  </a:txBody>
-                  <a:tcPr marL="63872" marR="63872" marT="0" marB="0">
-                    <a:lnL w="12700" cap="flat" cmpd="sng" algn="ctr">
-                      <a:solidFill>
-                        <a:srgbClr val="000000"/>
-                      </a:solidFill>
-                      <a:prstDash val="solid"/>
-                      <a:round/>
-                      <a:headEnd type="none" w="med" len="med"/>
-                      <a:tailEnd type="none" w="med" len="med"/>
-                    </a:lnL>
-                    <a:lnR>
-                      <a:noFill/>
-                    </a:lnR>
-                    <a:lnT>
-                      <a:noFill/>
-                    </a:lnT>
-                    <a:lnB>
-                      <a:noFill/>
-                    </a:lnB>
-                  </a:tcPr>
-                </a:tc>
-                <a:tc>
-                  <a:txBody>
-                    <a:bodyPr/>
-                    <a:lstStyle/>
-                    <a:p>
-                      <a:pPr marL="0" marR="0" algn="r">
-                        <a:lnSpc>
-                          <a:spcPct val="107000"/>
-                        </a:lnSpc>
-                        <a:spcBef>
-                          <a:spcPts val="0"/>
-                        </a:spcBef>
-                        <a:spcAft>
-                          <a:spcPts val="0"/>
-                        </a:spcAft>
-                      </a:pPr>
-                      <a:r>
-                        <a:rPr lang="en-US" sz="900" dirty="0">
-                          <a:effectLst/>
-                          <a:latin typeface="Times New Roman" panose="02020603050405020304" pitchFamily="18" charset="0"/>
-                          <a:ea typeface="Calibri" panose="020F0502020204030204" pitchFamily="34" charset="0"/>
-                          <a:cs typeface="Times New Roman" panose="02020603050405020304" pitchFamily="18" charset="0"/>
-                        </a:rPr>
-                        <a:t>0.2977</a:t>
-                      </a:r>
-                      <a:endParaRPr lang="en-US" sz="900" dirty="0">
-                        <a:effectLst/>
-                        <a:latin typeface="Calibri" panose="020F0502020204030204" pitchFamily="34" charset="0"/>
-                        <a:ea typeface="Calibri" panose="020F0502020204030204" pitchFamily="34" charset="0"/>
-                        <a:cs typeface="Times New Roman" panose="02020603050405020304" pitchFamily="18" charset="0"/>
-                      </a:endParaRPr>
-                    </a:p>
-                  </a:txBody>
-                  <a:tcPr marL="63872" marR="63872" marT="0" marB="0">
-                    <a:lnL>
-                      <a:noFill/>
-                    </a:lnL>
-                    <a:lnR>
-                      <a:noFill/>
-                    </a:lnR>
-                    <a:lnT>
-                      <a:noFill/>
-                    </a:lnT>
-                    <a:lnB>
-                      <a:noFill/>
-                    </a:lnB>
-                  </a:tcPr>
-                </a:tc>
-                <a:tc>
-                  <a:txBody>
-                    <a:bodyPr/>
-                    <a:lstStyle/>
-                    <a:p>
-                      <a:pPr marL="0" marR="0" algn="r">
-                        <a:lnSpc>
-                          <a:spcPct val="107000"/>
-                        </a:lnSpc>
-                        <a:spcBef>
-                          <a:spcPts val="0"/>
-                        </a:spcBef>
-                        <a:spcAft>
-                          <a:spcPts val="0"/>
-                        </a:spcAft>
-                      </a:pPr>
-                      <a:r>
-                        <a:rPr lang="en-US" sz="900">
-                          <a:effectLst/>
-                          <a:latin typeface="Times New Roman" panose="02020603050405020304" pitchFamily="18" charset="0"/>
-                          <a:ea typeface="Calibri" panose="020F0502020204030204" pitchFamily="34" charset="0"/>
-                          <a:cs typeface="Times New Roman" panose="02020603050405020304" pitchFamily="18" charset="0"/>
-                        </a:rPr>
-                        <a:t>752</a:t>
-                      </a:r>
-                      <a:endParaRPr lang="en-US" sz="900">
-                        <a:effectLst/>
-                        <a:latin typeface="Calibri" panose="020F0502020204030204" pitchFamily="34" charset="0"/>
-                        <a:ea typeface="Calibri" panose="020F0502020204030204" pitchFamily="34" charset="0"/>
-                        <a:cs typeface="Times New Roman" panose="02020603050405020304" pitchFamily="18" charset="0"/>
-                      </a:endParaRPr>
-                    </a:p>
-                  </a:txBody>
-                  <a:tcPr marL="63872" marR="63872" marT="0" marB="0">
-                    <a:lnL>
-                      <a:noFill/>
-                    </a:lnL>
-                    <a:lnR>
-                      <a:noFill/>
-                    </a:lnR>
-                    <a:lnT>
-                      <a:noFill/>
-                    </a:lnT>
-                    <a:lnB>
-                      <a:noFill/>
-                    </a:lnB>
-                  </a:tcPr>
-                </a:tc>
-                <a:tc>
-                  <a:txBody>
-                    <a:bodyPr/>
-                    <a:lstStyle/>
-                    <a:p>
-                      <a:pPr marL="0" marR="0" algn="r">
-                        <a:lnSpc>
-                          <a:spcPct val="107000"/>
-                        </a:lnSpc>
-                        <a:spcBef>
-                          <a:spcPts val="0"/>
-                        </a:spcBef>
-                        <a:spcAft>
-                          <a:spcPts val="0"/>
-                        </a:spcAft>
-                      </a:pPr>
-                      <a:r>
-                        <a:rPr lang="en-US" sz="900">
-                          <a:effectLst/>
-                          <a:latin typeface="Times New Roman" panose="02020603050405020304" pitchFamily="18" charset="0"/>
-                          <a:ea typeface="Calibri" panose="020F0502020204030204" pitchFamily="34" charset="0"/>
-                          <a:cs typeface="Times New Roman" panose="02020603050405020304" pitchFamily="18" charset="0"/>
-                        </a:rPr>
-                        <a:t>-2.29</a:t>
-                      </a:r>
-                      <a:endParaRPr lang="en-US" sz="900">
-                        <a:effectLst/>
-                        <a:latin typeface="Calibri" panose="020F0502020204030204" pitchFamily="34" charset="0"/>
-                        <a:ea typeface="Calibri" panose="020F0502020204030204" pitchFamily="34" charset="0"/>
-                        <a:cs typeface="Times New Roman" panose="02020603050405020304" pitchFamily="18" charset="0"/>
-                      </a:endParaRPr>
-                    </a:p>
-                  </a:txBody>
-                  <a:tcPr marL="63872" marR="63872" marT="0" marB="0">
-                    <a:lnL>
-                      <a:noFill/>
-                    </a:lnL>
-                    <a:lnR>
-                      <a:noFill/>
-                    </a:lnR>
-                    <a:lnT>
-                      <a:noFill/>
-                    </a:lnT>
-                    <a:lnB>
-                      <a:noFill/>
-                    </a:lnB>
-                  </a:tcPr>
-                </a:tc>
-                <a:tc>
-                  <a:txBody>
-                    <a:bodyPr/>
-                    <a:lstStyle/>
-                    <a:p>
-                      <a:pPr marL="0" marR="0" algn="r">
-                        <a:lnSpc>
-                          <a:spcPct val="107000"/>
-                        </a:lnSpc>
-                        <a:spcBef>
-                          <a:spcPts val="0"/>
-                        </a:spcBef>
-                        <a:spcAft>
-                          <a:spcPts val="0"/>
-                        </a:spcAft>
-                      </a:pPr>
-                      <a:r>
-                        <a:rPr lang="en-US" sz="900" dirty="0">
-                          <a:effectLst/>
-                          <a:latin typeface="Times New Roman" panose="02020603050405020304" pitchFamily="18" charset="0"/>
-                          <a:ea typeface="Calibri" panose="020F0502020204030204" pitchFamily="34" charset="0"/>
-                          <a:cs typeface="Times New Roman" panose="02020603050405020304" pitchFamily="18" charset="0"/>
-                        </a:rPr>
-                        <a:t>0.0224</a:t>
-                      </a:r>
-                      <a:endParaRPr lang="en-US" sz="900" dirty="0">
-                        <a:effectLst/>
-                        <a:latin typeface="Calibri" panose="020F0502020204030204" pitchFamily="34" charset="0"/>
-                        <a:ea typeface="Calibri" panose="020F0502020204030204" pitchFamily="34" charset="0"/>
-                        <a:cs typeface="Times New Roman" panose="02020603050405020304" pitchFamily="18" charset="0"/>
-                      </a:endParaRPr>
-                    </a:p>
-                  </a:txBody>
-                  <a:tcPr marL="63872" marR="63872" marT="0" marB="0">
-                    <a:lnL>
-                      <a:noFill/>
-                    </a:lnL>
-                    <a:lnR>
-                      <a:noFill/>
-                    </a:lnR>
-                    <a:lnT>
-                      <a:noFill/>
-                    </a:lnT>
-                    <a:lnB>
-                      <a:noFill/>
-                    </a:lnB>
-                  </a:tcPr>
-                </a:tc>
-                <a:extLst>
-                  <a:ext uri="{0D108BD9-81ED-4DB2-BD59-A6C34878D82A}">
-                    <a16:rowId xmlns:a16="http://schemas.microsoft.com/office/drawing/2014/main" val="1856289011"/>
-                  </a:ext>
-                </a:extLst>
-              </a:tr>
-              <a:tr h="144364">
-                <a:tc>
-                  <a:txBody>
-                    <a:bodyPr/>
-                    <a:lstStyle/>
-                    <a:p>
-                      <a:pPr marL="0" marR="0" algn="r">
-                        <a:lnSpc>
-                          <a:spcPct val="107000"/>
-                        </a:lnSpc>
-                        <a:spcBef>
-                          <a:spcPts val="0"/>
-                        </a:spcBef>
-                        <a:spcAft>
-                          <a:spcPts val="0"/>
-                        </a:spcAft>
-                      </a:pPr>
-                      <a:r>
-                        <a:rPr lang="en-US" sz="900">
-                          <a:effectLst/>
-                          <a:latin typeface="Times New Roman" panose="02020603050405020304" pitchFamily="18" charset="0"/>
-                          <a:ea typeface="Times New Roman" panose="02020603050405020304" pitchFamily="18" charset="0"/>
-                          <a:cs typeface="Times New Roman" panose="02020603050405020304" pitchFamily="18" charset="0"/>
-                        </a:rPr>
-                        <a:t>Nov</a:t>
-                      </a:r>
-                      <a:endParaRPr lang="en-US" sz="900">
-                        <a:effectLst/>
-                        <a:latin typeface="Calibri" panose="020F0502020204030204" pitchFamily="34" charset="0"/>
-                        <a:ea typeface="Calibri" panose="020F0502020204030204" pitchFamily="34" charset="0"/>
-                        <a:cs typeface="Times New Roman" panose="02020603050405020304" pitchFamily="18" charset="0"/>
-                      </a:endParaRPr>
-                    </a:p>
-                  </a:txBody>
-                  <a:tcPr marL="63872" marR="63872" marT="0" marB="0">
-                    <a:lnL>
-                      <a:noFill/>
-                    </a:lnL>
-                    <a:lnR w="12700" cap="flat" cmpd="sng" algn="ctr">
-                      <a:solidFill>
-                        <a:srgbClr val="000000"/>
-                      </a:solidFill>
-                      <a:prstDash val="solid"/>
-                      <a:round/>
-                      <a:headEnd type="none" w="med" len="med"/>
-                      <a:tailEnd type="none" w="med" len="med"/>
-                    </a:lnR>
-                    <a:lnT>
-                      <a:noFill/>
-                    </a:lnT>
-                    <a:lnB>
-                      <a:noFill/>
-                    </a:lnB>
-                  </a:tcPr>
-                </a:tc>
-                <a:tc>
-                  <a:txBody>
-                    <a:bodyPr/>
-                    <a:lstStyle/>
-                    <a:p>
-                      <a:pPr marL="0" marR="0" algn="r">
-                        <a:lnSpc>
-                          <a:spcPct val="107000"/>
-                        </a:lnSpc>
-                        <a:spcBef>
-                          <a:spcPts val="0"/>
-                        </a:spcBef>
-                        <a:spcAft>
-                          <a:spcPts val="0"/>
-                        </a:spcAft>
-                      </a:pPr>
-                      <a:r>
-                        <a:rPr lang="en-US" sz="900">
-                          <a:effectLst/>
-                          <a:latin typeface="Times New Roman" panose="02020603050405020304" pitchFamily="18" charset="0"/>
-                          <a:ea typeface="Calibri" panose="020F0502020204030204" pitchFamily="34" charset="0"/>
-                          <a:cs typeface="Times New Roman" panose="02020603050405020304" pitchFamily="18" charset="0"/>
-                        </a:rPr>
-                        <a:t>-0.6385</a:t>
-                      </a:r>
-                      <a:endParaRPr lang="en-US" sz="900">
-                        <a:effectLst/>
-                        <a:latin typeface="Calibri" panose="020F0502020204030204" pitchFamily="34" charset="0"/>
-                        <a:ea typeface="Calibri" panose="020F0502020204030204" pitchFamily="34" charset="0"/>
-                        <a:cs typeface="Times New Roman" panose="02020603050405020304" pitchFamily="18" charset="0"/>
-                      </a:endParaRPr>
-                    </a:p>
-                  </a:txBody>
-                  <a:tcPr marL="63872" marR="63872" marT="0" marB="0">
-                    <a:lnL w="12700" cap="flat" cmpd="sng" algn="ctr">
-                      <a:solidFill>
-                        <a:srgbClr val="000000"/>
-                      </a:solidFill>
-                      <a:prstDash val="solid"/>
-                      <a:round/>
-                      <a:headEnd type="none" w="med" len="med"/>
-                      <a:tailEnd type="none" w="med" len="med"/>
-                    </a:lnL>
-                    <a:lnR>
-                      <a:noFill/>
-                    </a:lnR>
-                    <a:lnT>
-                      <a:noFill/>
-                    </a:lnT>
-                    <a:lnB>
-                      <a:noFill/>
-                    </a:lnB>
-                  </a:tcPr>
-                </a:tc>
-                <a:tc>
-                  <a:txBody>
-                    <a:bodyPr/>
-                    <a:lstStyle/>
-                    <a:p>
-                      <a:pPr marL="0" marR="0" algn="r">
-                        <a:lnSpc>
-                          <a:spcPct val="107000"/>
-                        </a:lnSpc>
-                        <a:spcBef>
-                          <a:spcPts val="0"/>
-                        </a:spcBef>
-                        <a:spcAft>
-                          <a:spcPts val="0"/>
-                        </a:spcAft>
-                      </a:pPr>
-                      <a:r>
-                        <a:rPr lang="en-US" sz="900" dirty="0">
-                          <a:effectLst/>
-                          <a:latin typeface="Times New Roman" panose="02020603050405020304" pitchFamily="18" charset="0"/>
-                          <a:ea typeface="Calibri" panose="020F0502020204030204" pitchFamily="34" charset="0"/>
-                          <a:cs typeface="Times New Roman" panose="02020603050405020304" pitchFamily="18" charset="0"/>
-                        </a:rPr>
-                        <a:t>0.2159</a:t>
-                      </a:r>
-                      <a:endParaRPr lang="en-US" sz="900" dirty="0">
-                        <a:effectLst/>
-                        <a:latin typeface="Calibri" panose="020F0502020204030204" pitchFamily="34" charset="0"/>
-                        <a:ea typeface="Calibri" panose="020F0502020204030204" pitchFamily="34" charset="0"/>
-                        <a:cs typeface="Times New Roman" panose="02020603050405020304" pitchFamily="18" charset="0"/>
-                      </a:endParaRPr>
-                    </a:p>
-                  </a:txBody>
-                  <a:tcPr marL="63872" marR="63872" marT="0" marB="0">
-                    <a:lnL>
-                      <a:noFill/>
-                    </a:lnL>
-                    <a:lnR>
-                      <a:noFill/>
-                    </a:lnR>
-                    <a:lnT>
-                      <a:noFill/>
-                    </a:lnT>
-                    <a:lnB>
-                      <a:noFill/>
-                    </a:lnB>
-                  </a:tcPr>
-                </a:tc>
-                <a:tc>
-                  <a:txBody>
-                    <a:bodyPr/>
-                    <a:lstStyle/>
-                    <a:p>
-                      <a:pPr marL="0" marR="0" algn="r">
-                        <a:lnSpc>
-                          <a:spcPct val="107000"/>
-                        </a:lnSpc>
-                        <a:spcBef>
-                          <a:spcPts val="0"/>
-                        </a:spcBef>
-                        <a:spcAft>
-                          <a:spcPts val="0"/>
-                        </a:spcAft>
-                      </a:pPr>
-                      <a:r>
-                        <a:rPr lang="en-US" sz="900" dirty="0">
-                          <a:effectLst/>
-                          <a:latin typeface="Times New Roman" panose="02020603050405020304" pitchFamily="18" charset="0"/>
-                          <a:ea typeface="Calibri" panose="020F0502020204030204" pitchFamily="34" charset="0"/>
-                          <a:cs typeface="Times New Roman" panose="02020603050405020304" pitchFamily="18" charset="0"/>
-                        </a:rPr>
-                        <a:t>752</a:t>
-                      </a:r>
-                      <a:endParaRPr lang="en-US" sz="900" dirty="0">
-                        <a:effectLst/>
-                        <a:latin typeface="Calibri" panose="020F0502020204030204" pitchFamily="34" charset="0"/>
-                        <a:ea typeface="Calibri" panose="020F0502020204030204" pitchFamily="34" charset="0"/>
-                        <a:cs typeface="Times New Roman" panose="02020603050405020304" pitchFamily="18" charset="0"/>
-                      </a:endParaRPr>
-                    </a:p>
-                  </a:txBody>
-                  <a:tcPr marL="63872" marR="63872" marT="0" marB="0">
-                    <a:lnL>
-                      <a:noFill/>
-                    </a:lnL>
-                    <a:lnR>
-                      <a:noFill/>
-                    </a:lnR>
-                    <a:lnT>
-                      <a:noFill/>
-                    </a:lnT>
-                    <a:lnB>
-                      <a:noFill/>
-                    </a:lnB>
-                  </a:tcPr>
-                </a:tc>
-                <a:tc>
-                  <a:txBody>
-                    <a:bodyPr/>
-                    <a:lstStyle/>
-                    <a:p>
-                      <a:pPr marL="0" marR="0" algn="r">
-                        <a:lnSpc>
-                          <a:spcPct val="107000"/>
-                        </a:lnSpc>
-                        <a:spcBef>
-                          <a:spcPts val="0"/>
-                        </a:spcBef>
-                        <a:spcAft>
-                          <a:spcPts val="0"/>
-                        </a:spcAft>
-                      </a:pPr>
-                      <a:r>
-                        <a:rPr lang="en-US" sz="900" dirty="0">
-                          <a:effectLst/>
-                          <a:latin typeface="Times New Roman" panose="02020603050405020304" pitchFamily="18" charset="0"/>
-                          <a:ea typeface="Calibri" panose="020F0502020204030204" pitchFamily="34" charset="0"/>
-                          <a:cs typeface="Times New Roman" panose="02020603050405020304" pitchFamily="18" charset="0"/>
-                        </a:rPr>
-                        <a:t>-2.96</a:t>
-                      </a:r>
-                      <a:endParaRPr lang="en-US" sz="900" dirty="0">
-                        <a:effectLst/>
-                        <a:latin typeface="Calibri" panose="020F0502020204030204" pitchFamily="34" charset="0"/>
-                        <a:ea typeface="Calibri" panose="020F0502020204030204" pitchFamily="34" charset="0"/>
-                        <a:cs typeface="Times New Roman" panose="02020603050405020304" pitchFamily="18" charset="0"/>
-                      </a:endParaRPr>
-                    </a:p>
-                  </a:txBody>
-                  <a:tcPr marL="63872" marR="63872" marT="0" marB="0">
-                    <a:lnL>
-                      <a:noFill/>
-                    </a:lnL>
-                    <a:lnR>
-                      <a:noFill/>
-                    </a:lnR>
-                    <a:lnT>
-                      <a:noFill/>
-                    </a:lnT>
-                    <a:lnB>
-                      <a:noFill/>
-                    </a:lnB>
-                  </a:tcPr>
-                </a:tc>
-                <a:tc>
-                  <a:txBody>
-                    <a:bodyPr/>
-                    <a:lstStyle/>
-                    <a:p>
-                      <a:pPr marL="0" marR="0" algn="r">
-                        <a:lnSpc>
-                          <a:spcPct val="107000"/>
-                        </a:lnSpc>
-                        <a:spcBef>
-                          <a:spcPts val="0"/>
-                        </a:spcBef>
-                        <a:spcAft>
-                          <a:spcPts val="0"/>
-                        </a:spcAft>
-                      </a:pPr>
-                      <a:r>
-                        <a:rPr lang="en-US" sz="900" dirty="0">
-                          <a:effectLst/>
-                          <a:latin typeface="Times New Roman" panose="02020603050405020304" pitchFamily="18" charset="0"/>
-                          <a:ea typeface="Calibri" panose="020F0502020204030204" pitchFamily="34" charset="0"/>
-                          <a:cs typeface="Times New Roman" panose="02020603050405020304" pitchFamily="18" charset="0"/>
-                        </a:rPr>
-                        <a:t>0.0032</a:t>
-                      </a:r>
-                      <a:endParaRPr lang="en-US" sz="900" dirty="0">
-                        <a:effectLst/>
-                        <a:latin typeface="Calibri" panose="020F0502020204030204" pitchFamily="34" charset="0"/>
-                        <a:ea typeface="Calibri" panose="020F0502020204030204" pitchFamily="34" charset="0"/>
-                        <a:cs typeface="Times New Roman" panose="02020603050405020304" pitchFamily="18" charset="0"/>
-                      </a:endParaRPr>
-                    </a:p>
-                  </a:txBody>
-                  <a:tcPr marL="63872" marR="63872" marT="0" marB="0">
-                    <a:lnL>
-                      <a:noFill/>
-                    </a:lnL>
-                    <a:lnR>
-                      <a:noFill/>
-                    </a:lnR>
-                    <a:lnT>
-                      <a:noFill/>
-                    </a:lnT>
-                    <a:lnB>
-                      <a:noFill/>
-                    </a:lnB>
-                  </a:tcPr>
-                </a:tc>
-                <a:extLst>
-                  <a:ext uri="{0D108BD9-81ED-4DB2-BD59-A6C34878D82A}">
-                    <a16:rowId xmlns:a16="http://schemas.microsoft.com/office/drawing/2014/main" val="680144019"/>
+                    <a16:rowId xmlns:a16="http://schemas.microsoft.com/office/drawing/2014/main" val="742301055"/>
                   </a:ext>
                 </a:extLst>
               </a:tr>
@@ -12181,10 +8916,10 @@
       </p:graphicFrame>
       <p:graphicFrame>
         <p:nvGraphicFramePr>
-          <p:cNvPr id="6" name="Table 5">
+          <p:cNvPr id="9" name="Table 8">
             <a:extLst>
               <a:ext uri="{FF2B5EF4-FFF2-40B4-BE49-F238E27FC236}">
-                <a16:creationId xmlns:a16="http://schemas.microsoft.com/office/drawing/2014/main" id="{35CC5CF2-B018-4E7A-878E-A58543C7C2F2}"/>
+                <a16:creationId xmlns:a16="http://schemas.microsoft.com/office/drawing/2014/main" id="{9B656CA6-4C10-46F2-A137-7F4043DE96FC}"/>
               </a:ext>
             </a:extLst>
           </p:cNvPr>
@@ -12194,52 +8929,52 @@
           <p:nvPr>
             <p:extLst>
               <p:ext uri="{D42A27DB-BD31-4B8C-83A1-F6EECF244321}">
-                <p14:modId xmlns:p14="http://schemas.microsoft.com/office/powerpoint/2010/main" val="3708273065"/>
+                <p14:modId xmlns:p14="http://schemas.microsoft.com/office/powerpoint/2010/main" val="1410436963"/>
               </p:ext>
             </p:extLst>
           </p:nvPr>
         </p:nvGraphicFramePr>
         <p:xfrm>
-          <a:off x="3534200" y="5120641"/>
-          <a:ext cx="3433445" cy="930024"/>
+          <a:off x="7015518" y="4679099"/>
+          <a:ext cx="3906520" cy="1302833"/>
         </p:xfrm>
         <a:graphic>
           <a:graphicData uri="http://schemas.openxmlformats.org/drawingml/2006/table">
             <a:tbl>
               <a:tblPr firstRow="1" firstCol="1" bandRow="1"/>
               <a:tblGrid>
-                <a:gridCol w="956310">
+                <a:gridCol w="1120140">
                   <a:extLst>
                     <a:ext uri="{9D8B030D-6E8A-4147-A177-3AD203B41FA5}">
-                      <a16:colId xmlns:a16="http://schemas.microsoft.com/office/drawing/2014/main" val="3573444631"/>
+                      <a16:colId xmlns:a16="http://schemas.microsoft.com/office/drawing/2014/main" val="1681145843"/>
                     </a:ext>
                   </a:extLst>
                 </a:gridCol>
-                <a:gridCol w="669925">
+                <a:gridCol w="776605">
                   <a:extLst>
                     <a:ext uri="{9D8B030D-6E8A-4147-A177-3AD203B41FA5}">
-                      <a16:colId xmlns:a16="http://schemas.microsoft.com/office/drawing/2014/main" val="4194016944"/>
+                      <a16:colId xmlns:a16="http://schemas.microsoft.com/office/drawing/2014/main" val="2496077501"/>
                     </a:ext>
                   </a:extLst>
                 </a:gridCol>
-                <a:gridCol w="621030">
+                <a:gridCol w="717550">
                   <a:extLst>
                     <a:ext uri="{9D8B030D-6E8A-4147-A177-3AD203B41FA5}">
-                      <a16:colId xmlns:a16="http://schemas.microsoft.com/office/drawing/2014/main" val="575828088"/>
+                      <a16:colId xmlns:a16="http://schemas.microsoft.com/office/drawing/2014/main" val="2558667090"/>
                     </a:ext>
                   </a:extLst>
                 </a:gridCol>
-                <a:gridCol w="628015">
+                <a:gridCol w="725805">
                   <a:extLst>
                     <a:ext uri="{9D8B030D-6E8A-4147-A177-3AD203B41FA5}">
-                      <a16:colId xmlns:a16="http://schemas.microsoft.com/office/drawing/2014/main" val="2995840798"/>
+                      <a16:colId xmlns:a16="http://schemas.microsoft.com/office/drawing/2014/main" val="3188453222"/>
                     </a:ext>
                   </a:extLst>
                 </a:gridCol>
-                <a:gridCol w="558165">
+                <a:gridCol w="566420">
                   <a:extLst>
                     <a:ext uri="{9D8B030D-6E8A-4147-A177-3AD203B41FA5}">
-                      <a16:colId xmlns:a16="http://schemas.microsoft.com/office/drawing/2014/main" val="143531931"/>
+                      <a16:colId xmlns:a16="http://schemas.microsoft.com/office/drawing/2014/main" val="2465904986"/>
                     </a:ext>
                   </a:extLst>
                 </a:gridCol>
@@ -12262,7 +8997,7 @@
                         </a:spcAft>
                       </a:pPr>
                       <a:r>
-                        <a:rPr lang="en-US" sz="1000" b="1" dirty="0">
+                        <a:rPr lang="en-US" sz="1200" b="1">
                           <a:effectLst/>
                           <a:latin typeface="Times New Roman" panose="02020603050405020304" pitchFamily="18" charset="0"/>
                           <a:ea typeface="Calibri" panose="020F0502020204030204" pitchFamily="34" charset="0"/>
@@ -12270,7 +9005,7 @@
                         </a:rPr>
                         <a:t>Effect</a:t>
                       </a:r>
-                      <a:endParaRPr lang="en-US" sz="1100" dirty="0">
+                      <a:endParaRPr lang="en-US" sz="1100">
                         <a:effectLst/>
                         <a:latin typeface="Calibri" panose="020F0502020204030204" pitchFamily="34" charset="0"/>
                         <a:ea typeface="Calibri" panose="020F0502020204030204" pitchFamily="34" charset="0"/>
@@ -12322,7 +9057,7 @@
                         </a:spcAft>
                       </a:pPr>
                       <a:r>
-                        <a:rPr lang="en-US" sz="1000" b="1">
+                        <a:rPr lang="en-US" sz="1200" b="1">
                           <a:effectLst/>
                           <a:latin typeface="Times New Roman" panose="02020603050405020304" pitchFamily="18" charset="0"/>
                           <a:ea typeface="Calibri" panose="020F0502020204030204" pitchFamily="34" charset="0"/>
@@ -12382,7 +9117,7 @@
                         </a:spcAft>
                       </a:pPr>
                       <a:r>
-                        <a:rPr lang="en-US" sz="1000" b="1">
+                        <a:rPr lang="en-US" sz="1200" b="1">
                           <a:effectLst/>
                           <a:latin typeface="Times New Roman" panose="02020603050405020304" pitchFamily="18" charset="0"/>
                           <a:ea typeface="Calibri" panose="020F0502020204030204" pitchFamily="34" charset="0"/>
@@ -12436,7 +9171,7 @@
                         </a:spcAft>
                       </a:pPr>
                       <a:r>
-                        <a:rPr lang="en-US" sz="1000" b="1">
+                        <a:rPr lang="en-US" sz="1200" b="1">
                           <a:effectLst/>
                           <a:latin typeface="Times New Roman" panose="02020603050405020304" pitchFamily="18" charset="0"/>
                           <a:ea typeface="Calibri" panose="020F0502020204030204" pitchFamily="34" charset="0"/>
@@ -12490,7 +9225,7 @@
                         </a:spcAft>
                       </a:pPr>
                       <a:r>
-                        <a:rPr lang="en-US" sz="1000" b="1">
+                        <a:rPr lang="en-US" sz="1200" b="1">
                           <a:effectLst/>
                           <a:latin typeface="Times New Roman" panose="02020603050405020304" pitchFamily="18" charset="0"/>
                           <a:ea typeface="Calibri" panose="020F0502020204030204" pitchFamily="34" charset="0"/>
@@ -12529,7 +9264,7 @@
                 </a:tc>
                 <a:extLst>
                   <a:ext uri="{0D108BD9-81ED-4DB2-BD59-A6C34878D82A}">
-                    <a16:rowId xmlns:a16="http://schemas.microsoft.com/office/drawing/2014/main" val="2076994077"/>
+                    <a16:rowId xmlns:a16="http://schemas.microsoft.com/office/drawing/2014/main" val="2866429029"/>
                   </a:ext>
                 </a:extLst>
               </a:tr>
@@ -12551,7 +9286,7 @@
                         </a:spcAft>
                       </a:pPr>
                       <a:r>
-                        <a:rPr lang="en-US" sz="1000" b="1">
+                        <a:rPr lang="en-US" sz="1200" b="1">
                           <a:effectLst/>
                           <a:latin typeface="Times New Roman" panose="02020603050405020304" pitchFamily="18" charset="0"/>
                           <a:ea typeface="Calibri" panose="020F0502020204030204" pitchFamily="34" charset="0"/>
@@ -12611,7 +9346,7 @@
                         </a:spcAft>
                       </a:pPr>
                       <a:r>
-                        <a:rPr lang="en-US" sz="1000">
+                        <a:rPr lang="en-US" sz="1200">
                           <a:effectLst/>
                           <a:latin typeface="Times New Roman" panose="02020603050405020304" pitchFamily="18" charset="0"/>
                           <a:ea typeface="Calibri" panose="020F0502020204030204" pitchFamily="34" charset="0"/>
@@ -12671,13 +9406,13 @@
                         </a:spcAft>
                       </a:pPr>
                       <a:r>
-                        <a:rPr lang="en-US" sz="1000">
+                        <a:rPr lang="en-US" sz="1200">
                           <a:effectLst/>
                           <a:latin typeface="Times New Roman" panose="02020603050405020304" pitchFamily="18" charset="0"/>
                           <a:ea typeface="Calibri" panose="020F0502020204030204" pitchFamily="34" charset="0"/>
                           <a:cs typeface="Times New Roman" panose="02020603050405020304" pitchFamily="18" charset="0"/>
                         </a:rPr>
-                        <a:t>83</a:t>
+                        <a:t>3149</a:t>
                       </a:r>
                       <a:endParaRPr lang="en-US" sz="1100">
                         <a:effectLst/>
@@ -12725,13 +9460,13 @@
                         </a:spcAft>
                       </a:pPr>
                       <a:r>
-                        <a:rPr lang="en-US" sz="1000">
+                        <a:rPr lang="en-US" sz="1200">
                           <a:effectLst/>
                           <a:latin typeface="Times New Roman" panose="02020603050405020304" pitchFamily="18" charset="0"/>
                           <a:ea typeface="Calibri" panose="020F0502020204030204" pitchFamily="34" charset="0"/>
                           <a:cs typeface="Times New Roman" panose="02020603050405020304" pitchFamily="18" charset="0"/>
                         </a:rPr>
-                        <a:t>1.55</a:t>
+                        <a:t>2.40</a:t>
                       </a:r>
                       <a:endParaRPr lang="en-US" sz="1100">
                         <a:effectLst/>
@@ -12779,13 +9514,13 @@
                         </a:spcAft>
                       </a:pPr>
                       <a:r>
-                        <a:rPr lang="en-US" sz="1000">
+                        <a:rPr lang="en-US" sz="1200">
                           <a:effectLst/>
                           <a:latin typeface="Times New Roman" panose="02020603050405020304" pitchFamily="18" charset="0"/>
                           <a:ea typeface="Calibri" panose="020F0502020204030204" pitchFamily="34" charset="0"/>
                           <a:cs typeface="Times New Roman" panose="02020603050405020304" pitchFamily="18" charset="0"/>
                         </a:rPr>
-                        <a:t>0.2183</a:t>
+                        <a:t>0.0907</a:t>
                       </a:r>
                       <a:endParaRPr lang="en-US" sz="1100">
                         <a:effectLst/>
@@ -12818,7 +9553,7 @@
                 </a:tc>
                 <a:extLst>
                   <a:ext uri="{0D108BD9-81ED-4DB2-BD59-A6C34878D82A}">
-                    <a16:rowId xmlns:a16="http://schemas.microsoft.com/office/drawing/2014/main" val="1643019151"/>
+                    <a16:rowId xmlns:a16="http://schemas.microsoft.com/office/drawing/2014/main" val="1697654508"/>
                   </a:ext>
                 </a:extLst>
               </a:tr>
@@ -12840,7 +9575,7 @@
                         </a:spcAft>
                       </a:pPr>
                       <a:r>
-                        <a:rPr lang="en-US" sz="1000" b="1">
+                        <a:rPr lang="en-US" sz="1200" b="1">
                           <a:effectLst/>
                           <a:latin typeface="Times New Roman" panose="02020603050405020304" pitchFamily="18" charset="0"/>
                           <a:ea typeface="Calibri" panose="020F0502020204030204" pitchFamily="34" charset="0"/>
@@ -12894,7 +9629,266 @@
                         </a:spcAft>
                       </a:pPr>
                       <a:r>
-                        <a:rPr lang="en-US" sz="1000">
+                        <a:rPr lang="en-US" sz="1200" dirty="0">
+                          <a:effectLst/>
+                          <a:latin typeface="Times New Roman" panose="02020603050405020304" pitchFamily="18" charset="0"/>
+                          <a:ea typeface="Calibri" panose="020F0502020204030204" pitchFamily="34" charset="0"/>
+                          <a:cs typeface="Times New Roman" panose="02020603050405020304" pitchFamily="18" charset="0"/>
+                        </a:rPr>
+                        <a:t>1</a:t>
+                      </a:r>
+                      <a:endParaRPr lang="en-US" sz="1100" dirty="0">
+                        <a:effectLst/>
+                        <a:latin typeface="Calibri" panose="020F0502020204030204" pitchFamily="34" charset="0"/>
+                        <a:ea typeface="Calibri" panose="020F0502020204030204" pitchFamily="34" charset="0"/>
+                        <a:cs typeface="Times New Roman" panose="02020603050405020304" pitchFamily="18" charset="0"/>
+                      </a:endParaRPr>
+                    </a:p>
+                  </a:txBody>
+                  <a:tcPr marL="68580" marR="68580" marT="0" marB="0">
+                    <a:lnL w="12700" cap="flat" cmpd="sng" algn="ctr">
+                      <a:solidFill>
+                        <a:srgbClr val="000000"/>
+                      </a:solidFill>
+                      <a:prstDash val="solid"/>
+                      <a:round/>
+                      <a:headEnd type="none" w="med" len="med"/>
+                      <a:tailEnd type="none" w="med" len="med"/>
+                    </a:lnL>
+                    <a:lnR>
+                      <a:noFill/>
+                    </a:lnR>
+                    <a:lnT>
+                      <a:noFill/>
+                    </a:lnT>
+                    <a:lnB>
+                      <a:noFill/>
+                    </a:lnB>
+                  </a:tcPr>
+                </a:tc>
+                <a:tc>
+                  <a:txBody>
+                    <a:bodyPr/>
+                    <a:lstStyle/>
+                    <a:p>
+                      <a:pPr marL="0" marR="0" algn="r">
+                        <a:lnSpc>
+                          <a:spcPct val="107000"/>
+                        </a:lnSpc>
+                        <a:spcBef>
+                          <a:spcPts val="0"/>
+                        </a:spcBef>
+                        <a:spcAft>
+                          <a:spcPts val="0"/>
+                        </a:spcAft>
+                      </a:pPr>
+                      <a:r>
+                        <a:rPr lang="en-US" sz="1200">
+                          <a:effectLst/>
+                          <a:latin typeface="Times New Roman" panose="02020603050405020304" pitchFamily="18" charset="0"/>
+                          <a:ea typeface="Calibri" panose="020F0502020204030204" pitchFamily="34" charset="0"/>
+                          <a:cs typeface="Times New Roman" panose="02020603050405020304" pitchFamily="18" charset="0"/>
+                        </a:rPr>
+                        <a:t>3149</a:t>
+                      </a:r>
+                      <a:endParaRPr lang="en-US" sz="1100">
+                        <a:effectLst/>
+                        <a:latin typeface="Calibri" panose="020F0502020204030204" pitchFamily="34" charset="0"/>
+                        <a:ea typeface="Calibri" panose="020F0502020204030204" pitchFamily="34" charset="0"/>
+                        <a:cs typeface="Times New Roman" panose="02020603050405020304" pitchFamily="18" charset="0"/>
+                      </a:endParaRPr>
+                    </a:p>
+                  </a:txBody>
+                  <a:tcPr marL="68580" marR="68580" marT="0" marB="0">
+                    <a:lnL>
+                      <a:noFill/>
+                    </a:lnL>
+                    <a:lnR>
+                      <a:noFill/>
+                    </a:lnR>
+                    <a:lnT>
+                      <a:noFill/>
+                    </a:lnT>
+                    <a:lnB>
+                      <a:noFill/>
+                    </a:lnB>
+                  </a:tcPr>
+                </a:tc>
+                <a:tc>
+                  <a:txBody>
+                    <a:bodyPr/>
+                    <a:lstStyle/>
+                    <a:p>
+                      <a:pPr marL="0" marR="0" algn="r">
+                        <a:lnSpc>
+                          <a:spcPct val="107000"/>
+                        </a:lnSpc>
+                        <a:spcBef>
+                          <a:spcPts val="0"/>
+                        </a:spcBef>
+                        <a:spcAft>
+                          <a:spcPts val="0"/>
+                        </a:spcAft>
+                      </a:pPr>
+                      <a:r>
+                        <a:rPr lang="en-US" sz="1200">
+                          <a:effectLst/>
+                          <a:latin typeface="Times New Roman" panose="02020603050405020304" pitchFamily="18" charset="0"/>
+                          <a:ea typeface="Calibri" panose="020F0502020204030204" pitchFamily="34" charset="0"/>
+                          <a:cs typeface="Times New Roman" panose="02020603050405020304" pitchFamily="18" charset="0"/>
+                        </a:rPr>
+                        <a:t>16.50</a:t>
+                      </a:r>
+                      <a:endParaRPr lang="en-US" sz="1100">
+                        <a:effectLst/>
+                        <a:latin typeface="Calibri" panose="020F0502020204030204" pitchFamily="34" charset="0"/>
+                        <a:ea typeface="Calibri" panose="020F0502020204030204" pitchFamily="34" charset="0"/>
+                        <a:cs typeface="Times New Roman" panose="02020603050405020304" pitchFamily="18" charset="0"/>
+                      </a:endParaRPr>
+                    </a:p>
+                  </a:txBody>
+                  <a:tcPr marL="68580" marR="68580" marT="0" marB="0">
+                    <a:lnL>
+                      <a:noFill/>
+                    </a:lnL>
+                    <a:lnR>
+                      <a:noFill/>
+                    </a:lnR>
+                    <a:lnT>
+                      <a:noFill/>
+                    </a:lnT>
+                    <a:lnB>
+                      <a:noFill/>
+                    </a:lnB>
+                  </a:tcPr>
+                </a:tc>
+                <a:tc>
+                  <a:txBody>
+                    <a:bodyPr/>
+                    <a:lstStyle/>
+                    <a:p>
+                      <a:pPr marL="0" marR="0" algn="r">
+                        <a:lnSpc>
+                          <a:spcPct val="107000"/>
+                        </a:lnSpc>
+                        <a:spcBef>
+                          <a:spcPts val="0"/>
+                        </a:spcBef>
+                        <a:spcAft>
+                          <a:spcPts val="0"/>
+                        </a:spcAft>
+                      </a:pPr>
+                      <a:r>
+                        <a:rPr lang="en-US" sz="1200">
+                          <a:effectLst/>
+                          <a:latin typeface="Times New Roman" panose="02020603050405020304" pitchFamily="18" charset="0"/>
+                          <a:ea typeface="Calibri" panose="020F0502020204030204" pitchFamily="34" charset="0"/>
+                          <a:cs typeface="Times New Roman" panose="02020603050405020304" pitchFamily="18" charset="0"/>
+                        </a:rPr>
+                        <a:t>&lt;.0001</a:t>
+                      </a:r>
+                      <a:endParaRPr lang="en-US" sz="1100">
+                        <a:effectLst/>
+                        <a:latin typeface="Calibri" panose="020F0502020204030204" pitchFamily="34" charset="0"/>
+                        <a:ea typeface="Calibri" panose="020F0502020204030204" pitchFamily="34" charset="0"/>
+                        <a:cs typeface="Times New Roman" panose="02020603050405020304" pitchFamily="18" charset="0"/>
+                      </a:endParaRPr>
+                    </a:p>
+                  </a:txBody>
+                  <a:tcPr marL="68580" marR="68580" marT="0" marB="0">
+                    <a:lnL>
+                      <a:noFill/>
+                    </a:lnL>
+                    <a:lnR>
+                      <a:noFill/>
+                    </a:lnR>
+                    <a:lnT>
+                      <a:noFill/>
+                    </a:lnT>
+                    <a:lnB>
+                      <a:noFill/>
+                    </a:lnB>
+                  </a:tcPr>
+                </a:tc>
+                <a:extLst>
+                  <a:ext uri="{0D108BD9-81ED-4DB2-BD59-A6C34878D82A}">
+                    <a16:rowId xmlns:a16="http://schemas.microsoft.com/office/drawing/2014/main" val="1443554657"/>
+                  </a:ext>
+                </a:extLst>
+              </a:tr>
+              <a:tr h="0">
+                <a:tc>
+                  <a:txBody>
+                    <a:bodyPr/>
+                    <a:lstStyle/>
+                    <a:p>
+                      <a:pPr marL="0" marR="0" algn="l">
+                        <a:lnSpc>
+                          <a:spcPct val="107000"/>
+                        </a:lnSpc>
+                        <a:spcBef>
+                          <a:spcPts val="0"/>
+                        </a:spcBef>
+                        <a:spcAft>
+                          <a:spcPts val="0"/>
+                        </a:spcAft>
+                      </a:pPr>
+                      <a:r>
+                        <a:rPr lang="en-US" sz="1200" b="1">
+                          <a:effectLst/>
+                          <a:latin typeface="Times New Roman" panose="02020603050405020304" pitchFamily="18" charset="0"/>
+                          <a:ea typeface="Calibri" panose="020F0502020204030204" pitchFamily="34" charset="0"/>
+                          <a:cs typeface="Times New Roman" panose="02020603050405020304" pitchFamily="18" charset="0"/>
+                        </a:rPr>
+                        <a:t>Age </a:t>
+                      </a:r>
+                      <a:endParaRPr lang="en-US" sz="1100">
+                        <a:effectLst/>
+                        <a:latin typeface="Calibri" panose="020F0502020204030204" pitchFamily="34" charset="0"/>
+                        <a:ea typeface="Calibri" panose="020F0502020204030204" pitchFamily="34" charset="0"/>
+                        <a:cs typeface="Times New Roman" panose="02020603050405020304" pitchFamily="18" charset="0"/>
+                      </a:endParaRPr>
+                    </a:p>
+                  </a:txBody>
+                  <a:tcPr marL="68580" marR="68580" marT="0" marB="0">
+                    <a:lnL>
+                      <a:noFill/>
+                    </a:lnL>
+                    <a:lnR w="12700" cap="flat" cmpd="sng" algn="ctr">
+                      <a:solidFill>
+                        <a:srgbClr val="000000"/>
+                      </a:solidFill>
+                      <a:prstDash val="solid"/>
+                      <a:round/>
+                      <a:headEnd type="none" w="med" len="med"/>
+                      <a:tailEnd type="none" w="med" len="med"/>
+                    </a:lnR>
+                    <a:lnT>
+                      <a:noFill/>
+                    </a:lnT>
+                    <a:lnB>
+                      <a:noFill/>
+                    </a:lnB>
+                  </a:tcPr>
+                </a:tc>
+                <a:tc>
+                  <a:txBody>
+                    <a:bodyPr/>
+                    <a:lstStyle/>
+                    <a:p>
+                      <a:pPr marL="0" marR="0" algn="r">
+                        <a:lnSpc>
+                          <a:spcPct val="107000"/>
+                        </a:lnSpc>
+                        <a:spcBef>
+                          <a:spcPts val="0"/>
+                        </a:spcBef>
+                        <a:spcAft>
+                          <a:spcPts val="0"/>
+                        </a:spcAft>
+                      </a:pPr>
+                      <a:r>
+                        <a:rPr lang="en-US" sz="1200">
                           <a:effectLst/>
                           <a:latin typeface="Times New Roman" panose="02020603050405020304" pitchFamily="18" charset="0"/>
                           <a:ea typeface="Calibri" panose="020F0502020204030204" pitchFamily="34" charset="0"/>
@@ -12948,15 +9942,15 @@
                         </a:spcAft>
                       </a:pPr>
                       <a:r>
-                        <a:rPr lang="en-US" sz="1000" dirty="0">
+                        <a:rPr lang="en-US" sz="1200">
                           <a:effectLst/>
                           <a:latin typeface="Times New Roman" panose="02020603050405020304" pitchFamily="18" charset="0"/>
                           <a:ea typeface="Calibri" panose="020F0502020204030204" pitchFamily="34" charset="0"/>
                           <a:cs typeface="Times New Roman" panose="02020603050405020304" pitchFamily="18" charset="0"/>
                         </a:rPr>
-                        <a:t>83</a:t>
+                        <a:t>3149</a:t>
                       </a:r>
-                      <a:endParaRPr lang="en-US" sz="1100" dirty="0">
+                      <a:endParaRPr lang="en-US" sz="1100">
                         <a:effectLst/>
                         <a:latin typeface="Calibri" panose="020F0502020204030204" pitchFamily="34" charset="0"/>
                         <a:ea typeface="Calibri" panose="020F0502020204030204" pitchFamily="34" charset="0"/>
@@ -12996,13 +9990,13 @@
                         </a:spcAft>
                       </a:pPr>
                       <a:r>
-                        <a:rPr lang="en-US" sz="1000">
+                        <a:rPr lang="en-US" sz="1200">
                           <a:effectLst/>
                           <a:latin typeface="Times New Roman" panose="02020603050405020304" pitchFamily="18" charset="0"/>
                           <a:ea typeface="Calibri" panose="020F0502020204030204" pitchFamily="34" charset="0"/>
                           <a:cs typeface="Times New Roman" panose="02020603050405020304" pitchFamily="18" charset="0"/>
                         </a:rPr>
-                        <a:t>16.38</a:t>
+                        <a:t>0.82</a:t>
                       </a:r>
                       <a:endParaRPr lang="en-US" sz="1100">
                         <a:effectLst/>
@@ -13044,13 +10038,13 @@
                         </a:spcAft>
                       </a:pPr>
                       <a:r>
-                        <a:rPr lang="en-US" sz="1000">
+                        <a:rPr lang="en-US" sz="1200">
                           <a:effectLst/>
                           <a:latin typeface="Times New Roman" panose="02020603050405020304" pitchFamily="18" charset="0"/>
                           <a:ea typeface="Calibri" panose="020F0502020204030204" pitchFamily="34" charset="0"/>
                           <a:cs typeface="Times New Roman" panose="02020603050405020304" pitchFamily="18" charset="0"/>
                         </a:rPr>
-                        <a:t>0.0001</a:t>
+                        <a:t>0.3650</a:t>
                       </a:r>
                       <a:endParaRPr lang="en-US" sz="1100">
                         <a:effectLst/>
@@ -13077,7 +10071,7 @@
                 </a:tc>
                 <a:extLst>
                   <a:ext uri="{0D108BD9-81ED-4DB2-BD59-A6C34878D82A}">
-                    <a16:rowId xmlns:a16="http://schemas.microsoft.com/office/drawing/2014/main" val="2927322754"/>
+                    <a16:rowId xmlns:a16="http://schemas.microsoft.com/office/drawing/2014/main" val="4198192305"/>
                   </a:ext>
                 </a:extLst>
               </a:tr>
@@ -13099,7 +10093,7 @@
                         </a:spcAft>
                       </a:pPr>
                       <a:r>
-                        <a:rPr lang="en-US" sz="1000" b="1">
+                        <a:rPr lang="en-US" sz="1200" b="1">
                           <a:effectLst/>
                           <a:latin typeface="Times New Roman" panose="02020603050405020304" pitchFamily="18" charset="0"/>
                           <a:ea typeface="Calibri" panose="020F0502020204030204" pitchFamily="34" charset="0"/>
@@ -13153,7 +10147,7 @@
                         </a:spcAft>
                       </a:pPr>
                       <a:r>
-                        <a:rPr lang="en-US" sz="1000">
+                        <a:rPr lang="en-US" sz="1200">
                           <a:effectLst/>
                           <a:latin typeface="Times New Roman" panose="02020603050405020304" pitchFamily="18" charset="0"/>
                           <a:ea typeface="Calibri" panose="020F0502020204030204" pitchFamily="34" charset="0"/>
@@ -13207,13 +10201,13 @@
                         </a:spcAft>
                       </a:pPr>
                       <a:r>
-                        <a:rPr lang="en-US" sz="1000">
+                        <a:rPr lang="en-US" sz="1200">
                           <a:effectLst/>
                           <a:latin typeface="Times New Roman" panose="02020603050405020304" pitchFamily="18" charset="0"/>
                           <a:ea typeface="Calibri" panose="020F0502020204030204" pitchFamily="34" charset="0"/>
                           <a:cs typeface="Times New Roman" panose="02020603050405020304" pitchFamily="18" charset="0"/>
                         </a:rPr>
-                        <a:t>83</a:t>
+                        <a:t>3149</a:t>
                       </a:r>
                       <a:endParaRPr lang="en-US" sz="1100">
                         <a:effectLst/>
@@ -13255,13 +10249,13 @@
                         </a:spcAft>
                       </a:pPr>
                       <a:r>
-                        <a:rPr lang="en-US" sz="1000">
+                        <a:rPr lang="en-US" sz="1200">
                           <a:effectLst/>
                           <a:latin typeface="Times New Roman" panose="02020603050405020304" pitchFamily="18" charset="0"/>
                           <a:ea typeface="Calibri" panose="020F0502020204030204" pitchFamily="34" charset="0"/>
                           <a:cs typeface="Times New Roman" panose="02020603050405020304" pitchFamily="18" charset="0"/>
                         </a:rPr>
-                        <a:t>3.64</a:t>
+                        <a:t>3.11</a:t>
                       </a:r>
                       <a:endParaRPr lang="en-US" sz="1100">
                         <a:effectLst/>
@@ -13303,13 +10297,13 @@
                         </a:spcAft>
                       </a:pPr>
                       <a:r>
-                        <a:rPr lang="en-US" sz="1000">
+                        <a:rPr lang="en-US" sz="1200">
                           <a:effectLst/>
                           <a:latin typeface="Times New Roman" panose="02020603050405020304" pitchFamily="18" charset="0"/>
                           <a:ea typeface="Calibri" panose="020F0502020204030204" pitchFamily="34" charset="0"/>
                           <a:cs typeface="Times New Roman" panose="02020603050405020304" pitchFamily="18" charset="0"/>
                         </a:rPr>
-                        <a:t>0.0160</a:t>
+                        <a:t>0.0252</a:t>
                       </a:r>
                       <a:endParaRPr lang="en-US" sz="1100">
                         <a:effectLst/>
@@ -13336,7 +10330,7 @@
                 </a:tc>
                 <a:extLst>
                   <a:ext uri="{0D108BD9-81ED-4DB2-BD59-A6C34878D82A}">
-                    <a16:rowId xmlns:a16="http://schemas.microsoft.com/office/drawing/2014/main" val="3836396828"/>
+                    <a16:rowId xmlns:a16="http://schemas.microsoft.com/office/drawing/2014/main" val="1487259574"/>
                   </a:ext>
                 </a:extLst>
               </a:tr>
@@ -13358,15 +10352,15 @@
                         </a:spcAft>
                       </a:pPr>
                       <a:r>
-                        <a:rPr lang="en-US" sz="1000" b="1">
+                        <a:rPr lang="en-US" sz="1200" b="1" dirty="0">
                           <a:effectLst/>
                           <a:latin typeface="Times New Roman" panose="02020603050405020304" pitchFamily="18" charset="0"/>
                           <a:ea typeface="Calibri" panose="020F0502020204030204" pitchFamily="34" charset="0"/>
                           <a:cs typeface="Times New Roman" panose="02020603050405020304" pitchFamily="18" charset="0"/>
                         </a:rPr>
-                        <a:t>Days in Study</a:t>
+                        <a:t>Week</a:t>
                       </a:r>
-                      <a:endParaRPr lang="en-US" sz="1100">
+                      <a:endParaRPr lang="en-US" sz="1100" dirty="0">
                         <a:effectLst/>
                         <a:latin typeface="Calibri" panose="020F0502020204030204" pitchFamily="34" charset="0"/>
                         <a:ea typeface="Calibri" panose="020F0502020204030204" pitchFamily="34" charset="0"/>
@@ -13412,7 +10406,7 @@
                         </a:spcAft>
                       </a:pPr>
                       <a:r>
-                        <a:rPr lang="en-US" sz="1000">
+                        <a:rPr lang="en-US" sz="1200">
                           <a:effectLst/>
                           <a:latin typeface="Times New Roman" panose="02020603050405020304" pitchFamily="18" charset="0"/>
                           <a:ea typeface="Calibri" panose="020F0502020204030204" pitchFamily="34" charset="0"/>
@@ -13466,13 +10460,13 @@
                         </a:spcAft>
                       </a:pPr>
                       <a:r>
-                        <a:rPr lang="en-US" sz="1000">
+                        <a:rPr lang="en-US" sz="1200">
                           <a:effectLst/>
                           <a:latin typeface="Times New Roman" panose="02020603050405020304" pitchFamily="18" charset="0"/>
                           <a:ea typeface="Calibri" panose="020F0502020204030204" pitchFamily="34" charset="0"/>
                           <a:cs typeface="Times New Roman" panose="02020603050405020304" pitchFamily="18" charset="0"/>
                         </a:rPr>
-                        <a:t>15E3</a:t>
+                        <a:t>85</a:t>
                       </a:r>
                       <a:endParaRPr lang="en-US" sz="1100">
                         <a:effectLst/>
@@ -13514,13 +10508,13 @@
                         </a:spcAft>
                       </a:pPr>
                       <a:r>
-                        <a:rPr lang="en-US" sz="1000">
+                        <a:rPr lang="en-US" sz="1200">
                           <a:effectLst/>
                           <a:latin typeface="Times New Roman" panose="02020603050405020304" pitchFamily="18" charset="0"/>
                           <a:ea typeface="Calibri" panose="020F0502020204030204" pitchFamily="34" charset="0"/>
                           <a:cs typeface="Times New Roman" panose="02020603050405020304" pitchFamily="18" charset="0"/>
                         </a:rPr>
-                        <a:t>52.96</a:t>
+                        <a:t>348.97</a:t>
                       </a:r>
                       <a:endParaRPr lang="en-US" sz="1100">
                         <a:effectLst/>
@@ -13562,7 +10556,7 @@
                         </a:spcAft>
                       </a:pPr>
                       <a:r>
-                        <a:rPr lang="en-US" sz="1000">
+                        <a:rPr lang="en-US" sz="1200">
                           <a:effectLst/>
                           <a:latin typeface="Times New Roman" panose="02020603050405020304" pitchFamily="18" charset="0"/>
                           <a:ea typeface="Calibri" panose="020F0502020204030204" pitchFamily="34" charset="0"/>
@@ -13595,7 +10589,7 @@
                 </a:tc>
                 <a:extLst>
                   <a:ext uri="{0D108BD9-81ED-4DB2-BD59-A6C34878D82A}">
-                    <a16:rowId xmlns:a16="http://schemas.microsoft.com/office/drawing/2014/main" val="3876662989"/>
+                    <a16:rowId xmlns:a16="http://schemas.microsoft.com/office/drawing/2014/main" val="479128702"/>
                   </a:ext>
                 </a:extLst>
               </a:tr>
@@ -13617,15 +10611,15 @@
                         </a:spcAft>
                       </a:pPr>
                       <a:r>
-                        <a:rPr lang="en-US" sz="1000" b="1">
+                        <a:rPr lang="en-US" sz="1200" b="1" dirty="0">
                           <a:effectLst/>
                           <a:latin typeface="Times New Roman" panose="02020603050405020304" pitchFamily="18" charset="0"/>
                           <a:ea typeface="Calibri" panose="020F0502020204030204" pitchFamily="34" charset="0"/>
                           <a:cs typeface="Times New Roman" panose="02020603050405020304" pitchFamily="18" charset="0"/>
                         </a:rPr>
-                        <a:t>Month</a:t>
+                        <a:t>Week * Week</a:t>
                       </a:r>
-                      <a:endParaRPr lang="en-US" sz="1100">
+                      <a:endParaRPr lang="en-US" sz="1100" dirty="0">
                         <a:effectLst/>
                         <a:latin typeface="Calibri" panose="020F0502020204030204" pitchFamily="34" charset="0"/>
                         <a:ea typeface="Calibri" panose="020F0502020204030204" pitchFamily="34" charset="0"/>
@@ -13671,13 +10665,13 @@
                         </a:spcAft>
                       </a:pPr>
                       <a:r>
-                        <a:rPr lang="en-US" sz="1000">
+                        <a:rPr lang="en-US" sz="1200">
                           <a:effectLst/>
                           <a:latin typeface="Times New Roman" panose="02020603050405020304" pitchFamily="18" charset="0"/>
                           <a:ea typeface="Calibri" panose="020F0502020204030204" pitchFamily="34" charset="0"/>
                           <a:cs typeface="Times New Roman" panose="02020603050405020304" pitchFamily="18" charset="0"/>
                         </a:rPr>
-                        <a:t>11</a:t>
+                        <a:t>1</a:t>
                       </a:r>
                       <a:endParaRPr lang="en-US" sz="1100">
                         <a:effectLst/>
@@ -13725,13 +10719,13 @@
                         </a:spcAft>
                       </a:pPr>
                       <a:r>
-                        <a:rPr lang="en-US" sz="1000">
+                        <a:rPr lang="en-US" sz="1200">
                           <a:effectLst/>
                           <a:latin typeface="Times New Roman" panose="02020603050405020304" pitchFamily="18" charset="0"/>
                           <a:ea typeface="Calibri" panose="020F0502020204030204" pitchFamily="34" charset="0"/>
                           <a:cs typeface="Times New Roman" panose="02020603050405020304" pitchFamily="18" charset="0"/>
                         </a:rPr>
-                        <a:t>752</a:t>
+                        <a:t>3149</a:t>
                       </a:r>
                       <a:endParaRPr lang="en-US" sz="1100">
                         <a:effectLst/>
@@ -13773,13 +10767,13 @@
                         </a:spcAft>
                       </a:pPr>
                       <a:r>
-                        <a:rPr lang="en-US" sz="1000">
+                        <a:rPr lang="en-US" sz="1200">
                           <a:effectLst/>
                           <a:latin typeface="Times New Roman" panose="02020603050405020304" pitchFamily="18" charset="0"/>
                           <a:ea typeface="Calibri" panose="020F0502020204030204" pitchFamily="34" charset="0"/>
                           <a:cs typeface="Times New Roman" panose="02020603050405020304" pitchFamily="18" charset="0"/>
                         </a:rPr>
-                        <a:t>2.80</a:t>
+                        <a:t>231.25</a:t>
                       </a:r>
                       <a:endParaRPr lang="en-US" sz="1100">
                         <a:effectLst/>
@@ -13821,13 +10815,13 @@
                         </a:spcAft>
                       </a:pPr>
                       <a:r>
-                        <a:rPr lang="en-US" sz="1000" dirty="0">
+                        <a:rPr lang="en-US" sz="1200" dirty="0">
                           <a:effectLst/>
                           <a:latin typeface="Times New Roman" panose="02020603050405020304" pitchFamily="18" charset="0"/>
                           <a:ea typeface="Calibri" panose="020F0502020204030204" pitchFamily="34" charset="0"/>
                           <a:cs typeface="Times New Roman" panose="02020603050405020304" pitchFamily="18" charset="0"/>
                         </a:rPr>
-                        <a:t>0.0014</a:t>
+                        <a:t>&lt;.0001</a:t>
                       </a:r>
                       <a:endParaRPr lang="en-US" sz="1100" dirty="0">
                         <a:effectLst/>
@@ -13854,7 +10848,7 @@
                 </a:tc>
                 <a:extLst>
                   <a:ext uri="{0D108BD9-81ED-4DB2-BD59-A6C34878D82A}">
-                    <a16:rowId xmlns:a16="http://schemas.microsoft.com/office/drawing/2014/main" val="920597304"/>
+                    <a16:rowId xmlns:a16="http://schemas.microsoft.com/office/drawing/2014/main" val="3323542906"/>
                   </a:ext>
                 </a:extLst>
               </a:tr>
@@ -13862,36 +10856,36 @@
           </a:graphicData>
         </a:graphic>
       </p:graphicFrame>
-      <p:sp>
-        <p:nvSpPr>
-          <p:cNvPr id="7" name="Content Placeholder 2">
+      <p:pic>
+        <p:nvPicPr>
+          <p:cNvPr id="13" name="Picture 12">
             <a:extLst>
               <a:ext uri="{FF2B5EF4-FFF2-40B4-BE49-F238E27FC236}">
-                <a16:creationId xmlns:a16="http://schemas.microsoft.com/office/drawing/2014/main" id="{366A14AD-691E-4AB8-BDE8-8120773E8B43}"/>
+                <a16:creationId xmlns:a16="http://schemas.microsoft.com/office/drawing/2014/main" id="{8FA79385-EE1C-4E33-A01D-EA707162A8F6}"/>
               </a:ext>
             </a:extLst>
           </p:cNvPr>
-          <p:cNvSpPr>
-            <a:spLocks noGrp="1"/>
-          </p:cNvSpPr>
-          <p:nvPr>
-            <p:ph idx="1"/>
-          </p:nvPr>
-        </p:nvSpPr>
+          <p:cNvPicPr>
+            <a:picLocks noChangeAspect="1"/>
+          </p:cNvPicPr>
+          <p:nvPr/>
+        </p:nvPicPr>
+        <p:blipFill>
+          <a:blip r:embed="rId2"/>
+          <a:stretch>
+            <a:fillRect/>
+          </a:stretch>
+        </p:blipFill>
         <p:spPr>
           <a:xfrm>
-            <a:off x="1097280" y="1845734"/>
-            <a:ext cx="6004856" cy="3143516"/>
+            <a:off x="6031193" y="743040"/>
+            <a:ext cx="5207937" cy="3862885"/>
           </a:xfrm>
+          <a:prstGeom prst="rect">
+            <a:avLst/>
+          </a:prstGeom>
         </p:spPr>
-        <p:txBody>
-          <a:bodyPr/>
-          <a:lstStyle/>
-          <a:p>
-            <a:endParaRPr lang="en-US" dirty="0"/>
-          </a:p>
-        </p:txBody>
-      </p:sp>
+      </p:pic>
     </p:spTree>
     <p:extLst>
       <p:ext uri="{BB962C8B-B14F-4D97-AF65-F5344CB8AC3E}">
@@ -13927,7 +10921,7 @@
           <p:cNvPr id="2" name="Title 1">
             <a:extLst>
               <a:ext uri="{FF2B5EF4-FFF2-40B4-BE49-F238E27FC236}">
-                <a16:creationId xmlns:a16="http://schemas.microsoft.com/office/drawing/2014/main" id="{43D1BC41-1471-40DC-AB62-0A2E715B16F6}"/>
+                <a16:creationId xmlns:a16="http://schemas.microsoft.com/office/drawing/2014/main" id="{3A9C8953-94C7-411F-B58F-5880D75E63B4}"/>
               </a:ext>
             </a:extLst>
           </p:cNvPr>
@@ -13948,7 +10942,7 @@
                 <a:latin typeface="Times New Roman" panose="02020603050405020304" pitchFamily="18" charset="0"/>
                 <a:cs typeface="Times New Roman" panose="02020603050405020304" pitchFamily="18" charset="0"/>
               </a:rPr>
-              <a:t>What to do about Age? </a:t>
+              <a:t>Challenges and Limitations</a:t>
             </a:r>
           </a:p>
         </p:txBody>
@@ -13958,7 +10952,7 @@
           <p:cNvPr id="3" name="Content Placeholder 2">
             <a:extLst>
               <a:ext uri="{FF2B5EF4-FFF2-40B4-BE49-F238E27FC236}">
-                <a16:creationId xmlns:a16="http://schemas.microsoft.com/office/drawing/2014/main" id="{B2980C62-E5BE-41B5-9883-0DB082239472}"/>
+                <a16:creationId xmlns:a16="http://schemas.microsoft.com/office/drawing/2014/main" id="{6B9812AD-7A59-48C7-AFAD-8FBA7BBC493F}"/>
               </a:ext>
             </a:extLst>
           </p:cNvPr>
@@ -13974,118 +10968,51 @@
           <a:bodyPr/>
           <a:lstStyle/>
           <a:p>
+            <a:pPr marL="578358" lvl="1" indent="-285750"/>
+            <a:r>
+              <a:rPr lang="en-US" dirty="0"/>
+              <a:t>Missing data </a:t>
+            </a:r>
+          </a:p>
+          <a:p>
+            <a:pPr marL="578358" lvl="1" indent="-285750"/>
             <a:endParaRPr lang="en-US" dirty="0"/>
+          </a:p>
+          <a:p>
+            <a:pPr marL="578358" lvl="1" indent="-285750"/>
+            <a:r>
+              <a:rPr lang="en-US" dirty="0"/>
+              <a:t>The effect of age </a:t>
+            </a:r>
+          </a:p>
+          <a:p>
+            <a:pPr marL="578358" lvl="1" indent="-285750"/>
+            <a:endParaRPr lang="en-US" dirty="0"/>
+          </a:p>
+          <a:p>
+            <a:pPr marL="578358" lvl="1" indent="-285750"/>
+            <a:r>
+              <a:rPr lang="en-US" dirty="0"/>
+              <a:t>We do not yet have intervention information</a:t>
+            </a:r>
+          </a:p>
+          <a:p>
+            <a:pPr marL="578358" lvl="1" indent="-285750"/>
+            <a:endParaRPr lang="en-US" dirty="0"/>
+          </a:p>
+          <a:p>
+            <a:pPr marL="578358" lvl="1" indent="-285750"/>
+            <a:r>
+              <a:rPr lang="en-US" dirty="0"/>
+              <a:t>This is an ongoing study, so some data was incomplete</a:t>
+            </a:r>
           </a:p>
         </p:txBody>
       </p:sp>
     </p:spTree>
     <p:extLst>
       <p:ext uri="{BB962C8B-B14F-4D97-AF65-F5344CB8AC3E}">
-        <p14:creationId xmlns:p14="http://schemas.microsoft.com/office/powerpoint/2010/main" val="2614594234"/>
-      </p:ext>
-    </p:extLst>
-  </p:cSld>
-  <p:clrMapOvr>
-    <a:masterClrMapping/>
-  </p:clrMapOvr>
-</p:sld>
-</file>
-
-<file path=ppt/slides/slide9.xml><?xml version="1.0" encoding="utf-8"?>
-<p:sld xmlns:a="http://schemas.openxmlformats.org/drawingml/2006/main" xmlns:r="http://schemas.openxmlformats.org/officeDocument/2006/relationships" xmlns:p="http://schemas.openxmlformats.org/presentationml/2006/main">
-  <p:cSld>
-    <p:spTree>
-      <p:nvGrpSpPr>
-        <p:cNvPr id="1" name=""/>
-        <p:cNvGrpSpPr/>
-        <p:nvPr/>
-      </p:nvGrpSpPr>
-      <p:grpSpPr>
-        <a:xfrm>
-          <a:off x="0" y="0"/>
-          <a:ext cx="0" cy="0"/>
-          <a:chOff x="0" y="0"/>
-          <a:chExt cx="0" cy="0"/>
-        </a:xfrm>
-      </p:grpSpPr>
-      <p:sp>
-        <p:nvSpPr>
-          <p:cNvPr id="2" name="Title 1">
-            <a:extLst>
-              <a:ext uri="{FF2B5EF4-FFF2-40B4-BE49-F238E27FC236}">
-                <a16:creationId xmlns:a16="http://schemas.microsoft.com/office/drawing/2014/main" id="{143A3F9B-F804-4385-A044-4FC049055DF1}"/>
-              </a:ext>
-            </a:extLst>
-          </p:cNvPr>
-          <p:cNvSpPr>
-            <a:spLocks noGrp="1"/>
-          </p:cNvSpPr>
-          <p:nvPr>
-            <p:ph type="title"/>
-          </p:nvPr>
-        </p:nvSpPr>
-        <p:spPr/>
-        <p:txBody>
-          <a:bodyPr/>
-          <a:lstStyle/>
-          <a:p>
-            <a:r>
-              <a:rPr lang="en-US" dirty="0">
-                <a:latin typeface="Times New Roman" panose="02020603050405020304" pitchFamily="18" charset="0"/>
-                <a:cs typeface="Times New Roman" panose="02020603050405020304" pitchFamily="18" charset="0"/>
-              </a:rPr>
-              <a:t>Limitations</a:t>
-            </a:r>
-            <a:endParaRPr lang="en-US" dirty="0"/>
-          </a:p>
-        </p:txBody>
-      </p:sp>
-      <p:sp>
-        <p:nvSpPr>
-          <p:cNvPr id="3" name="Content Placeholder 2">
-            <a:extLst>
-              <a:ext uri="{FF2B5EF4-FFF2-40B4-BE49-F238E27FC236}">
-                <a16:creationId xmlns:a16="http://schemas.microsoft.com/office/drawing/2014/main" id="{D2E66BC3-34F2-4BD0-9D91-AC9B6FAA4F1C}"/>
-              </a:ext>
-            </a:extLst>
-          </p:cNvPr>
-          <p:cNvSpPr>
-            <a:spLocks noGrp="1"/>
-          </p:cNvSpPr>
-          <p:nvPr>
-            <p:ph idx="1"/>
-          </p:nvPr>
-        </p:nvSpPr>
-        <p:spPr/>
-        <p:txBody>
-          <a:bodyPr/>
-          <a:lstStyle/>
-          <a:p>
-            <a:pPr lvl="1"/>
-            <a:r>
-              <a:rPr lang="en-US" dirty="0">
-                <a:latin typeface="Times New Roman" panose="02020603050405020304" pitchFamily="18" charset="0"/>
-                <a:cs typeface="Times New Roman" panose="02020603050405020304" pitchFamily="18" charset="0"/>
-              </a:rPr>
-              <a:t>Missing Data</a:t>
-            </a:r>
-          </a:p>
-          <a:p>
-            <a:pPr lvl="1"/>
-            <a:r>
-              <a:rPr lang="en-US" dirty="0">
-                <a:latin typeface="Times New Roman" panose="02020603050405020304" pitchFamily="18" charset="0"/>
-                <a:cs typeface="Times New Roman" panose="02020603050405020304" pitchFamily="18" charset="0"/>
-              </a:rPr>
-              <a:t>The effect of age </a:t>
-            </a:r>
-          </a:p>
-        </p:txBody>
-      </p:sp>
-    </p:spTree>
-    <p:extLst>
-      <p:ext uri="{BB962C8B-B14F-4D97-AF65-F5344CB8AC3E}">
-        <p14:creationId xmlns:p14="http://schemas.microsoft.com/office/powerpoint/2010/main" val="1580020851"/>
+        <p14:creationId xmlns:p14="http://schemas.microsoft.com/office/powerpoint/2010/main" val="2699403614"/>
       </p:ext>
     </p:extLst>
   </p:cSld>
